--- a/materials/slides/ch02-React基础语法.pptx
+++ b/materials/slides/ch02-React基础语法.pptx
@@ -8138,19 +8138,20 @@
           <a:p>
             <a:pPr marL="593090" lvl="2"/>
             <a:r>
-              <a:rPr lang="zh-CN" altLang="en-US" dirty="0"/>
-              <a:t>初始化</a:t>
+              <a:rPr lang="zh-CN" altLang="en-US" smtClean="0"/>
+              <a:t> 初始化</a:t>
             </a:r>
             <a:r>
               <a:rPr lang="en-US" altLang="zh-CN" dirty="0" smtClean="0"/>
               <a:t> </a:t>
             </a:r>
+            <a:endParaRPr lang="en-US" altLang="zh-CN" dirty="0" smtClean="0"/>
           </a:p>
           <a:p>
             <a:pPr marL="593090" lvl="2"/>
             <a:r>
               <a:rPr lang="zh-CN" altLang="en-US" dirty="0" smtClean="0"/>
-              <a:t>挂载</a:t>
+              <a:t> 挂载</a:t>
             </a:r>
             <a:endParaRPr lang="en-US" altLang="zh-CN" dirty="0" smtClean="0"/>
           </a:p>
@@ -15553,21 +15554,18 @@
               <a:t>React.createElement</a:t>
             </a:r>
             <a:r>
-              <a:rPr lang="en-US" altLang="zh-CN" dirty="0"/>
-              <a:t>( type [, props</a:t>
+              <a:rPr lang="en-US" altLang="zh-CN" smtClean="0"/>
+              <a:t>(  type</a:t>
             </a:r>
             <a:r>
               <a:rPr lang="en-US" altLang="zh-CN" dirty="0" smtClean="0"/>
-              <a:t>] [, ...</a:t>
-            </a:r>
-            <a:r>
-              <a:rPr lang="en-US" altLang="zh-CN" dirty="0"/>
-              <a:t>children] </a:t>
-            </a:r>
-            <a:r>
-              <a:rPr lang="en-US" altLang="zh-CN" dirty="0" smtClean="0"/>
-              <a:t>)</a:t>
-            </a:r>
+              <a:t>, props, ...</a:t>
+            </a:r>
+            <a:r>
+              <a:rPr lang="en-US" altLang="zh-CN" smtClean="0"/>
+              <a:t>children  )</a:t>
+            </a:r>
+            <a:endParaRPr lang="en-US" altLang="zh-CN" dirty="0" smtClean="0"/>
           </a:p>
           <a:p>
             <a:pPr marL="593090" lvl="2"/>

--- a/materials/slides/ch02-React基础语法.pptx
+++ b/materials/slides/ch02-React基础语法.pptx
@@ -162,6 +162,27 @@
       </a:defRPr>
     </a:lvl9pPr>
   </p:defaultTextStyle>
+  <p:extLst>
+    <p:ext uri="{EFAFB233-063F-42B5-8137-9DF3F51BA10A}">
+      <p15:sldGuideLst xmlns:p15="http://schemas.microsoft.com/office/powerpoint/2012/main">
+        <p15:guide id="1" orient="horz">
+          <p15:clr>
+            <a:srgbClr val="A4A3A4"/>
+          </p15:clr>
+        </p15:guide>
+        <p15:guide id="2">
+          <p15:clr>
+            <a:srgbClr val="A4A3A4"/>
+          </p15:clr>
+        </p15:guide>
+        <p15:guide id="3" pos="7499">
+          <p15:clr>
+            <a:srgbClr val="A4A3A4"/>
+          </p15:clr>
+        </p15:guide>
+      </p15:sldGuideLst>
+    </p:ext>
+  </p:extLst>
 </p:presentation>
 </file>
 
@@ -349,35 +370,35 @@
           <a:p>
             <a:pPr lvl="0"/>
             <a:r>
-              <a:rPr lang="zh-CN" altLang="zh-CN" noProof="0" smtClean="0"/>
+              <a:rPr lang="zh-CN" altLang="zh-CN" noProof="0"/>
               <a:t>                                                   </a:t>
             </a:r>
           </a:p>
           <a:p>
             <a:pPr lvl="1"/>
             <a:r>
-              <a:rPr lang="zh-CN" altLang="zh-CN" noProof="0" smtClean="0"/>
+              <a:rPr lang="zh-CN" altLang="zh-CN" noProof="0"/>
               <a:t>               </a:t>
             </a:r>
           </a:p>
           <a:p>
             <a:pPr lvl="2"/>
             <a:r>
-              <a:rPr lang="zh-CN" altLang="zh-CN" noProof="0" smtClean="0"/>
+              <a:rPr lang="zh-CN" altLang="zh-CN" noProof="0"/>
               <a:t>                </a:t>
             </a:r>
           </a:p>
           <a:p>
             <a:pPr lvl="3"/>
             <a:r>
-              <a:rPr lang="zh-CN" altLang="zh-CN" noProof="0" smtClean="0"/>
+              <a:rPr lang="zh-CN" altLang="zh-CN" noProof="0"/>
               <a:t>                </a:t>
             </a:r>
           </a:p>
           <a:p>
             <a:pPr lvl="4"/>
             <a:r>
-              <a:rPr lang="zh-CN" altLang="zh-CN" noProof="0" smtClean="0"/>
+              <a:rPr lang="zh-CN" altLang="zh-CN" noProof="0"/>
               <a:t>                </a:t>
             </a:r>
           </a:p>
@@ -670,7 +691,7 @@
           <a:bodyPr/>
           <a:lstStyle/>
           <a:p>
-            <a:endParaRPr lang="zh-CN" altLang="en-US" smtClean="0"/>
+            <a:endParaRPr lang="zh-CN" altLang="en-US"/>
           </a:p>
         </p:txBody>
       </p:sp>
@@ -1751,7 +1772,7 @@
           <a:lstStyle/>
           <a:p>
             <a:r>
-              <a:rPr lang="en-US" altLang="zh-CN" sz="1200" b="0" i="0" kern="1200" dirty="0" smtClean="0">
+              <a:rPr lang="en-US" altLang="zh-CN" sz="1200" b="0" i="0" kern="1200" dirty="0">
                 <a:solidFill>
                   <a:schemeClr val="tx1"/>
                 </a:solidFill>
@@ -1763,7 +1784,7 @@
               <a:t>JSX</a:t>
             </a:r>
             <a:r>
-              <a:rPr lang="zh-CN" altLang="en-US" sz="1200" b="0" i="0" kern="1200" dirty="0" smtClean="0">
+              <a:rPr lang="zh-CN" altLang="en-US" sz="1200" b="0" i="0" kern="1200" dirty="0">
                 <a:solidFill>
                   <a:schemeClr val="tx1"/>
                 </a:solidFill>
@@ -1775,7 +1796,7 @@
               <a:t>就是</a:t>
             </a:r>
             <a:r>
-              <a:rPr lang="en-US" altLang="zh-CN" sz="1200" b="0" i="0" kern="1200" dirty="0" err="1" smtClean="0">
+              <a:rPr lang="en-US" altLang="zh-CN" sz="1200" b="0" i="0" kern="1200" dirty="0" err="1">
                 <a:solidFill>
                   <a:schemeClr val="tx1"/>
                 </a:solidFill>
@@ -1787,7 +1808,7 @@
               <a:t>Javascript</a:t>
             </a:r>
             <a:r>
-              <a:rPr lang="zh-CN" altLang="en-US" sz="1200" b="0" i="0" kern="1200" dirty="0" smtClean="0">
+              <a:rPr lang="zh-CN" altLang="en-US" sz="1200" b="0" i="0" kern="1200" dirty="0">
                 <a:solidFill>
                   <a:schemeClr val="tx1"/>
                 </a:solidFill>
@@ -1799,7 +1820,7 @@
               <a:t>和</a:t>
             </a:r>
             <a:r>
-              <a:rPr lang="en-US" altLang="zh-CN" sz="1200" b="0" i="0" kern="1200" dirty="0" smtClean="0">
+              <a:rPr lang="en-US" altLang="zh-CN" sz="1200" b="0" i="0" kern="1200" dirty="0">
                 <a:solidFill>
                   <a:schemeClr val="tx1"/>
                 </a:solidFill>
@@ -1811,7 +1832,7 @@
               <a:t>XML</a:t>
             </a:r>
             <a:r>
-              <a:rPr lang="zh-CN" altLang="en-US" sz="1200" b="0" i="0" kern="1200" dirty="0" smtClean="0">
+              <a:rPr lang="zh-CN" altLang="en-US" sz="1200" b="0" i="0" kern="1200" dirty="0">
                 <a:solidFill>
                   <a:schemeClr val="tx1"/>
                 </a:solidFill>
@@ -1823,7 +1844,7 @@
               <a:t>结合的一种格式。</a:t>
             </a:r>
             <a:r>
-              <a:rPr lang="en-US" altLang="zh-CN" sz="1200" b="0" i="0" kern="1200" dirty="0" smtClean="0">
+              <a:rPr lang="en-US" altLang="zh-CN" sz="1200" b="0" i="0" kern="1200" dirty="0">
                 <a:solidFill>
                   <a:schemeClr val="tx1"/>
                 </a:solidFill>
@@ -1835,7 +1856,7 @@
               <a:t>React</a:t>
             </a:r>
             <a:r>
-              <a:rPr lang="zh-CN" altLang="en-US" sz="1200" b="0" i="0" kern="1200" dirty="0" smtClean="0">
+              <a:rPr lang="zh-CN" altLang="en-US" sz="1200" b="0" i="0" kern="1200" dirty="0">
                 <a:solidFill>
                   <a:schemeClr val="tx1"/>
                 </a:solidFill>
@@ -1847,7 +1868,7 @@
               <a:t>发明了</a:t>
             </a:r>
             <a:r>
-              <a:rPr lang="en-US" altLang="zh-CN" sz="1200" b="0" i="0" kern="1200" dirty="0" smtClean="0">
+              <a:rPr lang="en-US" altLang="zh-CN" sz="1200" b="0" i="0" kern="1200" dirty="0">
                 <a:solidFill>
                   <a:schemeClr val="tx1"/>
                 </a:solidFill>
@@ -1859,7 +1880,7 @@
               <a:t>JSX</a:t>
             </a:r>
             <a:r>
-              <a:rPr lang="zh-CN" altLang="en-US" sz="1200" b="0" i="0" kern="1200" dirty="0" smtClean="0">
+              <a:rPr lang="zh-CN" altLang="en-US" sz="1200" b="0" i="0" kern="1200" dirty="0">
                 <a:solidFill>
                   <a:schemeClr val="tx1"/>
                 </a:solidFill>
@@ -1871,7 +1892,7 @@
               <a:t>，利用</a:t>
             </a:r>
             <a:r>
-              <a:rPr lang="en-US" altLang="zh-CN" sz="1200" b="0" i="0" kern="1200" dirty="0" smtClean="0">
+              <a:rPr lang="en-US" altLang="zh-CN" sz="1200" b="0" i="0" kern="1200" dirty="0">
                 <a:solidFill>
                   <a:schemeClr val="tx1"/>
                 </a:solidFill>
@@ -1883,7 +1904,7 @@
               <a:t>HTML</a:t>
             </a:r>
             <a:r>
-              <a:rPr lang="zh-CN" altLang="en-US" sz="1200" b="0" i="0" kern="1200" dirty="0" smtClean="0">
+              <a:rPr lang="zh-CN" altLang="en-US" sz="1200" b="0" i="0" kern="1200" dirty="0">
                 <a:solidFill>
                   <a:schemeClr val="tx1"/>
                 </a:solidFill>
@@ -1895,7 +1916,7 @@
               <a:t>语法来创建虚拟</a:t>
             </a:r>
             <a:r>
-              <a:rPr lang="en-US" altLang="zh-CN" sz="1200" b="0" i="0" kern="1200" dirty="0" smtClean="0">
+              <a:rPr lang="en-US" altLang="zh-CN" sz="1200" b="0" i="0" kern="1200" dirty="0">
                 <a:solidFill>
                   <a:schemeClr val="tx1"/>
                 </a:solidFill>
@@ -1907,7 +1928,7 @@
               <a:t>DOM</a:t>
             </a:r>
             <a:r>
-              <a:rPr lang="zh-CN" altLang="en-US" sz="1200" b="0" i="0" kern="1200" dirty="0" smtClean="0">
+              <a:rPr lang="zh-CN" altLang="en-US" sz="1200" b="0" i="0" kern="1200" dirty="0">
                 <a:solidFill>
                   <a:schemeClr val="tx1"/>
                 </a:solidFill>
@@ -1919,7 +1940,7 @@
               <a:t>。当遇到</a:t>
             </a:r>
             <a:r>
-              <a:rPr lang="en-US" altLang="zh-CN" sz="1200" b="0" i="0" kern="1200" dirty="0" smtClean="0">
+              <a:rPr lang="en-US" altLang="zh-CN" sz="1200" b="0" i="0" kern="1200" dirty="0">
                 <a:solidFill>
                   <a:schemeClr val="tx1"/>
                 </a:solidFill>
@@ -1931,7 +1952,7 @@
               <a:t>&lt;</a:t>
             </a:r>
             <a:r>
-              <a:rPr lang="zh-CN" altLang="en-US" sz="1200" b="0" i="0" kern="1200" dirty="0" smtClean="0">
+              <a:rPr lang="zh-CN" altLang="en-US" sz="1200" b="0" i="0" kern="1200" dirty="0">
                 <a:solidFill>
                   <a:schemeClr val="tx1"/>
                 </a:solidFill>
@@ -1943,7 +1964,7 @@
               <a:t>，</a:t>
             </a:r>
             <a:r>
-              <a:rPr lang="en-US" altLang="zh-CN" sz="1200" b="0" i="0" kern="1200" dirty="0" smtClean="0">
+              <a:rPr lang="en-US" altLang="zh-CN" sz="1200" b="0" i="0" kern="1200" dirty="0">
                 <a:solidFill>
                   <a:schemeClr val="tx1"/>
                 </a:solidFill>
@@ -1955,7 +1976,7 @@
               <a:t>JSX</a:t>
             </a:r>
             <a:r>
-              <a:rPr lang="zh-CN" altLang="en-US" sz="1200" b="0" i="0" kern="1200" dirty="0" smtClean="0">
+              <a:rPr lang="zh-CN" altLang="en-US" sz="1200" b="0" i="0" kern="1200" dirty="0">
                 <a:solidFill>
                   <a:schemeClr val="tx1"/>
                 </a:solidFill>
@@ -1967,7 +1988,7 @@
               <a:t>就当</a:t>
             </a:r>
             <a:r>
-              <a:rPr lang="en-US" altLang="zh-CN" sz="1200" b="0" i="0" kern="1200" dirty="0" smtClean="0">
+              <a:rPr lang="en-US" altLang="zh-CN" sz="1200" b="0" i="0" kern="1200" dirty="0">
                 <a:solidFill>
                   <a:schemeClr val="tx1"/>
                 </a:solidFill>
@@ -1979,7 +2000,7 @@
               <a:t>HTML</a:t>
             </a:r>
             <a:r>
-              <a:rPr lang="zh-CN" altLang="en-US" sz="1200" b="0" i="0" kern="1200" dirty="0" smtClean="0">
+              <a:rPr lang="zh-CN" altLang="en-US" sz="1200" b="0" i="0" kern="1200" dirty="0">
                 <a:solidFill>
                   <a:schemeClr val="tx1"/>
                 </a:solidFill>
@@ -1991,7 +2012,7 @@
               <a:t>解析，遇到</a:t>
             </a:r>
             <a:r>
-              <a:rPr lang="en-US" altLang="zh-CN" sz="1200" b="0" i="0" kern="1200" dirty="0" smtClean="0">
+              <a:rPr lang="en-US" altLang="zh-CN" sz="1200" b="0" i="0" kern="1200" dirty="0">
                 <a:solidFill>
                   <a:schemeClr val="tx1"/>
                 </a:solidFill>
@@ -2003,7 +2024,7 @@
               <a:t>{</a:t>
             </a:r>
             <a:r>
-              <a:rPr lang="zh-CN" altLang="en-US" sz="1200" b="0" i="0" kern="1200" dirty="0" smtClean="0">
+              <a:rPr lang="zh-CN" altLang="en-US" sz="1200" b="0" i="0" kern="1200" dirty="0">
                 <a:solidFill>
                   <a:schemeClr val="tx1"/>
                 </a:solidFill>
@@ -2015,7 +2036,7 @@
               <a:t>就当</a:t>
             </a:r>
             <a:r>
-              <a:rPr lang="en-US" altLang="zh-CN" sz="1200" b="0" i="0" kern="1200" dirty="0" smtClean="0">
+              <a:rPr lang="en-US" altLang="zh-CN" sz="1200" b="0" i="0" kern="1200" dirty="0">
                 <a:solidFill>
                   <a:schemeClr val="tx1"/>
                 </a:solidFill>
@@ -2027,7 +2048,7 @@
               <a:t>JavaScript</a:t>
             </a:r>
             <a:r>
-              <a:rPr lang="zh-CN" altLang="en-US" sz="1200" b="0" i="0" kern="1200" dirty="0" smtClean="0">
+              <a:rPr lang="zh-CN" altLang="en-US" sz="1200" b="0" i="0" kern="1200" dirty="0">
                 <a:solidFill>
                   <a:schemeClr val="tx1"/>
                 </a:solidFill>
@@ -2146,7 +2167,7 @@
           <a:bodyPr/>
           <a:lstStyle/>
           <a:p>
-            <a:endParaRPr lang="zh-CN" altLang="en-US" smtClean="0"/>
+            <a:endParaRPr lang="zh-CN" altLang="en-US"/>
           </a:p>
         </p:txBody>
       </p:sp>
@@ -2899,7 +2920,7 @@
           <a:bodyPr/>
           <a:lstStyle/>
           <a:p>
-            <a:endParaRPr lang="zh-CN" altLang="en-US" smtClean="0"/>
+            <a:endParaRPr lang="zh-CN" altLang="en-US"/>
           </a:p>
         </p:txBody>
       </p:sp>
@@ -3391,7 +3412,7 @@
           <a:bodyPr/>
           <a:lstStyle/>
           <a:p>
-            <a:endParaRPr lang="zh-CN" altLang="en-US" smtClean="0"/>
+            <a:endParaRPr lang="zh-CN" altLang="en-US"/>
           </a:p>
         </p:txBody>
       </p:sp>
@@ -3624,28 +3645,28 @@
           <a:p>
             <a:pPr lvl="0"/>
             <a:r>
-              <a:rPr lang="zh-CN" altLang="en-US" dirty="0" smtClean="0"/>
+              <a:rPr lang="zh-CN" altLang="en-US" dirty="0"/>
               <a:t>单击此处编辑母版文本样式</a:t>
             </a:r>
           </a:p>
           <a:p>
             <a:pPr lvl="1"/>
             <a:r>
-              <a:rPr lang="zh-CN" altLang="en-US" dirty="0" smtClean="0"/>
+              <a:rPr lang="zh-CN" altLang="en-US" dirty="0"/>
               <a:t>第二级</a:t>
             </a:r>
           </a:p>
           <a:p>
             <a:pPr lvl="2"/>
             <a:r>
-              <a:rPr lang="zh-CN" altLang="en-US" dirty="0" smtClean="0"/>
+              <a:rPr lang="zh-CN" altLang="en-US" dirty="0"/>
               <a:t>第三级</a:t>
             </a:r>
           </a:p>
           <a:p>
             <a:pPr lvl="3"/>
             <a:r>
-              <a:rPr lang="zh-CN" altLang="en-US" dirty="0" smtClean="0"/>
+              <a:rPr lang="zh-CN" altLang="en-US" dirty="0"/>
               <a:t>第四级</a:t>
             </a:r>
           </a:p>
@@ -3706,7 +3727,7 @@
           <a:p>
             <a:pPr lvl="0"/>
             <a:r>
-              <a:rPr lang="zh-CN" altLang="en-US" dirty="0" smtClean="0"/>
+              <a:rPr lang="zh-CN" altLang="en-US" dirty="0"/>
               <a:t>单击此处编辑母版文本样式</a:t>
             </a:r>
           </a:p>
@@ -3879,28 +3900,28 @@
           <a:p>
             <a:pPr lvl="0"/>
             <a:r>
-              <a:rPr lang="zh-CN" altLang="en-US" dirty="0" smtClean="0"/>
+              <a:rPr lang="zh-CN" altLang="en-US" dirty="0"/>
               <a:t>单击此处编辑母版文本样式</a:t>
             </a:r>
           </a:p>
           <a:p>
             <a:pPr lvl="1"/>
             <a:r>
-              <a:rPr lang="zh-CN" altLang="en-US" dirty="0" smtClean="0"/>
+              <a:rPr lang="zh-CN" altLang="en-US" dirty="0"/>
               <a:t>第二级</a:t>
             </a:r>
           </a:p>
           <a:p>
             <a:pPr lvl="2"/>
             <a:r>
-              <a:rPr lang="zh-CN" altLang="en-US" dirty="0" smtClean="0"/>
+              <a:rPr lang="zh-CN" altLang="en-US" dirty="0"/>
               <a:t>第三级</a:t>
             </a:r>
           </a:p>
           <a:p>
             <a:pPr lvl="3"/>
             <a:r>
-              <a:rPr lang="zh-CN" altLang="en-US" dirty="0" smtClean="0"/>
+              <a:rPr lang="zh-CN" altLang="en-US" dirty="0"/>
               <a:t>第四级</a:t>
             </a:r>
           </a:p>
@@ -3961,7 +3982,7 @@
           <a:p>
             <a:pPr lvl="0"/>
             <a:r>
-              <a:rPr lang="zh-CN" altLang="en-US" dirty="0" smtClean="0"/>
+              <a:rPr lang="zh-CN" altLang="en-US" dirty="0"/>
               <a:t>单击此处编辑母版文本样式</a:t>
             </a:r>
           </a:p>
@@ -4167,13 +4188,6 @@
     <p:sldLayoutId id="2147483651" r:id="rId3"/>
     <p:sldLayoutId id="2147483652" r:id="rId4"/>
   </p:sldLayoutIdLst>
-  <p:timing>
-    <p:tnLst>
-      <p:par>
-        <p:cTn id="1" dur="indefinite" restart="never" nodeType="tmRoot"/>
-      </p:par>
-    </p:tnLst>
-  </p:timing>
   <p:txStyles>
     <p:titleStyle>
       <a:lvl1pPr algn="l" rtl="0" eaLnBrk="0" fontAlgn="base" hangingPunct="0">
@@ -4711,20 +4725,20 @@
           <a:p>
             <a:pPr eaLnBrk="1" hangingPunct="1"/>
             <a:r>
-              <a:rPr lang="zh-CN" altLang="en-US" sz="4800" b="1" dirty="0" smtClean="0">
+              <a:rPr lang="zh-CN" altLang="en-US" sz="4800" b="1" dirty="0">
                 <a:ea typeface="宋体" panose="02010600030101010101" pitchFamily="2" charset="-122"/>
               </a:rPr>
               <a:t>   </a:t>
             </a:r>
             <a:r>
-              <a:rPr lang="en-US" altLang="zh-CN" sz="4800" b="1" dirty="0" smtClean="0"/>
+              <a:rPr lang="en-US" altLang="zh-CN" sz="4800" b="1" dirty="0"/>
               <a:t>React </a:t>
             </a:r>
             <a:r>
-              <a:rPr lang="zh-CN" altLang="en-US" sz="4800" b="1" dirty="0" smtClean="0"/>
+              <a:rPr lang="zh-CN" altLang="en-US" sz="4800" b="1" dirty="0"/>
               <a:t>程序开发</a:t>
             </a:r>
-            <a:endParaRPr lang="zh-CN" altLang="zh-CN" sz="4800" b="1" dirty="0" smtClean="0"/>
+            <a:endParaRPr lang="zh-CN" altLang="zh-CN" sz="4800" b="1" dirty="0"/>
           </a:p>
         </p:txBody>
       </p:sp>
@@ -4888,20 +4902,20 @@
               <a:t>--- </a:t>
             </a:r>
             <a:r>
-              <a:rPr lang="en-US" altLang="zh-CN" dirty="0" smtClean="0">
+              <a:rPr lang="en-US" altLang="zh-CN" dirty="0">
                 <a:latin typeface="+mn-ea"/>
                 <a:ea typeface="+mn-ea"/>
               </a:rPr>
               <a:t> React </a:t>
             </a:r>
             <a:r>
-              <a:rPr lang="zh-CN" altLang="en-US" dirty="0" smtClean="0">
+              <a:rPr lang="zh-CN" altLang="en-US" dirty="0">
                 <a:latin typeface="+mn-ea"/>
                 <a:ea typeface="+mn-ea"/>
               </a:rPr>
               <a:t>基础语法</a:t>
             </a:r>
-            <a:endParaRPr lang="zh-CN" altLang="en-US" sz="3600" dirty="0" smtClean="0">
+            <a:endParaRPr lang="zh-CN" altLang="en-US" sz="3600" dirty="0">
               <a:latin typeface="+mn-ea"/>
               <a:ea typeface="+mn-ea"/>
             </a:endParaRPr>
@@ -4968,13 +4982,6 @@
     <a:masterClrMapping/>
   </p:clrMapOvr>
   <p:transition advClick="0"/>
-  <p:timing>
-    <p:tnLst>
-      <p:par>
-        <p:cTn id="1" dur="indefinite" restart="never" nodeType="tmRoot"/>
-      </p:par>
-    </p:tnLst>
-  </p:timing>
 </p:sld>
 </file>
 
@@ -5148,7 +5155,7 @@
           </a:lstStyle>
           <a:p>
             <a:r>
-              <a:rPr lang="zh-CN" altLang="en-US" dirty="0" smtClean="0">
+              <a:rPr lang="zh-CN" altLang="en-US" dirty="0">
                 <a:solidFill>
                   <a:srgbClr val="C00000"/>
                 </a:solidFill>
@@ -5157,13 +5164,6 @@
               </a:rPr>
               <a:t>内容提纲</a:t>
             </a:r>
-            <a:endParaRPr lang="zh-CN" altLang="en-US" dirty="0">
-              <a:solidFill>
-                <a:srgbClr val="C00000"/>
-              </a:solidFill>
-              <a:latin typeface="+mj-ea"/>
-              <a:ea typeface="+mj-ea"/>
-            </a:endParaRPr>
           </a:p>
         </p:txBody>
       </p:sp>
@@ -5324,14 +5324,14 @@
               <a:buChar char="Ø"/>
             </a:pPr>
             <a:r>
-              <a:rPr lang="en-US" altLang="zh-CN" sz="2800" b="1" dirty="0" smtClean="0">
+              <a:rPr lang="en-US" altLang="zh-CN" sz="2800" b="1" dirty="0">
                 <a:latin typeface="+mj-ea"/>
                 <a:ea typeface="+mj-ea"/>
               </a:rPr>
               <a:t>JSX </a:t>
             </a:r>
             <a:r>
-              <a:rPr lang="zh-CN" altLang="en-US" sz="2800" b="1" dirty="0" smtClean="0">
+              <a:rPr lang="zh-CN" altLang="en-US" sz="2800" b="1" dirty="0">
                 <a:latin typeface="+mj-ea"/>
                 <a:ea typeface="+mj-ea"/>
               </a:rPr>
@@ -5354,13 +5354,13 @@
               <a:buChar char="Ø"/>
             </a:pPr>
             <a:r>
-              <a:rPr lang="zh-CN" altLang="en-US" sz="2800" b="1" dirty="0" smtClean="0">
+              <a:rPr lang="zh-CN" altLang="en-US" sz="2800" b="1" dirty="0">
                 <a:latin typeface="+mj-ea"/>
                 <a:ea typeface="+mj-ea"/>
               </a:rPr>
               <a:t>元素渲染</a:t>
             </a:r>
-            <a:endParaRPr lang="en-US" altLang="zh-CN" sz="2800" b="1" dirty="0" smtClean="0">
+            <a:endParaRPr lang="en-US" altLang="zh-CN" sz="2800" b="1" dirty="0">
               <a:latin typeface="+mj-ea"/>
               <a:ea typeface="+mj-ea"/>
             </a:endParaRPr>
@@ -5377,7 +5377,7 @@
               <a:buChar char="Ø"/>
             </a:pPr>
             <a:r>
-              <a:rPr lang="zh-CN" altLang="en-US" sz="2800" b="1" dirty="0" smtClean="0">
+              <a:rPr lang="zh-CN" altLang="en-US" sz="2800" b="1" dirty="0">
                 <a:solidFill>
                   <a:srgbClr val="C00000"/>
                 </a:solidFill>
@@ -5386,7 +5386,7 @@
               </a:rPr>
               <a:t>组件</a:t>
             </a:r>
-            <a:endParaRPr lang="en-US" altLang="zh-CN" sz="2800" b="1" dirty="0" smtClean="0">
+            <a:endParaRPr lang="en-US" altLang="zh-CN" sz="2800" b="1" dirty="0">
               <a:solidFill>
                 <a:srgbClr val="C00000"/>
               </a:solidFill>
@@ -5406,7 +5406,7 @@
               <a:buChar char="Ø"/>
             </a:pPr>
             <a:r>
-              <a:rPr lang="zh-CN" altLang="en-US" sz="2800" b="1" dirty="0" smtClean="0">
+              <a:rPr lang="zh-CN" altLang="en-US" sz="2800" b="1" dirty="0">
                 <a:latin typeface="+mj-ea"/>
                 <a:ea typeface="+mj-ea"/>
               </a:rPr>
@@ -5430,13 +5430,6 @@
     <a:masterClrMapping/>
   </p:clrMapOvr>
   <p:transition/>
-  <p:timing>
-    <p:tnLst>
-      <p:par>
-        <p:cTn id="1" dur="indefinite" restart="never" nodeType="tmRoot"/>
-      </p:par>
-    </p:tnLst>
-  </p:timing>
 </p:sld>
 </file>
 
@@ -5486,52 +5479,32 @@
               <a:t> </a:t>
             </a:r>
             <a:r>
-              <a:rPr lang="zh-CN" altLang="en-US" dirty="0" smtClean="0"/>
+              <a:rPr lang="zh-CN" altLang="en-US" dirty="0"/>
               <a:t>组件</a:t>
             </a:r>
-            <a:endParaRPr lang="en-US" altLang="zh-CN" dirty="0" smtClean="0"/>
+            <a:endParaRPr lang="en-US" altLang="zh-CN" dirty="0"/>
           </a:p>
           <a:p>
             <a:pPr marL="591820" lvl="1"/>
             <a:r>
-              <a:rPr lang="zh-CN" altLang="en-US" dirty="0" smtClean="0"/>
+              <a:rPr lang="zh-CN" altLang="en-US" dirty="0"/>
               <a:t> </a:t>
             </a:r>
             <a:r>
-              <a:rPr lang="en-US" altLang="zh-CN" dirty="0" smtClean="0"/>
+              <a:rPr lang="en-US" altLang="zh-CN" dirty="0"/>
               <a:t>React </a:t>
             </a:r>
             <a:r>
-              <a:rPr lang="zh-CN" altLang="en-US" dirty="0" smtClean="0"/>
-              <a:t>组件</a:t>
-            </a:r>
-            <a:r>
               <a:rPr lang="zh-CN" altLang="en-US" dirty="0"/>
-              <a:t>是小的，可复用的代码</a:t>
-            </a:r>
-            <a:r>
-              <a:rPr lang="zh-CN" altLang="en-US" dirty="0" smtClean="0"/>
-              <a:t>片段</a:t>
-            </a:r>
-            <a:endParaRPr lang="en-US" altLang="zh-CN" dirty="0" smtClean="0"/>
+              <a:t>组件是小的，可复用的代码片段</a:t>
+            </a:r>
+            <a:endParaRPr lang="en-US" altLang="zh-CN" dirty="0"/>
           </a:p>
           <a:p>
             <a:pPr marL="591820" lvl="1"/>
             <a:r>
-              <a:rPr lang="zh-CN" altLang="en-US" dirty="0" smtClean="0"/>
-              <a:t> 从</a:t>
-            </a:r>
-            <a:r>
               <a:rPr lang="zh-CN" altLang="en-US" dirty="0"/>
-              <a:t>概念上看就像是函数</a:t>
-            </a:r>
-            <a:r>
-              <a:rPr lang="zh-CN" altLang="en-US" dirty="0" smtClean="0"/>
-              <a:t>，可以</a:t>
-            </a:r>
-            <a:r>
-              <a:rPr lang="zh-CN" altLang="en-US" dirty="0"/>
-              <a:t>接收任意的输入值（称之为“</a:t>
+              <a:t> 从概念上看就像是函数，可以接收任意的输入值（称之为“</a:t>
             </a:r>
             <a:r>
               <a:rPr lang="en-US" altLang="zh-CN" dirty="0"/>
@@ -5541,7 +5514,7 @@
               <a:rPr lang="zh-CN" altLang="en-US" dirty="0"/>
               <a:t>）</a:t>
             </a:r>
-            <a:endParaRPr lang="en-US" altLang="zh-CN" dirty="0" smtClean="0"/>
+            <a:endParaRPr lang="en-US" altLang="zh-CN" dirty="0"/>
           </a:p>
           <a:p>
             <a:pPr marL="591820" lvl="1"/>
@@ -5550,70 +5523,54 @@
               <a:t> </a:t>
             </a:r>
             <a:r>
-              <a:rPr lang="zh-CN" altLang="en-US" dirty="0" smtClean="0"/>
-              <a:t>返回</a:t>
-            </a:r>
-            <a:r>
               <a:rPr lang="zh-CN" altLang="en-US" dirty="0"/>
-              <a:t>一</a:t>
-            </a:r>
-            <a:r>
-              <a:rPr lang="zh-CN" altLang="en-US" dirty="0" smtClean="0"/>
-              <a:t>个 </a:t>
-            </a:r>
-            <a:r>
-              <a:rPr lang="en-US" altLang="zh-CN" dirty="0" smtClean="0"/>
+              <a:t>返回一个 </a:t>
+            </a:r>
+            <a:r>
+              <a:rPr lang="en-US" altLang="zh-CN" dirty="0"/>
               <a:t>React </a:t>
             </a:r>
             <a:r>
-              <a:rPr lang="zh-CN" altLang="en-US" dirty="0" smtClean="0"/>
-              <a:t>元素</a:t>
-            </a:r>
-            <a:r>
               <a:rPr lang="zh-CN" altLang="en-US" dirty="0"/>
-              <a:t>用于渲染</a:t>
-            </a:r>
-            <a:r>
-              <a:rPr lang="zh-CN" altLang="en-US" dirty="0" smtClean="0"/>
-              <a:t>页面</a:t>
-            </a:r>
-            <a:endParaRPr lang="en-US" altLang="zh-CN" dirty="0" smtClean="0"/>
+              <a:t>元素用于渲染页面</a:t>
+            </a:r>
+            <a:endParaRPr lang="en-US" altLang="zh-CN" dirty="0"/>
           </a:p>
           <a:p>
             <a:pPr marL="360045"/>
-            <a:r>
-              <a:rPr lang="en-US" altLang="zh-CN" dirty="0" smtClean="0"/>
-              <a:t> </a:t>
-            </a:r>
-            <a:r>
-              <a:rPr lang="zh-CN" altLang="en-US" dirty="0" smtClean="0"/>
-              <a:t>组件定义方式</a:t>
-            </a:r>
-            <a:endParaRPr lang="en-US" altLang="zh-CN" dirty="0" smtClean="0"/>
-          </a:p>
-          <a:p>
-            <a:pPr marL="591820" lvl="1"/>
             <a:r>
               <a:rPr lang="en-US" altLang="zh-CN" dirty="0"/>
               <a:t> </a:t>
             </a:r>
             <a:r>
-              <a:rPr lang="zh-CN" altLang="en-US" dirty="0" smtClean="0"/>
+              <a:rPr lang="zh-CN" altLang="en-US" dirty="0"/>
+              <a:t>组件定义方式</a:t>
+            </a:r>
+            <a:endParaRPr lang="en-US" altLang="zh-CN" dirty="0"/>
+          </a:p>
+          <a:p>
+            <a:pPr marL="591820" lvl="1"/>
+            <a:r>
+              <a:rPr lang="en-US" altLang="zh-CN" dirty="0"/>
+              <a:t> </a:t>
+            </a:r>
+            <a:r>
+              <a:rPr lang="zh-CN" altLang="en-US" dirty="0"/>
               <a:t>函数定义</a:t>
             </a:r>
-            <a:endParaRPr lang="en-US" altLang="zh-CN" dirty="0" smtClean="0"/>
+            <a:endParaRPr lang="en-US" altLang="zh-CN" dirty="0"/>
           </a:p>
           <a:p>
             <a:pPr marL="591820" lvl="1"/>
             <a:r>
-              <a:rPr lang="zh-CN" altLang="en-US" dirty="0" smtClean="0"/>
+              <a:rPr lang="zh-CN" altLang="en-US" dirty="0"/>
               <a:t> 类定义</a:t>
             </a:r>
-            <a:endParaRPr lang="en-US" altLang="zh-CN" dirty="0" smtClean="0"/>
+            <a:endParaRPr lang="en-US" altLang="zh-CN" dirty="0"/>
           </a:p>
           <a:p>
             <a:pPr marL="591820" lvl="1"/>
-            <a:endParaRPr lang="en-US" altLang="zh-CN" sz="2200" dirty="0" smtClean="0">
+            <a:endParaRPr lang="en-US" altLang="zh-CN" sz="2200" dirty="0">
               <a:latin typeface="+mj-ea"/>
               <a:ea typeface="+mj-ea"/>
             </a:endParaRPr>
@@ -5625,13 +5582,13 @@
               <a:defRPr/>
             </a:pPr>
             <a:r>
-              <a:rPr lang="en-US" altLang="zh-CN" sz="2400" dirty="0" smtClean="0">
+              <a:rPr lang="en-US" altLang="zh-CN" sz="2400" dirty="0">
                 <a:latin typeface="+mj-ea"/>
                 <a:ea typeface="+mj-ea"/>
               </a:rPr>
               <a:t>		</a:t>
             </a:r>
-            <a:endParaRPr lang="zh-CN" altLang="en-US" dirty="0" smtClean="0">
+            <a:endParaRPr lang="zh-CN" altLang="en-US" dirty="0">
               <a:latin typeface="+mj-ea"/>
               <a:ea typeface="+mj-ea"/>
             </a:endParaRPr>
@@ -5687,13 +5644,79 @@
               </a:rPr>
               <a:t>组件</a:t>
             </a:r>
-            <a:endParaRPr lang="zh-CN" altLang="en-US" dirty="0" smtClean="0">
-              <a:latin typeface="+mn-ea"/>
-              <a:ea typeface="+mn-ea"/>
-            </a:endParaRPr>
           </a:p>
         </p:txBody>
       </p:sp>
+      <p:pic>
+        <p:nvPicPr>
+          <p:cNvPr id="4" name="Picture 3">
+            <a:extLst>
+              <a:ext uri="{FF2B5EF4-FFF2-40B4-BE49-F238E27FC236}">
+                <a16:creationId xmlns:a16="http://schemas.microsoft.com/office/drawing/2014/main" id="{5006F742-9119-4D68-9BDB-FD02BBF6AA9D}"/>
+              </a:ext>
+            </a:extLst>
+          </p:cNvPr>
+          <p:cNvPicPr>
+            <a:picLocks noChangeAspect="1" noChangeArrowheads="1"/>
+          </p:cNvPicPr>
+          <p:nvPr/>
+        </p:nvPicPr>
+        <p:blipFill>
+          <a:blip r:embed="rId3">
+            <a:extLst>
+              <a:ext uri="{28A0092B-C50C-407E-A947-70E740481C1C}">
+                <a14:useLocalDpi xmlns:a14="http://schemas.microsoft.com/office/drawing/2010/main" val="0"/>
+              </a:ext>
+            </a:extLst>
+          </a:blip>
+          <a:srcRect/>
+          <a:stretch>
+            <a:fillRect/>
+          </a:stretch>
+        </p:blipFill>
+        <p:spPr bwMode="auto">
+          <a:xfrm>
+            <a:off x="876376" y="2420538"/>
+            <a:ext cx="9605677" cy="3013473"/>
+          </a:xfrm>
+          <a:prstGeom prst="rect">
+            <a:avLst/>
+          </a:prstGeom>
+          <a:noFill/>
+          <a:ln>
+            <a:noFill/>
+          </a:ln>
+          <a:effectLst/>
+          <a:extLst>
+            <a:ext uri="{909E8E84-426E-40DD-AFC4-6F175D3DCCD1}">
+              <a14:hiddenFill xmlns:a14="http://schemas.microsoft.com/office/drawing/2010/main">
+                <a:solidFill>
+                  <a:schemeClr val="accent1"/>
+                </a:solidFill>
+              </a14:hiddenFill>
+            </a:ext>
+            <a:ext uri="{91240B29-F687-4F45-9708-019B960494DF}">
+              <a14:hiddenLine xmlns:a14="http://schemas.microsoft.com/office/drawing/2010/main" w="9525">
+                <a:solidFill>
+                  <a:schemeClr val="tx1"/>
+                </a:solidFill>
+                <a:miter lim="800000"/>
+                <a:headEnd/>
+                <a:tailEnd/>
+              </a14:hiddenLine>
+            </a:ext>
+            <a:ext uri="{AF507438-7753-43E0-B8FC-AC1667EBCBE1}">
+              <a14:hiddenEffects xmlns:a14="http://schemas.microsoft.com/office/drawing/2010/main">
+                <a:effectLst>
+                  <a:outerShdw dist="35921" dir="2700000" algn="ctr" rotWithShape="0">
+                    <a:schemeClr val="bg2"/>
+                  </a:outerShdw>
+                </a:effectLst>
+              </a14:hiddenEffects>
+            </a:ext>
+          </a:extLst>
+        </p:spPr>
+      </p:pic>
     </p:spTree>
     <p:extLst>
       <p:ext uri="{BB962C8B-B14F-4D97-AF65-F5344CB8AC3E}">
@@ -5725,7 +5748,7 @@
                             </p:stCondLst>
                             <p:childTnLst>
                               <p:par>
-                                <p:cTn id="5" presetID="42" presetClass="entr" presetSubtype="0" fill="hold" nodeType="clickEffect">
+                                <p:cTn id="5" presetID="2" presetClass="entr" presetSubtype="4" fill="hold" nodeType="clickEffect">
                                   <p:stCondLst>
                                     <p:cond delay="0"/>
                                   </p:stCondLst>
@@ -5738,11 +5761,7 @@
                                           </p:stCondLst>
                                         </p:cTn>
                                         <p:tgtEl>
-                                          <p:spTgt spid="30722">
-                                            <p:txEl>
-                                              <p:pRg st="1" end="1"/>
-                                            </p:txEl>
-                                          </p:spTgt>
+                                          <p:spTgt spid="4"/>
                                         </p:tgtEl>
                                         <p:attrNameLst>
                                           <p:attrName>style.visibility</p:attrName>
@@ -5752,27 +5771,11 @@
                                         <p:strVal val="visible"/>
                                       </p:to>
                                     </p:set>
-                                    <p:animEffect transition="in" filter="fade">
-                                      <p:cBhvr>
-                                        <p:cTn id="7" dur="1000"/>
+                                    <p:anim calcmode="lin" valueType="num">
+                                      <p:cBhvr additive="base">
+                                        <p:cTn id="7" dur="500" fill="hold"/>
                                         <p:tgtEl>
-                                          <p:spTgt spid="30722">
-                                            <p:txEl>
-                                              <p:pRg st="1" end="1"/>
-                                            </p:txEl>
-                                          </p:spTgt>
-                                        </p:tgtEl>
-                                      </p:cBhvr>
-                                    </p:animEffect>
-                                    <p:anim calcmode="lin" valueType="num">
-                                      <p:cBhvr>
-                                        <p:cTn id="8" dur="1000" fill="hold"/>
-                                        <p:tgtEl>
-                                          <p:spTgt spid="30722">
-                                            <p:txEl>
-                                              <p:pRg st="1" end="1"/>
-                                            </p:txEl>
-                                          </p:spTgt>
+                                          <p:spTgt spid="4"/>
                                         </p:tgtEl>
                                         <p:attrNameLst>
                                           <p:attrName>ppt_x</p:attrName>
@@ -5792,14 +5795,10 @@
                                       </p:tavLst>
                                     </p:anim>
                                     <p:anim calcmode="lin" valueType="num">
-                                      <p:cBhvr>
-                                        <p:cTn id="9" dur="1000" fill="hold"/>
+                                      <p:cBhvr additive="base">
+                                        <p:cTn id="8" dur="500" fill="hold"/>
                                         <p:tgtEl>
-                                          <p:spTgt spid="30722">
-                                            <p:txEl>
-                                              <p:pRg st="1" end="1"/>
-                                            </p:txEl>
-                                          </p:spTgt>
+                                          <p:spTgt spid="4"/>
                                         </p:tgtEl>
                                         <p:attrNameLst>
                                           <p:attrName>ppt_y</p:attrName>
@@ -5808,7 +5807,7 @@
                                       <p:tavLst>
                                         <p:tav tm="0">
                                           <p:val>
-                                            <p:strVal val="#ppt_y+.1"/>
+                                            <p:strVal val="1+#ppt_h/2"/>
                                           </p:val>
                                         </p:tav>
                                         <p:tav tm="100000">
@@ -5821,15 +5820,68 @@
                                   </p:childTnLst>
                                 </p:cTn>
                               </p:par>
+                            </p:childTnLst>
+                          </p:cTn>
+                        </p:par>
+                      </p:childTnLst>
+                    </p:cTn>
+                  </p:par>
+                  <p:par>
+                    <p:cTn id="9" fill="hold">
+                      <p:stCondLst>
+                        <p:cond delay="indefinite"/>
+                      </p:stCondLst>
+                      <p:childTnLst>
+                        <p:par>
+                          <p:cTn id="10" fill="hold">
+                            <p:stCondLst>
+                              <p:cond delay="0"/>
+                            </p:stCondLst>
+                            <p:childTnLst>
                               <p:par>
-                                <p:cTn id="10" presetID="42" presetClass="entr" presetSubtype="0" fill="hold" nodeType="withEffect">
+                                <p:cTn id="11" presetID="10" presetClass="exit" presetSubtype="0" fill="hold" nodeType="clickEffect">
+                                  <p:stCondLst>
+                                    <p:cond delay="0"/>
+                                  </p:stCondLst>
+                                  <p:childTnLst>
+                                    <p:animEffect transition="out" filter="fade">
+                                      <p:cBhvr>
+                                        <p:cTn id="12" dur="500"/>
+                                        <p:tgtEl>
+                                          <p:spTgt spid="4"/>
+                                        </p:tgtEl>
+                                      </p:cBhvr>
+                                    </p:animEffect>
+                                    <p:set>
+                                      <p:cBhvr>
+                                        <p:cTn id="13" dur="1" fill="hold">
+                                          <p:stCondLst>
+                                            <p:cond delay="499"/>
+                                          </p:stCondLst>
+                                        </p:cTn>
+                                        <p:tgtEl>
+                                          <p:spTgt spid="4"/>
+                                        </p:tgtEl>
+                                        <p:attrNameLst>
+                                          <p:attrName>style.visibility</p:attrName>
+                                        </p:attrNameLst>
+                                      </p:cBhvr>
+                                      <p:to>
+                                        <p:strVal val="hidden"/>
+                                      </p:to>
+                                    </p:set>
+                                  </p:childTnLst>
+                                </p:cTn>
+                              </p:par>
+                              <p:par>
+                                <p:cTn id="14" presetID="42" presetClass="entr" presetSubtype="0" fill="hold" nodeType="withEffect">
                                   <p:stCondLst>
                                     <p:cond delay="0"/>
                                   </p:stCondLst>
                                   <p:childTnLst>
                                     <p:set>
                                       <p:cBhvr>
-                                        <p:cTn id="11" dur="1" fill="hold">
+                                        <p:cTn id="15" dur="1" fill="hold">
                                           <p:stCondLst>
                                             <p:cond delay="0"/>
                                           </p:stCondLst>
@@ -5851,7 +5903,7 @@
                                     </p:set>
                                     <p:animEffect transition="in" filter="fade">
                                       <p:cBhvr>
-                                        <p:cTn id="12" dur="1000"/>
+                                        <p:cTn id="16" dur="1000"/>
                                         <p:tgtEl>
                                           <p:spTgt spid="30722">
                                             <p:txEl>
@@ -5863,7 +5915,7 @@
                                     </p:animEffect>
                                     <p:anim calcmode="lin" valueType="num">
                                       <p:cBhvr>
-                                        <p:cTn id="13" dur="1000" fill="hold"/>
+                                        <p:cTn id="17" dur="1000" fill="hold"/>
                                         <p:tgtEl>
                                           <p:spTgt spid="30722">
                                             <p:txEl>
@@ -5890,7 +5942,7 @@
                                     </p:anim>
                                     <p:anim calcmode="lin" valueType="num">
                                       <p:cBhvr>
-                                        <p:cTn id="14" dur="1000" fill="hold"/>
+                                        <p:cTn id="18" dur="1000" fill="hold"/>
                                         <p:tgtEl>
                                           <p:spTgt spid="30722">
                                             <p:txEl>
@@ -5919,14 +5971,14 @@
                                 </p:cTn>
                               </p:par>
                               <p:par>
-                                <p:cTn id="15" presetID="42" presetClass="entr" presetSubtype="0" fill="hold" nodeType="withEffect">
+                                <p:cTn id="19" presetID="42" presetClass="entr" presetSubtype="0" fill="hold" nodeType="withEffect">
                                   <p:stCondLst>
                                     <p:cond delay="0"/>
                                   </p:stCondLst>
                                   <p:childTnLst>
                                     <p:set>
                                       <p:cBhvr>
-                                        <p:cTn id="16" dur="1" fill="hold">
+                                        <p:cTn id="20" dur="1" fill="hold">
                                           <p:stCondLst>
                                             <p:cond delay="0"/>
                                           </p:stCondLst>
@@ -5948,7 +6000,7 @@
                                     </p:set>
                                     <p:animEffect transition="in" filter="fade">
                                       <p:cBhvr>
-                                        <p:cTn id="17" dur="1000"/>
+                                        <p:cTn id="21" dur="1000"/>
                                         <p:tgtEl>
                                           <p:spTgt spid="30722">
                                             <p:txEl>
@@ -5960,7 +6012,7 @@
                                     </p:animEffect>
                                     <p:anim calcmode="lin" valueType="num">
                                       <p:cBhvr>
-                                        <p:cTn id="18" dur="1000" fill="hold"/>
+                                        <p:cTn id="22" dur="1000" fill="hold"/>
                                         <p:tgtEl>
                                           <p:spTgt spid="30722">
                                             <p:txEl>
@@ -5987,7 +6039,7 @@
                                     </p:anim>
                                     <p:anim calcmode="lin" valueType="num">
                                       <p:cBhvr>
-                                        <p:cTn id="19" dur="1000" fill="hold"/>
+                                        <p:cTn id="23" dur="1000" fill="hold"/>
                                         <p:tgtEl>
                                           <p:spTgt spid="30722">
                                             <p:txEl>
@@ -6022,26 +6074,26 @@
                     </p:cTn>
                   </p:par>
                   <p:par>
-                    <p:cTn id="20" fill="hold">
+                    <p:cTn id="24" fill="hold">
                       <p:stCondLst>
                         <p:cond delay="indefinite"/>
                       </p:stCondLst>
                       <p:childTnLst>
                         <p:par>
-                          <p:cTn id="21" fill="hold">
+                          <p:cTn id="25" fill="hold">
                             <p:stCondLst>
                               <p:cond delay="0"/>
                             </p:stCondLst>
                             <p:childTnLst>
                               <p:par>
-                                <p:cTn id="22" presetID="42" presetClass="entr" presetSubtype="0" fill="hold" nodeType="clickEffect">
+                                <p:cTn id="26" presetID="42" presetClass="entr" presetSubtype="0" fill="hold" nodeType="clickEffect">
                                   <p:stCondLst>
                                     <p:cond delay="0"/>
                                   </p:stCondLst>
                                   <p:childTnLst>
                                     <p:set>
                                       <p:cBhvr>
-                                        <p:cTn id="23" dur="1" fill="hold">
+                                        <p:cTn id="27" dur="1" fill="hold">
                                           <p:stCondLst>
                                             <p:cond delay="0"/>
                                           </p:stCondLst>
@@ -6063,7 +6115,7 @@
                                     </p:set>
                                     <p:animEffect transition="in" filter="fade">
                                       <p:cBhvr>
-                                        <p:cTn id="24" dur="1000"/>
+                                        <p:cTn id="28" dur="1000"/>
                                         <p:tgtEl>
                                           <p:spTgt spid="30722">
                                             <p:txEl>
@@ -6075,7 +6127,7 @@
                                     </p:animEffect>
                                     <p:anim calcmode="lin" valueType="num">
                                       <p:cBhvr>
-                                        <p:cTn id="25" dur="1000" fill="hold"/>
+                                        <p:cTn id="29" dur="1000" fill="hold"/>
                                         <p:tgtEl>
                                           <p:spTgt spid="30722">
                                             <p:txEl>
@@ -6102,7 +6154,7 @@
                                     </p:anim>
                                     <p:anim calcmode="lin" valueType="num">
                                       <p:cBhvr>
-                                        <p:cTn id="26" dur="1000" fill="hold"/>
+                                        <p:cTn id="30" dur="1000" fill="hold"/>
                                         <p:tgtEl>
                                           <p:spTgt spid="30722">
                                             <p:txEl>
@@ -6131,14 +6183,14 @@
                                 </p:cTn>
                               </p:par>
                               <p:par>
-                                <p:cTn id="27" presetID="42" presetClass="entr" presetSubtype="0" fill="hold" nodeType="withEffect">
+                                <p:cTn id="31" presetID="42" presetClass="entr" presetSubtype="0" fill="hold" nodeType="withEffect">
                                   <p:stCondLst>
                                     <p:cond delay="0"/>
                                   </p:stCondLst>
                                   <p:childTnLst>
                                     <p:set>
                                       <p:cBhvr>
-                                        <p:cTn id="28" dur="1" fill="hold">
+                                        <p:cTn id="32" dur="1" fill="hold">
                                           <p:stCondLst>
                                             <p:cond delay="0"/>
                                           </p:stCondLst>
@@ -6160,7 +6212,7 @@
                                     </p:set>
                                     <p:animEffect transition="in" filter="fade">
                                       <p:cBhvr>
-                                        <p:cTn id="29" dur="1000"/>
+                                        <p:cTn id="33" dur="1000"/>
                                         <p:tgtEl>
                                           <p:spTgt spid="30722">
                                             <p:txEl>
@@ -6172,7 +6224,7 @@
                                     </p:animEffect>
                                     <p:anim calcmode="lin" valueType="num">
                                       <p:cBhvr>
-                                        <p:cTn id="30" dur="1000" fill="hold"/>
+                                        <p:cTn id="34" dur="1000" fill="hold"/>
                                         <p:tgtEl>
                                           <p:spTgt spid="30722">
                                             <p:txEl>
@@ -6199,7 +6251,7 @@
                                     </p:anim>
                                     <p:anim calcmode="lin" valueType="num">
                                       <p:cBhvr>
-                                        <p:cTn id="31" dur="1000" fill="hold"/>
+                                        <p:cTn id="35" dur="1000" fill="hold"/>
                                         <p:tgtEl>
                                           <p:spTgt spid="30722">
                                             <p:txEl>
@@ -6228,14 +6280,14 @@
                                 </p:cTn>
                               </p:par>
                               <p:par>
-                                <p:cTn id="32" presetID="42" presetClass="entr" presetSubtype="0" fill="hold" nodeType="withEffect">
+                                <p:cTn id="36" presetID="42" presetClass="entr" presetSubtype="0" fill="hold" nodeType="withEffect">
                                   <p:stCondLst>
                                     <p:cond delay="0"/>
                                   </p:stCondLst>
                                   <p:childTnLst>
                                     <p:set>
                                       <p:cBhvr>
-                                        <p:cTn id="33" dur="1" fill="hold">
+                                        <p:cTn id="37" dur="1" fill="hold">
                                           <p:stCondLst>
                                             <p:cond delay="0"/>
                                           </p:stCondLst>
@@ -6257,7 +6309,7 @@
                                     </p:set>
                                     <p:animEffect transition="in" filter="fade">
                                       <p:cBhvr>
-                                        <p:cTn id="34" dur="1000"/>
+                                        <p:cTn id="38" dur="1000"/>
                                         <p:tgtEl>
                                           <p:spTgt spid="30722">
                                             <p:txEl>
@@ -6269,7 +6321,7 @@
                                     </p:animEffect>
                                     <p:anim calcmode="lin" valueType="num">
                                       <p:cBhvr>
-                                        <p:cTn id="35" dur="1000" fill="hold"/>
+                                        <p:cTn id="39" dur="1000" fill="hold"/>
                                         <p:tgtEl>
                                           <p:spTgt spid="30722">
                                             <p:txEl>
@@ -6296,7 +6348,7 @@
                                     </p:anim>
                                     <p:anim calcmode="lin" valueType="num">
                                       <p:cBhvr>
-                                        <p:cTn id="36" dur="1000" fill="hold"/>
+                                        <p:cTn id="40" dur="1000" fill="hold"/>
                                         <p:tgtEl>
                                           <p:spTgt spid="30722">
                                             <p:txEl>
@@ -6401,34 +6453,57 @@
               <a:t> </a:t>
             </a:r>
             <a:r>
-              <a:rPr lang="zh-CN" altLang="en-US" dirty="0" smtClean="0"/>
+              <a:rPr lang="zh-CN" altLang="en-US" dirty="0"/>
               <a:t>函数定义组件</a:t>
             </a:r>
-            <a:endParaRPr lang="en-US" altLang="zh-CN" dirty="0" smtClean="0"/>
+            <a:endParaRPr lang="en-US" altLang="zh-CN" dirty="0"/>
           </a:p>
           <a:p>
             <a:pPr marL="591820" lvl="1"/>
             <a:r>
-              <a:rPr lang="zh-CN" altLang="en-US" dirty="0" smtClean="0"/>
+              <a:rPr lang="zh-CN" altLang="en-US" dirty="0"/>
               <a:t> 接收单一的 </a:t>
             </a:r>
             <a:r>
-              <a:rPr lang="en-US" altLang="zh-CN" dirty="0" smtClean="0"/>
+              <a:rPr lang="en-US" altLang="zh-CN" dirty="0"/>
               <a:t>props </a:t>
             </a:r>
             <a:r>
-              <a:rPr lang="zh-CN" altLang="en-US" dirty="0" smtClean="0"/>
+              <a:rPr lang="zh-CN" altLang="en-US" dirty="0"/>
               <a:t>对象，返回一个 </a:t>
             </a:r>
             <a:r>
-              <a:rPr lang="en-US" altLang="zh-CN" dirty="0" smtClean="0"/>
+              <a:rPr lang="en-US" altLang="zh-CN" dirty="0"/>
               <a:t>React </a:t>
             </a:r>
             <a:r>
-              <a:rPr lang="zh-CN" altLang="en-US" dirty="0" smtClean="0"/>
+              <a:rPr lang="zh-CN" altLang="en-US" dirty="0"/>
               <a:t>元素</a:t>
             </a:r>
-            <a:endParaRPr lang="en-US" altLang="zh-CN" dirty="0" smtClean="0"/>
+            <a:endParaRPr lang="en-US" altLang="zh-CN" dirty="0"/>
+          </a:p>
+          <a:p>
+            <a:pPr marL="591820" lvl="1"/>
+            <a:r>
+              <a:rPr lang="en-US" altLang="zh-CN" dirty="0"/>
+              <a:t> props </a:t>
+            </a:r>
+            <a:r>
+              <a:rPr lang="zh-CN" altLang="en-US" dirty="0"/>
+              <a:t>是组件的输入内容， 从父组件传递给子组件的数据</a:t>
+            </a:r>
+            <a:r>
+              <a:rPr lang="en-US" altLang="zh-CN" dirty="0"/>
+              <a:t>(</a:t>
+            </a:r>
+            <a:r>
+              <a:rPr lang="zh-CN" altLang="en-US" dirty="0"/>
+              <a:t>属性</a:t>
+            </a:r>
+            <a:r>
+              <a:rPr lang="en-US" altLang="zh-CN" dirty="0"/>
+              <a:t>)</a:t>
+            </a:r>
           </a:p>
           <a:p>
             <a:pPr marL="591820" lvl="1"/>
@@ -6437,50 +6512,7 @@
               <a:t> </a:t>
             </a:r>
             <a:r>
-              <a:rPr lang="en-US" altLang="zh-CN" dirty="0" smtClean="0"/>
-              <a:t>props </a:t>
-            </a:r>
-            <a:r>
-              <a:rPr lang="zh-CN" altLang="en-US" dirty="0" smtClean="0"/>
-              <a:t>是组件</a:t>
-            </a:r>
-            <a:r>
               <a:rPr lang="zh-CN" altLang="en-US" dirty="0"/>
-              <a:t>的输入</a:t>
-            </a:r>
-            <a:r>
-              <a:rPr lang="zh-CN" altLang="en-US" dirty="0" smtClean="0"/>
-              <a:t>内容， 从</a:t>
-            </a:r>
-            <a:r>
-              <a:rPr lang="zh-CN" altLang="en-US" dirty="0"/>
-              <a:t>父组件传递给子组件的</a:t>
-            </a:r>
-            <a:r>
-              <a:rPr lang="zh-CN" altLang="en-US" dirty="0" smtClean="0"/>
-              <a:t>数据</a:t>
-            </a:r>
-            <a:r>
-              <a:rPr lang="en-US" altLang="zh-CN" dirty="0" smtClean="0"/>
-              <a:t>(</a:t>
-            </a:r>
-            <a:r>
-              <a:rPr lang="zh-CN" altLang="en-US" dirty="0" smtClean="0"/>
-              <a:t>属性</a:t>
-            </a:r>
-            <a:r>
-              <a:rPr lang="en-US" altLang="zh-CN" dirty="0" smtClean="0"/>
-              <a:t>)</a:t>
-            </a:r>
-          </a:p>
-          <a:p>
-            <a:pPr marL="591820" lvl="1"/>
-            <a:r>
-              <a:rPr lang="en-US" altLang="zh-CN" dirty="0"/>
-              <a:t> </a:t>
-            </a:r>
-            <a:r>
-              <a:rPr lang="zh-CN" altLang="en-US" dirty="0" smtClean="0"/>
               <a:t>注意：</a:t>
             </a:r>
             <a:r>
@@ -6497,33 +6529,9 @@
                   <a:srgbClr val="FF0000"/>
                 </a:solidFill>
               </a:rPr>
-              <a:t>是只读</a:t>
-            </a:r>
-            <a:r>
-              <a:rPr lang="zh-CN" altLang="en-US" dirty="0" smtClean="0">
-                <a:solidFill>
-                  <a:srgbClr val="FF0000"/>
-                </a:solidFill>
-              </a:rPr>
-              <a:t>的；组件</a:t>
-            </a:r>
-            <a:r>
-              <a:rPr lang="zh-CN" altLang="en-US" dirty="0">
-                <a:solidFill>
-                  <a:srgbClr val="FF0000"/>
-                </a:solidFill>
-              </a:rPr>
-              <a:t>名称必须以大写字母</a:t>
-            </a:r>
-            <a:r>
-              <a:rPr lang="zh-CN" altLang="en-US" dirty="0" smtClean="0">
-                <a:solidFill>
-                  <a:srgbClr val="FF0000"/>
-                </a:solidFill>
-              </a:rPr>
-              <a:t>开头</a:t>
-            </a:r>
-            <a:endParaRPr lang="en-US" altLang="zh-CN" dirty="0" smtClean="0">
+              <a:t>是只读的；组件名称必须以大写字母开头</a:t>
+            </a:r>
+            <a:endParaRPr lang="en-US" altLang="zh-CN" dirty="0">
               <a:solidFill>
                 <a:srgbClr val="FF0000"/>
               </a:solidFill>
@@ -6533,7 +6541,7 @@
             <a:pPr marL="361315" lvl="1" indent="0">
               <a:buNone/>
             </a:pPr>
-            <a:endParaRPr lang="en-US" altLang="zh-CN" sz="2200" dirty="0" smtClean="0">
+            <a:endParaRPr lang="en-US" altLang="zh-CN" sz="2200" dirty="0">
               <a:solidFill>
                 <a:srgbClr val="FF0000"/>
               </a:solidFill>
@@ -6548,13 +6556,13 @@
               <a:defRPr/>
             </a:pPr>
             <a:r>
-              <a:rPr lang="en-US" altLang="zh-CN" sz="2400" dirty="0" smtClean="0">
+              <a:rPr lang="en-US" altLang="zh-CN" sz="2400" dirty="0">
                 <a:latin typeface="+mj-ea"/>
                 <a:ea typeface="+mj-ea"/>
               </a:rPr>
               <a:t>		</a:t>
             </a:r>
-            <a:endParaRPr lang="zh-CN" altLang="en-US" dirty="0" smtClean="0">
+            <a:endParaRPr lang="zh-CN" altLang="en-US" dirty="0">
               <a:latin typeface="+mj-ea"/>
               <a:ea typeface="+mj-ea"/>
             </a:endParaRPr>
@@ -6610,10 +6618,6 @@
               </a:rPr>
               <a:t>组件</a:t>
             </a:r>
-            <a:endParaRPr lang="zh-CN" altLang="en-US" dirty="0" smtClean="0">
-              <a:latin typeface="+mn-ea"/>
-              <a:ea typeface="+mn-ea"/>
-            </a:endParaRPr>
           </a:p>
         </p:txBody>
       </p:sp>
@@ -6646,14 +6650,10 @@
           <a:p>
             <a:r>
               <a:rPr lang="en-US" altLang="zh-CN" sz="2400" dirty="0"/>
-              <a:t>function Hello</a:t>
-            </a:r>
-            <a:r>
-              <a:rPr lang="en-US" altLang="zh-CN" sz="2400" dirty="0" smtClean="0"/>
-              <a:t>( </a:t>
-            </a:r>
-            <a:r>
-              <a:rPr lang="en-US" altLang="zh-CN" sz="2400" dirty="0" smtClean="0">
+              <a:t>function Hello( </a:t>
+            </a:r>
+            <a:r>
+              <a:rPr lang="en-US" altLang="zh-CN" sz="2400" dirty="0">
                 <a:solidFill>
                   <a:srgbClr val="FF0000"/>
                 </a:solidFill>
@@ -6661,26 +6661,17 @@
               <a:t>props</a:t>
             </a:r>
             <a:r>
-              <a:rPr lang="en-US" altLang="zh-CN" sz="2400" dirty="0" smtClean="0"/>
-              <a:t> ) </a:t>
-            </a:r>
-            <a:r>
               <a:rPr lang="en-US" altLang="zh-CN" sz="2400" dirty="0"/>
-              <a:t>{ </a:t>
-            </a:r>
-            <a:endParaRPr lang="en-US" altLang="zh-CN" sz="2400" dirty="0" smtClean="0"/>
+              <a:t> ) { </a:t>
+            </a:r>
           </a:p>
           <a:p>
             <a:r>
               <a:rPr lang="en-US" altLang="zh-CN" sz="2400" dirty="0"/>
-              <a:t>	</a:t>
-            </a:r>
-            <a:r>
-              <a:rPr lang="en-US" altLang="zh-CN" sz="2400" dirty="0" smtClean="0"/>
-              <a:t>return &lt;h1&gt;Hello { </a:t>
-            </a:r>
-            <a:r>
-              <a:rPr lang="en-US" altLang="zh-CN" sz="2400" dirty="0" smtClean="0">
+              <a:t>	return &lt;h1&gt;Hello { </a:t>
+            </a:r>
+            <a:r>
+              <a:rPr lang="en-US" altLang="zh-CN" sz="2400" dirty="0">
                 <a:solidFill>
                   <a:srgbClr val="FF0000"/>
                 </a:solidFill>
@@ -6688,37 +6679,33 @@
               <a:t>props.name</a:t>
             </a:r>
             <a:r>
-              <a:rPr lang="en-US" altLang="zh-CN" sz="2400" dirty="0" smtClean="0"/>
+              <a:rPr lang="en-US" altLang="zh-CN" sz="2400" dirty="0"/>
               <a:t> }&lt;/h1&gt;</a:t>
             </a:r>
           </a:p>
           <a:p>
             <a:r>
-              <a:rPr lang="en-US" altLang="zh-CN" sz="2400" dirty="0" smtClean="0"/>
+              <a:rPr lang="en-US" altLang="zh-CN" sz="2400" dirty="0"/>
               <a:t>} </a:t>
             </a:r>
           </a:p>
           <a:p>
             <a:r>
-              <a:rPr lang="en-US" altLang="zh-CN" sz="2400" dirty="0" err="1" smtClean="0"/>
+              <a:rPr lang="en-US" altLang="zh-CN" sz="2400" dirty="0" err="1"/>
               <a:t>ReactDOM.render</a:t>
             </a:r>
             <a:r>
-              <a:rPr lang="en-US" altLang="zh-CN" sz="2400" dirty="0" smtClean="0"/>
+              <a:rPr lang="en-US" altLang="zh-CN" sz="2400" dirty="0"/>
               <a:t>(</a:t>
             </a:r>
           </a:p>
           <a:p>
             <a:r>
               <a:rPr lang="en-US" altLang="zh-CN" sz="2400" dirty="0"/>
-              <a:t>	</a:t>
-            </a:r>
-            <a:r>
-              <a:rPr lang="en-US" altLang="zh-CN" sz="2400" dirty="0" smtClean="0"/>
-              <a:t>&lt;Hello </a:t>
-            </a:r>
-            <a:r>
-              <a:rPr lang="en-US" altLang="zh-CN" sz="2400" dirty="0" smtClean="0">
+              <a:t>	&lt;Hello </a:t>
+            </a:r>
+            <a:r>
+              <a:rPr lang="en-US" altLang="zh-CN" sz="2400" dirty="0">
                 <a:solidFill>
                   <a:srgbClr val="FF0000"/>
                 </a:solidFill>
@@ -6726,28 +6713,23 @@
               <a:t>name=“ React ”</a:t>
             </a:r>
             <a:r>
-              <a:rPr lang="en-US" altLang="zh-CN" sz="2400" dirty="0" smtClean="0"/>
+              <a:rPr lang="en-US" altLang="zh-CN" sz="2400" dirty="0"/>
               <a:t>/&gt;, </a:t>
             </a:r>
             <a:r>
-              <a:rPr lang="en-US" altLang="zh-CN" sz="2400" dirty="0" err="1" smtClean="0"/>
+              <a:rPr lang="en-US" altLang="zh-CN" sz="2400" dirty="0" err="1"/>
               <a:t>document.getElementById</a:t>
             </a:r>
             <a:r>
               <a:rPr lang="en-US" altLang="zh-CN" sz="2400" dirty="0"/>
-              <a:t>('root</a:t>
-            </a:r>
-            <a:r>
-              <a:rPr lang="en-US" altLang="zh-CN" sz="2400" dirty="0" smtClean="0"/>
-              <a:t>')</a:t>
-            </a:r>
-          </a:p>
-          <a:p>
-            <a:r>
-              <a:rPr lang="en-US" altLang="zh-CN" sz="2400" dirty="0" smtClean="0"/>
+              <a:t>('root')</a:t>
+            </a:r>
+          </a:p>
+          <a:p>
+            <a:r>
+              <a:rPr lang="en-US" altLang="zh-CN" sz="2400" dirty="0"/>
               <a:t>); </a:t>
             </a:r>
-            <a:endParaRPr lang="en-US" altLang="zh-CN" sz="2400" dirty="0"/>
           </a:p>
         </p:txBody>
       </p:sp>
@@ -6773,7 +6755,7 @@
           <a:lstStyle/>
           <a:p>
             <a:r>
-              <a:rPr lang="en-US" altLang="zh-CN" sz="2400" dirty="0" smtClean="0"/>
+              <a:rPr lang="en-US" altLang="zh-CN" sz="2400" dirty="0"/>
               <a:t>demo04</a:t>
             </a:r>
             <a:endParaRPr lang="zh-CN" altLang="en-US" sz="2400" dirty="0"/>
@@ -6926,108 +6908,80 @@
             </a:r>
             <a:r>
               <a:rPr lang="zh-CN" altLang="en-US" dirty="0"/>
-              <a:t>类</a:t>
-            </a:r>
-            <a:r>
-              <a:rPr lang="zh-CN" altLang="en-US" dirty="0" smtClean="0"/>
-              <a:t>定义组件</a:t>
-            </a:r>
-            <a:endParaRPr lang="en-US" altLang="zh-CN" dirty="0" smtClean="0"/>
+              <a:t>类定义组件</a:t>
+            </a:r>
+            <a:endParaRPr lang="en-US" altLang="zh-CN" dirty="0"/>
           </a:p>
           <a:p>
             <a:pPr marL="591820" lvl="1"/>
             <a:r>
-              <a:rPr lang="zh-CN" altLang="en-US" dirty="0" smtClean="0"/>
+              <a:rPr lang="zh-CN" altLang="en-US" dirty="0"/>
               <a:t> </a:t>
             </a:r>
             <a:r>
-              <a:rPr lang="en-US" altLang="zh-CN" dirty="0" smtClean="0"/>
+              <a:rPr lang="en-US" altLang="zh-CN" dirty="0"/>
               <a:t>React </a:t>
             </a:r>
             <a:r>
-              <a:rPr lang="zh-CN" altLang="en-US" dirty="0" smtClean="0"/>
+              <a:rPr lang="zh-CN" altLang="en-US" dirty="0"/>
               <a:t>提供了 </a:t>
             </a:r>
             <a:r>
-              <a:rPr lang="en-US" altLang="zh-CN" dirty="0" err="1" smtClean="0"/>
+              <a:rPr lang="en-US" altLang="zh-CN" dirty="0" err="1"/>
               <a:t>React.Component</a:t>
             </a:r>
             <a:r>
-              <a:rPr lang="en-US" altLang="zh-CN" dirty="0" smtClean="0"/>
+              <a:rPr lang="en-US" altLang="zh-CN" dirty="0"/>
               <a:t> </a:t>
             </a:r>
             <a:r>
-              <a:rPr lang="zh-CN" altLang="en-US" dirty="0" smtClean="0"/>
-              <a:t>抽象</a:t>
-            </a:r>
-            <a:r>
               <a:rPr lang="zh-CN" altLang="en-US" dirty="0"/>
-              <a:t>基础</a:t>
-            </a:r>
-            <a:r>
-              <a:rPr lang="zh-CN" altLang="en-US" dirty="0" smtClean="0"/>
-              <a:t>类</a:t>
+              <a:t>抽象基础类</a:t>
             </a:r>
             <a:endParaRPr lang="en-US" altLang="zh-CN" dirty="0"/>
           </a:p>
           <a:p>
             <a:pPr marL="591820" lvl="1"/>
             <a:r>
-              <a:rPr lang="en-US" altLang="zh-CN" sz="2400" dirty="0" smtClean="0">
+              <a:rPr lang="en-US" altLang="zh-CN" sz="2400" dirty="0">
                 <a:latin typeface="+mj-ea"/>
                 <a:ea typeface="+mj-ea"/>
               </a:rPr>
               <a:t>		 </a:t>
             </a:r>
             <a:r>
-              <a:rPr lang="zh-CN" altLang="en-US" dirty="0" smtClean="0"/>
+              <a:rPr lang="zh-CN" altLang="en-US" dirty="0"/>
               <a:t>直接引用 </a:t>
             </a:r>
             <a:r>
-              <a:rPr lang="en-US" altLang="zh-CN" dirty="0" err="1" smtClean="0"/>
+              <a:rPr lang="en-US" altLang="zh-CN" dirty="0" err="1"/>
               <a:t>React.Component</a:t>
             </a:r>
             <a:r>
-              <a:rPr lang="en-US" altLang="zh-CN" dirty="0" smtClean="0"/>
+              <a:rPr lang="en-US" altLang="zh-CN" dirty="0"/>
               <a:t> </a:t>
             </a:r>
             <a:r>
-              <a:rPr lang="zh-CN" altLang="en-US" dirty="0" smtClean="0"/>
-              <a:t>几乎</a:t>
-            </a:r>
-            <a:r>
               <a:rPr lang="zh-CN" altLang="en-US" dirty="0"/>
-              <a:t>没</a:t>
-            </a:r>
-            <a:r>
-              <a:rPr lang="zh-CN" altLang="en-US" dirty="0" smtClean="0"/>
-              <a:t>意义，通常是继承它</a:t>
-            </a:r>
-            <a:endParaRPr lang="en-US" altLang="zh-CN" dirty="0" smtClean="0"/>
+              <a:t>几乎没意义，通常是继承它</a:t>
+            </a:r>
+            <a:endParaRPr lang="en-US" altLang="zh-CN" dirty="0"/>
           </a:p>
           <a:p>
             <a:pPr marL="591820" lvl="1"/>
             <a:r>
-              <a:rPr lang="zh-CN" altLang="en-US" dirty="0" smtClean="0"/>
-              <a:t> 至少</a:t>
-            </a:r>
-            <a:r>
               <a:rPr lang="zh-CN" altLang="en-US" dirty="0"/>
-              <a:t>定义一</a:t>
-            </a:r>
-            <a:r>
-              <a:rPr lang="zh-CN" altLang="en-US" dirty="0" smtClean="0"/>
-              <a:t>个 </a:t>
-            </a:r>
-            <a:r>
-              <a:rPr lang="en-US" altLang="zh-CN" dirty="0" smtClean="0"/>
+              <a:t> 至少定义一个 </a:t>
+            </a:r>
+            <a:r>
+              <a:rPr lang="en-US" altLang="zh-CN" dirty="0"/>
               <a:t>render( ) </a:t>
             </a:r>
             <a:r>
-              <a:rPr lang="zh-CN" altLang="en-US" dirty="0" smtClean="0"/>
+              <a:rPr lang="zh-CN" altLang="en-US" dirty="0"/>
               <a:t>方法</a:t>
             </a:r>
-            <a:endParaRPr lang="zh-CN" altLang="en-US" dirty="0" smtClean="0">
+            <a:endParaRPr lang="zh-CN" altLang="en-US" dirty="0">
               <a:latin typeface="+mj-ea"/>
               <a:ea typeface="+mj-ea"/>
             </a:endParaRPr>
@@ -7083,10 +7037,6 @@
               </a:rPr>
               <a:t>组件</a:t>
             </a:r>
-            <a:endParaRPr lang="zh-CN" altLang="en-US" dirty="0" smtClean="0">
-              <a:latin typeface="+mn-ea"/>
-              <a:ea typeface="+mn-ea"/>
-            </a:endParaRPr>
           </a:p>
         </p:txBody>
       </p:sp>
@@ -7119,11 +7069,7 @@
           <a:p>
             <a:r>
               <a:rPr lang="en-US" altLang="zh-CN" sz="2400" dirty="0"/>
-              <a:t>class </a:t>
-            </a:r>
-            <a:r>
-              <a:rPr lang="en-US" altLang="zh-CN" sz="2400" dirty="0" smtClean="0"/>
-              <a:t>Hello </a:t>
+              <a:t>class Hello </a:t>
             </a:r>
             <a:r>
               <a:rPr lang="en-US" altLang="zh-CN" sz="2400" dirty="0">
@@ -7149,15 +7095,14 @@
               <a:rPr lang="en-US" altLang="zh-CN" sz="2400" dirty="0"/>
               <a:t> { </a:t>
             </a:r>
-            <a:endParaRPr lang="en-US" altLang="zh-CN" sz="2400" dirty="0" smtClean="0"/>
-          </a:p>
-          <a:p>
-            <a:r>
-              <a:rPr lang="en-US" altLang="zh-CN" sz="2400" dirty="0" smtClean="0"/>
+          </a:p>
+          <a:p>
+            <a:r>
+              <a:rPr lang="en-US" altLang="zh-CN" sz="2400" dirty="0"/>
               <a:t>	</a:t>
             </a:r>
             <a:r>
-              <a:rPr lang="en-US" altLang="zh-CN" sz="2400" dirty="0" smtClean="0">
+              <a:rPr lang="en-US" altLang="zh-CN" sz="2400" dirty="0">
                 <a:solidFill>
                   <a:srgbClr val="FF0000"/>
                 </a:solidFill>
@@ -7165,22 +7110,17 @@
               <a:t>render</a:t>
             </a:r>
             <a:r>
-              <a:rPr lang="en-US" altLang="zh-CN" sz="2400" dirty="0" smtClean="0"/>
-              <a:t>( ) </a:t>
-            </a:r>
-            <a:r>
               <a:rPr lang="en-US" altLang="zh-CN" sz="2400" dirty="0"/>
-              <a:t>{ </a:t>
-            </a:r>
-            <a:endParaRPr lang="en-US" altLang="zh-CN" sz="2400" dirty="0" smtClean="0"/>
-          </a:p>
-          <a:p>
-            <a:r>
-              <a:rPr lang="en-US" altLang="zh-CN" sz="2400" dirty="0" smtClean="0"/>
+              <a:t>( ) { </a:t>
+            </a:r>
+          </a:p>
+          <a:p>
+            <a:r>
+              <a:rPr lang="en-US" altLang="zh-CN" sz="2400" dirty="0"/>
               <a:t>		</a:t>
             </a:r>
             <a:r>
-              <a:rPr lang="en-US" altLang="zh-CN" sz="2400" dirty="0" smtClean="0">
+              <a:rPr lang="en-US" altLang="zh-CN" sz="2400" dirty="0">
                 <a:solidFill>
                   <a:srgbClr val="FF0000"/>
                 </a:solidFill>
@@ -7188,27 +7128,21 @@
               <a:t>return</a:t>
             </a:r>
             <a:r>
-              <a:rPr lang="en-US" altLang="zh-CN" sz="2400" dirty="0" smtClean="0"/>
-              <a:t> </a:t>
-            </a:r>
-            <a:r>
               <a:rPr lang="en-US" altLang="zh-CN" sz="2400" dirty="0"/>
-              <a:t>&lt;h1&gt;Hello, {this.props.name}&lt;/h1&gt;; </a:t>
-            </a:r>
-            <a:endParaRPr lang="en-US" altLang="zh-CN" sz="2400" dirty="0" smtClean="0"/>
-          </a:p>
-          <a:p>
-            <a:r>
-              <a:rPr lang="en-US" altLang="zh-CN" sz="2400" dirty="0" smtClean="0"/>
+              <a:t> &lt;h1&gt;Hello, {this.props.name}&lt;/h1&gt;; </a:t>
+            </a:r>
+          </a:p>
+          <a:p>
+            <a:r>
+              <a:rPr lang="en-US" altLang="zh-CN" sz="2400" dirty="0"/>
               <a:t>	} </a:t>
             </a:r>
           </a:p>
           <a:p>
             <a:r>
-              <a:rPr lang="en-US" altLang="zh-CN" sz="2400" dirty="0" smtClean="0"/>
+              <a:rPr lang="en-US" altLang="zh-CN" sz="2400" dirty="0"/>
               <a:t>}</a:t>
             </a:r>
-            <a:endParaRPr lang="en-US" altLang="zh-CN" sz="2400" dirty="0"/>
           </a:p>
         </p:txBody>
       </p:sp>
@@ -7354,37 +7288,21 @@
             <a:pPr marL="360045"/>
             <a:r>
               <a:rPr lang="en-US" altLang="zh-CN" dirty="0"/>
-              <a:t> </a:t>
-            </a:r>
-            <a:r>
-              <a:rPr lang="en-US" altLang="zh-CN" dirty="0" smtClean="0"/>
-              <a:t>State</a:t>
-            </a:r>
-            <a:r>
-              <a:rPr lang="zh-CN" altLang="en-US" dirty="0" smtClean="0"/>
+              <a:t> State</a:t>
+            </a:r>
+            <a:r>
+              <a:rPr lang="zh-CN" altLang="en-US" dirty="0"/>
               <a:t>（状态）</a:t>
             </a:r>
-            <a:endParaRPr lang="en-US" altLang="zh-CN" dirty="0" smtClean="0"/>
+            <a:endParaRPr lang="en-US" altLang="zh-CN" dirty="0"/>
           </a:p>
           <a:p>
             <a:pPr marL="591820" lvl="1"/>
             <a:r>
-              <a:rPr lang="zh-CN" altLang="en-US" dirty="0" smtClean="0"/>
-              <a:t> 私有的、完全</a:t>
-            </a:r>
-            <a:r>
               <a:rPr lang="zh-CN" altLang="en-US" dirty="0"/>
-              <a:t>受控于当前</a:t>
-            </a:r>
-            <a:r>
-              <a:rPr lang="zh-CN" altLang="en-US" dirty="0" smtClean="0"/>
-              <a:t>组件，</a:t>
-            </a:r>
-            <a:r>
-              <a:rPr lang="zh-CN" altLang="en-US" dirty="0"/>
-              <a:t>组件外部是无法进行修改的</a:t>
-            </a:r>
-            <a:endParaRPr lang="en-US" altLang="zh-CN" dirty="0" smtClean="0"/>
+              <a:t> 私有的、完全受控于当前组件，组件外部是无法进行修改的</a:t>
+            </a:r>
+            <a:endParaRPr lang="en-US" altLang="zh-CN" dirty="0"/>
           </a:p>
           <a:p>
             <a:pPr marL="591820" lvl="1"/>
@@ -7393,10 +7311,10 @@
               <a:t> </a:t>
             </a:r>
             <a:r>
-              <a:rPr lang="zh-CN" altLang="en-US" dirty="0" smtClean="0"/>
+              <a:rPr lang="zh-CN" altLang="en-US" dirty="0"/>
               <a:t>类定义的组件特有的属性</a:t>
             </a:r>
-            <a:endParaRPr lang="en-US" altLang="zh-CN" dirty="0" smtClean="0"/>
+            <a:endParaRPr lang="en-US" altLang="zh-CN" dirty="0"/>
           </a:p>
           <a:p>
             <a:pPr marL="591820" lvl="1"/>
@@ -7405,12 +7323,8 @@
               <a:t> </a:t>
             </a:r>
             <a:r>
-              <a:rPr lang="zh-CN" altLang="en-US" dirty="0" smtClean="0"/>
-              <a:t>状态的声明（</a:t>
-            </a:r>
-            <a:r>
               <a:rPr lang="zh-CN" altLang="en-US" dirty="0"/>
-              <a:t>构造函数是唯一能够初始化 </a:t>
+              <a:t>状态的声明（构造函数是唯一能够初始化 </a:t>
             </a:r>
             <a:r>
               <a:rPr lang="en-US" altLang="zh-CN" dirty="0" err="1"/>
@@ -7422,13 +7336,9 @@
             </a:r>
             <a:r>
               <a:rPr lang="zh-CN" altLang="en-US" dirty="0"/>
-              <a:t>的地方</a:t>
-            </a:r>
-            <a:r>
-              <a:rPr lang="zh-CN" altLang="en-US" dirty="0" smtClean="0"/>
-              <a:t>）</a:t>
-            </a:r>
-            <a:endParaRPr lang="en-US" altLang="zh-CN" dirty="0" smtClean="0"/>
+              <a:t>的地方）</a:t>
+            </a:r>
+            <a:endParaRPr lang="en-US" altLang="zh-CN" dirty="0"/>
           </a:p>
         </p:txBody>
       </p:sp>
@@ -7481,10 +7391,6 @@
               </a:rPr>
               <a:t>组件</a:t>
             </a:r>
-            <a:endParaRPr lang="zh-CN" altLang="en-US" dirty="0" smtClean="0">
-              <a:latin typeface="+mn-ea"/>
-              <a:ea typeface="+mn-ea"/>
-            </a:endParaRPr>
           </a:p>
         </p:txBody>
       </p:sp>
@@ -7517,15 +7423,7 @@
           <a:p>
             <a:r>
               <a:rPr lang="en-US" altLang="zh-CN" sz="2400" dirty="0"/>
-              <a:t>class </a:t>
-            </a:r>
-            <a:r>
-              <a:rPr lang="en-US" altLang="zh-CN" sz="2400" dirty="0" smtClean="0"/>
-              <a:t>Hello </a:t>
-            </a:r>
-            <a:r>
-              <a:rPr lang="en-US" altLang="zh-CN" sz="2400" dirty="0"/>
-              <a:t>extends</a:t>
+              <a:t>class Hello extends</a:t>
             </a:r>
             <a:r>
               <a:rPr lang="en-US" altLang="zh-CN" sz="2400" dirty="0">
@@ -7543,7 +7441,6 @@
               <a:rPr lang="en-US" altLang="zh-CN" sz="2400" dirty="0"/>
               <a:t> { </a:t>
             </a:r>
-            <a:endParaRPr lang="en-US" altLang="zh-CN" sz="2400" dirty="0" smtClean="0"/>
           </a:p>
           <a:p>
             <a:r>
@@ -7551,7 +7448,7 @@
               <a:t>	</a:t>
             </a:r>
             <a:r>
-              <a:rPr lang="en-US" altLang="zh-CN" sz="2400" dirty="0" smtClean="0">
+              <a:rPr lang="en-US" altLang="zh-CN" sz="2400" dirty="0">
                 <a:solidFill>
                   <a:srgbClr val="FF0000"/>
                 </a:solidFill>
@@ -7559,11 +7456,11 @@
               <a:t>constructor</a:t>
             </a:r>
             <a:r>
-              <a:rPr lang="en-US" altLang="zh-CN" sz="2400" dirty="0" smtClean="0"/>
+              <a:rPr lang="en-US" altLang="zh-CN" sz="2400" dirty="0"/>
               <a:t>( ){         </a:t>
             </a:r>
             <a:r>
-              <a:rPr lang="en-US" altLang="zh-CN" sz="2400" dirty="0" smtClean="0">
+              <a:rPr lang="en-US" altLang="zh-CN" sz="2400" dirty="0">
                 <a:solidFill>
                   <a:srgbClr val="FF0000"/>
                 </a:solidFill>
@@ -7571,14 +7468,14 @@
               <a:t>// ES6 </a:t>
             </a:r>
             <a:r>
-              <a:rPr lang="zh-CN" altLang="en-US" sz="2400" dirty="0" smtClean="0">
+              <a:rPr lang="zh-CN" altLang="en-US" sz="2400" dirty="0">
                 <a:solidFill>
                   <a:srgbClr val="FF0000"/>
                 </a:solidFill>
               </a:rPr>
               <a:t>对类的默认方法</a:t>
             </a:r>
-            <a:endParaRPr lang="en-US" altLang="zh-CN" sz="2400" dirty="0" smtClean="0">
+            <a:endParaRPr lang="en-US" altLang="zh-CN" sz="2400" dirty="0">
               <a:solidFill>
                 <a:srgbClr val="FF0000"/>
               </a:solidFill>
@@ -7586,11 +7483,11 @@
           </a:p>
           <a:p>
             <a:r>
-              <a:rPr lang="en-US" altLang="zh-CN" sz="2400" dirty="0" smtClean="0"/>
+              <a:rPr lang="en-US" altLang="zh-CN" sz="2400" dirty="0"/>
               <a:t>		super();        </a:t>
             </a:r>
             <a:r>
-              <a:rPr lang="en-US" altLang="zh-CN" sz="2400" dirty="0" smtClean="0">
+              <a:rPr lang="en-US" altLang="zh-CN" sz="2400" dirty="0">
                 <a:solidFill>
                   <a:srgbClr val="FF0000"/>
                 </a:solidFill>
@@ -7598,12 +7495,20 @@
               <a:t>// </a:t>
             </a:r>
             <a:r>
-              <a:rPr lang="zh-CN" altLang="en-US" sz="2400" dirty="0" smtClean="0">
+              <a:rPr lang="zh-CN" altLang="en-US" sz="2400" dirty="0">
                 <a:solidFill>
                   <a:srgbClr val="FF0000"/>
                 </a:solidFill>
               </a:rPr>
-              <a:t>将</a:t>
+              <a:t>将父类中的 </a:t>
+            </a:r>
+            <a:r>
+              <a:rPr lang="en-US" altLang="zh-CN" sz="2400" dirty="0">
+                <a:solidFill>
+                  <a:srgbClr val="FF0000"/>
+                </a:solidFill>
+              </a:rPr>
+              <a:t>this </a:t>
             </a:r>
             <a:r>
               <a:rPr lang="zh-CN" altLang="en-US" sz="2400" dirty="0">
@@ -7611,49 +7516,9 @@
                   <a:srgbClr val="FF0000"/>
                 </a:solidFill>
               </a:rPr>
-              <a:t>父类中</a:t>
-            </a:r>
-            <a:r>
-              <a:rPr lang="zh-CN" altLang="en-US" sz="2400" dirty="0" smtClean="0">
-                <a:solidFill>
-                  <a:srgbClr val="FF0000"/>
-                </a:solidFill>
-              </a:rPr>
-              <a:t>的 </a:t>
-            </a:r>
-            <a:r>
-              <a:rPr lang="en-US" altLang="zh-CN" sz="2400" dirty="0" smtClean="0">
-                <a:solidFill>
-                  <a:srgbClr val="FF0000"/>
-                </a:solidFill>
-              </a:rPr>
-              <a:t>this </a:t>
-            </a:r>
-            <a:r>
-              <a:rPr lang="zh-CN" altLang="en-US" sz="2400" dirty="0" smtClean="0">
-                <a:solidFill>
-                  <a:srgbClr val="FF0000"/>
-                </a:solidFill>
-              </a:rPr>
-              <a:t>对象</a:t>
-            </a:r>
-            <a:r>
-              <a:rPr lang="zh-CN" altLang="en-US" sz="2400" dirty="0">
-                <a:solidFill>
-                  <a:srgbClr val="FF0000"/>
-                </a:solidFill>
-              </a:rPr>
-              <a:t>继承给子</a:t>
-            </a:r>
-            <a:r>
-              <a:rPr lang="zh-CN" altLang="en-US" sz="2400" dirty="0" smtClean="0">
-                <a:solidFill>
-                  <a:srgbClr val="FF0000"/>
-                </a:solidFill>
-              </a:rPr>
-              <a:t>类</a:t>
-            </a:r>
-            <a:endParaRPr lang="en-US" altLang="zh-CN" sz="2400" dirty="0" smtClean="0">
+              <a:t>对象继承给子类</a:t>
+            </a:r>
+            <a:endParaRPr lang="en-US" altLang="zh-CN" sz="2400" dirty="0">
               <a:solidFill>
                 <a:srgbClr val="FF0000"/>
               </a:solidFill>
@@ -7662,18 +7527,14 @@
           <a:p>
             <a:r>
               <a:rPr lang="en-US" altLang="zh-CN" sz="2400" dirty="0"/>
-              <a:t>	</a:t>
-            </a:r>
-            <a:r>
-              <a:rPr lang="en-US" altLang="zh-CN" sz="2400" dirty="0" smtClean="0"/>
-              <a:t>	</a:t>
-            </a:r>
-            <a:r>
-              <a:rPr lang="en-US" altLang="zh-CN" sz="2400" dirty="0" err="1" smtClean="0"/>
+              <a:t>		</a:t>
+            </a:r>
+            <a:r>
+              <a:rPr lang="en-US" altLang="zh-CN" sz="2400" dirty="0" err="1"/>
               <a:t>this.</a:t>
             </a:r>
             <a:r>
-              <a:rPr lang="en-US" altLang="zh-CN" sz="2400" dirty="0" err="1" smtClean="0">
+              <a:rPr lang="en-US" altLang="zh-CN" sz="2400" dirty="0" err="1">
                 <a:solidFill>
                   <a:srgbClr val="FF0000"/>
                 </a:solidFill>
@@ -7681,16 +7542,22 @@
               <a:t>state</a:t>
             </a:r>
             <a:r>
-              <a:rPr lang="en-US" altLang="zh-CN" sz="2400" dirty="0" smtClean="0"/>
+              <a:rPr lang="en-US" altLang="zh-CN" sz="2400" dirty="0"/>
               <a:t> = {</a:t>
             </a:r>
             <a:r>
-              <a:rPr lang="en-US" altLang="zh-CN" sz="2400" dirty="0" err="1" smtClean="0"/>
+              <a:rPr lang="en-US" altLang="zh-CN" sz="2400" dirty="0" err="1"/>
               <a:t>name:’React</a:t>
             </a:r>
             <a:r>
-              <a:rPr lang="en-US" altLang="zh-CN" sz="2400" dirty="0" smtClean="0"/>
+              <a:rPr lang="en-US" altLang="zh-CN" sz="2400" dirty="0"/>
               <a:t>’}</a:t>
+            </a:r>
+          </a:p>
+          <a:p>
+            <a:r>
+              <a:rPr lang="en-US" altLang="zh-CN" sz="2400" dirty="0"/>
+              <a:t>	}</a:t>
             </a:r>
           </a:p>
           <a:p>
@@ -7699,70 +7566,35 @@
               <a:t>	</a:t>
             </a:r>
             <a:r>
-              <a:rPr lang="en-US" altLang="zh-CN" sz="2400" dirty="0" smtClean="0"/>
+              <a:rPr lang="en-US" altLang="zh-CN" sz="2400" dirty="0">
+                <a:solidFill>
+                  <a:srgbClr val="FF0000"/>
+                </a:solidFill>
+              </a:rPr>
+              <a:t>render</a:t>
+            </a:r>
+            <a:r>
+              <a:rPr lang="en-US" altLang="zh-CN" sz="2400" dirty="0"/>
+              <a:t>( ) { return &lt;h1&gt;Hello { this.</a:t>
+            </a:r>
+            <a:r>
+              <a:rPr lang="en-US" altLang="zh-CN" sz="2400" dirty="0">
+                <a:solidFill>
+                  <a:srgbClr val="FF0000"/>
+                </a:solidFill>
+              </a:rPr>
+              <a:t>state</a:t>
+            </a:r>
+            <a:r>
+              <a:rPr lang="en-US" altLang="zh-CN" sz="2400" dirty="0"/>
+              <a:t>.name }&lt;/h1&gt;; } </a:t>
+            </a:r>
+          </a:p>
+          <a:p>
+            <a:r>
+              <a:rPr lang="en-US" altLang="zh-CN" sz="2400" dirty="0"/>
               <a:t>}</a:t>
             </a:r>
-          </a:p>
-          <a:p>
-            <a:r>
-              <a:rPr lang="en-US" altLang="zh-CN" sz="2400" dirty="0" smtClean="0"/>
-              <a:t>	</a:t>
-            </a:r>
-            <a:r>
-              <a:rPr lang="en-US" altLang="zh-CN" sz="2400" dirty="0" smtClean="0">
-                <a:solidFill>
-                  <a:srgbClr val="FF0000"/>
-                </a:solidFill>
-              </a:rPr>
-              <a:t>render</a:t>
-            </a:r>
-            <a:r>
-              <a:rPr lang="en-US" altLang="zh-CN" sz="2400" dirty="0" smtClean="0"/>
-              <a:t>( ) </a:t>
-            </a:r>
-            <a:r>
-              <a:rPr lang="en-US" altLang="zh-CN" sz="2400" dirty="0"/>
-              <a:t>{ </a:t>
-            </a:r>
-            <a:r>
-              <a:rPr lang="en-US" altLang="zh-CN" sz="2400" dirty="0" smtClean="0"/>
-              <a:t>return </a:t>
-            </a:r>
-            <a:r>
-              <a:rPr lang="en-US" altLang="zh-CN" sz="2400" dirty="0"/>
-              <a:t>&lt;</a:t>
-            </a:r>
-            <a:r>
-              <a:rPr lang="en-US" altLang="zh-CN" sz="2400" dirty="0" smtClean="0"/>
-              <a:t>h1&gt;Hello { this.</a:t>
-            </a:r>
-            <a:r>
-              <a:rPr lang="en-US" altLang="zh-CN" sz="2400" dirty="0" smtClean="0">
-                <a:solidFill>
-                  <a:srgbClr val="FF0000"/>
-                </a:solidFill>
-              </a:rPr>
-              <a:t>state</a:t>
-            </a:r>
-            <a:r>
-              <a:rPr lang="en-US" altLang="zh-CN" sz="2400" dirty="0" smtClean="0"/>
-              <a:t>.name }&lt;/</a:t>
-            </a:r>
-            <a:r>
-              <a:rPr lang="en-US" altLang="zh-CN" sz="2400" dirty="0"/>
-              <a:t>h1&gt;; </a:t>
-            </a:r>
-            <a:r>
-              <a:rPr lang="en-US" altLang="zh-CN" sz="2400" dirty="0" smtClean="0"/>
-              <a:t>} </a:t>
-            </a:r>
-          </a:p>
-          <a:p>
-            <a:r>
-              <a:rPr lang="en-US" altLang="zh-CN" sz="2400" dirty="0" smtClean="0"/>
-              <a:t>}</a:t>
-            </a:r>
-            <a:endParaRPr lang="en-US" altLang="zh-CN" sz="2400" dirty="0"/>
           </a:p>
         </p:txBody>
       </p:sp>
@@ -7788,7 +7620,7 @@
           <a:lstStyle/>
           <a:p>
             <a:r>
-              <a:rPr lang="en-US" altLang="zh-CN" sz="2400" dirty="0" smtClean="0"/>
+              <a:rPr lang="en-US" altLang="zh-CN" sz="2400" dirty="0"/>
               <a:t>demo05</a:t>
             </a:r>
             <a:endParaRPr lang="zh-CN" altLang="en-US" sz="2400" dirty="0"/>
@@ -7935,7 +7767,7 @@
           <a:lstStyle/>
           <a:p>
             <a:pPr marL="360045"/>
-            <a:endParaRPr lang="en-US" altLang="zh-CN" dirty="0" smtClean="0"/>
+            <a:endParaRPr lang="en-US" altLang="zh-CN" dirty="0"/>
           </a:p>
         </p:txBody>
       </p:sp>
@@ -7982,7 +7814,7 @@
               <a:defRPr/>
             </a:pPr>
             <a:r>
-              <a:rPr lang="zh-CN" altLang="en-US" dirty="0" smtClean="0">
+              <a:rPr lang="zh-CN" altLang="en-US" dirty="0">
                 <a:latin typeface="+mn-ea"/>
                 <a:ea typeface="+mn-ea"/>
               </a:rPr>
@@ -8042,13 +7874,6 @@
   <p:clrMapOvr>
     <a:masterClrMapping/>
   </p:clrMapOvr>
-  <p:timing>
-    <p:tnLst>
-      <p:par>
-        <p:cTn id="1" dur="indefinite" restart="never" nodeType="tmRoot"/>
-      </p:par>
-    </p:tnLst>
-  </p:timing>
 </p:sld>
 </file>
 
@@ -8094,10 +7919,10 @@
           <a:p>
             <a:pPr marL="360045"/>
             <a:r>
-              <a:rPr lang="zh-CN" altLang="en-US" dirty="0" smtClean="0"/>
+              <a:rPr lang="zh-CN" altLang="en-US" dirty="0"/>
               <a:t> 生命周期函数</a:t>
             </a:r>
-            <a:endParaRPr lang="en-US" altLang="zh-CN" dirty="0" smtClean="0"/>
+            <a:endParaRPr lang="en-US" altLang="zh-CN" dirty="0"/>
           </a:p>
           <a:p>
             <a:pPr marL="591820" lvl="1"/>
@@ -8106,10 +7931,10 @@
               <a:t> </a:t>
             </a:r>
             <a:r>
-              <a:rPr lang="zh-CN" altLang="en-US" dirty="0" smtClean="0"/>
+              <a:rPr lang="zh-CN" altLang="en-US" dirty="0"/>
               <a:t>指在某一个时刻组件会自动执行的函数</a:t>
             </a:r>
-            <a:endParaRPr lang="en-US" altLang="zh-CN" dirty="0" smtClean="0"/>
+            <a:endParaRPr lang="en-US" altLang="zh-CN" dirty="0"/>
           </a:p>
           <a:p>
             <a:pPr marL="591820" lvl="1"/>
@@ -8118,10 +7943,10 @@
               <a:t> </a:t>
             </a:r>
             <a:r>
-              <a:rPr lang="zh-CN" altLang="en-US" dirty="0" smtClean="0"/>
+              <a:rPr lang="zh-CN" altLang="en-US" dirty="0"/>
               <a:t>只在类定义的组件中才有生命周期函数，函数方式定义的没有</a:t>
             </a:r>
-            <a:endParaRPr lang="en-US" altLang="zh-CN" dirty="0" smtClean="0"/>
+            <a:endParaRPr lang="en-US" altLang="zh-CN" dirty="0"/>
           </a:p>
           <a:p>
             <a:pPr marL="591820" lvl="1"/>
@@ -8130,42 +7955,29 @@
               <a:t> </a:t>
             </a:r>
             <a:r>
-              <a:rPr lang="zh-CN" altLang="en-US" dirty="0" smtClean="0"/>
+              <a:rPr lang="zh-CN" altLang="en-US" dirty="0"/>
               <a:t>周期生命周期包含的阶段</a:t>
             </a:r>
-            <a:endParaRPr lang="en-US" altLang="zh-CN" dirty="0" smtClean="0"/>
+            <a:endParaRPr lang="en-US" altLang="zh-CN" dirty="0"/>
           </a:p>
           <a:p>
             <a:pPr marL="593090" lvl="2"/>
             <a:r>
-              <a:rPr lang="zh-CN" altLang="en-US" smtClean="0"/>
+              <a:rPr lang="zh-CN" altLang="en-US"/>
               <a:t> 初始化</a:t>
             </a:r>
-            <a:r>
-              <a:rPr lang="en-US" altLang="zh-CN" dirty="0" smtClean="0"/>
-              <a:t> </a:t>
-            </a:r>
-            <a:endParaRPr lang="en-US" altLang="zh-CN" dirty="0" smtClean="0"/>
-          </a:p>
-          <a:p>
-            <a:pPr marL="593090" lvl="2"/>
-            <a:r>
-              <a:rPr lang="zh-CN" altLang="en-US" dirty="0" smtClean="0"/>
-              <a:t> 挂载</a:t>
-            </a:r>
-            <a:endParaRPr lang="en-US" altLang="zh-CN" dirty="0" smtClean="0"/>
-          </a:p>
-          <a:p>
-            <a:pPr marL="593090" lvl="2"/>
             <a:r>
               <a:rPr lang="en-US" altLang="zh-CN" dirty="0"/>
               <a:t> </a:t>
             </a:r>
-            <a:r>
-              <a:rPr lang="zh-CN" altLang="en-US" dirty="0" smtClean="0"/>
-              <a:t>更新</a:t>
-            </a:r>
-            <a:endParaRPr lang="en-US" altLang="zh-CN" dirty="0" smtClean="0"/>
+          </a:p>
+          <a:p>
+            <a:pPr marL="593090" lvl="2"/>
+            <a:r>
+              <a:rPr lang="zh-CN" altLang="en-US" dirty="0"/>
+              <a:t> 挂载</a:t>
+            </a:r>
+            <a:endParaRPr lang="en-US" altLang="zh-CN" dirty="0"/>
           </a:p>
           <a:p>
             <a:pPr marL="593090" lvl="2"/>
@@ -8174,10 +7986,10 @@
               <a:t> </a:t>
             </a:r>
             <a:r>
-              <a:rPr lang="zh-CN" altLang="en-US" dirty="0" smtClean="0"/>
-              <a:t>卸载</a:t>
-            </a:r>
-            <a:endParaRPr lang="en-US" altLang="zh-CN" dirty="0" smtClean="0"/>
+              <a:rPr lang="zh-CN" altLang="en-US" dirty="0"/>
+              <a:t>更新</a:t>
+            </a:r>
+            <a:endParaRPr lang="en-US" altLang="zh-CN" dirty="0"/>
           </a:p>
           <a:p>
             <a:pPr marL="593090" lvl="2"/>
@@ -8186,10 +7998,22 @@
               <a:t> </a:t>
             </a:r>
             <a:r>
-              <a:rPr lang="zh-CN" altLang="en-US" dirty="0" smtClean="0"/>
+              <a:rPr lang="zh-CN" altLang="en-US" dirty="0"/>
+              <a:t>卸载</a:t>
+            </a:r>
+            <a:endParaRPr lang="en-US" altLang="zh-CN" dirty="0"/>
+          </a:p>
+          <a:p>
+            <a:pPr marL="593090" lvl="2"/>
+            <a:r>
+              <a:rPr lang="en-US" altLang="zh-CN" dirty="0"/>
+              <a:t> </a:t>
+            </a:r>
+            <a:r>
+              <a:rPr lang="zh-CN" altLang="en-US" dirty="0"/>
               <a:t>错误</a:t>
             </a:r>
-            <a:endParaRPr lang="en-US" altLang="zh-CN" dirty="0" smtClean="0"/>
+            <a:endParaRPr lang="en-US" altLang="zh-CN" dirty="0"/>
           </a:p>
         </p:txBody>
       </p:sp>
@@ -8236,7 +8060,7 @@
               <a:defRPr/>
             </a:pPr>
             <a:r>
-              <a:rPr lang="zh-CN" altLang="en-US" dirty="0" smtClean="0">
+              <a:rPr lang="zh-CN" altLang="en-US" dirty="0">
                 <a:latin typeface="+mn-ea"/>
                 <a:ea typeface="+mn-ea"/>
               </a:rPr>
@@ -8833,94 +8657,58 @@
           <a:p>
             <a:pPr marL="360045"/>
             <a:r>
-              <a:rPr lang="zh-CN" altLang="en-US" dirty="0" smtClean="0"/>
+              <a:rPr lang="zh-CN" altLang="en-US" dirty="0"/>
               <a:t> 初始化</a:t>
             </a:r>
-            <a:endParaRPr lang="en-US" altLang="zh-CN" dirty="0" smtClean="0"/>
+            <a:endParaRPr lang="en-US" altLang="zh-CN" dirty="0"/>
           </a:p>
           <a:p>
             <a:pPr marL="591820" lvl="1"/>
+            <a:r>
+              <a:rPr lang="en-US" altLang="zh-CN" dirty="0"/>
+              <a:t> constructor( )</a:t>
+            </a:r>
+            <a:r>
+              <a:rPr lang="zh-CN" altLang="en-US" dirty="0"/>
+              <a:t> </a:t>
+            </a:r>
+            <a:endParaRPr lang="en-US" altLang="zh-CN" dirty="0"/>
+          </a:p>
+          <a:p>
+            <a:pPr marL="593090" lvl="2"/>
+            <a:r>
+              <a:rPr lang="zh-CN" altLang="en-US" dirty="0"/>
+              <a:t> 会在其装载之前被调用</a:t>
+            </a:r>
+            <a:endParaRPr lang="en-US" altLang="zh-CN" dirty="0"/>
+          </a:p>
+          <a:p>
+            <a:pPr marL="593090" lvl="2"/>
+            <a:r>
+              <a:rPr lang="zh-CN" altLang="en-US" dirty="0"/>
+              <a:t> 在函数内应该在任何其他的表达式之前调用</a:t>
+            </a:r>
+            <a:r>
+              <a:rPr lang="en-US" altLang="zh-CN" dirty="0"/>
+              <a:t>super(props)</a:t>
+            </a:r>
+            <a:r>
+              <a:rPr lang="zh-CN" altLang="en-US" dirty="0"/>
+              <a:t>，否则，</a:t>
+            </a:r>
+            <a:r>
+              <a:rPr lang="en-US" altLang="zh-CN" dirty="0" err="1"/>
+              <a:t>this.props</a:t>
+            </a:r>
             <a:r>
               <a:rPr lang="en-US" altLang="zh-CN" dirty="0"/>
               <a:t> </a:t>
             </a:r>
             <a:r>
-              <a:rPr lang="en-US" altLang="zh-CN" dirty="0" smtClean="0"/>
-              <a:t>constructor( )</a:t>
-            </a:r>
-            <a:r>
-              <a:rPr lang="zh-CN" altLang="en-US" dirty="0" smtClean="0"/>
-              <a:t> </a:t>
-            </a:r>
-            <a:endParaRPr lang="en-US" altLang="zh-CN" dirty="0" smtClean="0"/>
-          </a:p>
-          <a:p>
-            <a:pPr marL="593090" lvl="2"/>
-            <a:r>
-              <a:rPr lang="zh-CN" altLang="en-US" dirty="0" smtClean="0"/>
-              <a:t> 会</a:t>
-            </a:r>
-            <a:r>
               <a:rPr lang="zh-CN" altLang="en-US" dirty="0"/>
-              <a:t>在其装载之前被</a:t>
-            </a:r>
-            <a:r>
-              <a:rPr lang="zh-CN" altLang="en-US" dirty="0" smtClean="0"/>
-              <a:t>调用</a:t>
-            </a:r>
-            <a:endParaRPr lang="en-US" altLang="zh-CN" dirty="0" smtClean="0"/>
-          </a:p>
-          <a:p>
-            <a:pPr marL="593090" lvl="2"/>
-            <a:r>
-              <a:rPr lang="zh-CN" altLang="en-US" dirty="0"/>
-              <a:t> </a:t>
-            </a:r>
-            <a:r>
-              <a:rPr lang="zh-CN" altLang="en-US" dirty="0" smtClean="0"/>
-              <a:t>在函数内应该</a:t>
-            </a:r>
-            <a:r>
-              <a:rPr lang="zh-CN" altLang="en-US" dirty="0"/>
-              <a:t>在任何其他的表达式之前调用</a:t>
-            </a:r>
-            <a:r>
-              <a:rPr lang="en-US" altLang="zh-CN" dirty="0"/>
-              <a:t>super(props</a:t>
-            </a:r>
-            <a:r>
-              <a:rPr lang="en-US" altLang="zh-CN" dirty="0" smtClean="0"/>
-              <a:t>)</a:t>
-            </a:r>
-            <a:r>
-              <a:rPr lang="zh-CN" altLang="en-US" dirty="0" smtClean="0"/>
-              <a:t>，</a:t>
-            </a:r>
-            <a:r>
-              <a:rPr lang="zh-CN" altLang="en-US" dirty="0"/>
-              <a:t>否则，</a:t>
-            </a:r>
-            <a:r>
-              <a:rPr lang="en-US" altLang="zh-CN" dirty="0" err="1" smtClean="0"/>
-              <a:t>this.props</a:t>
-            </a:r>
-            <a:r>
-              <a:rPr lang="en-US" altLang="zh-CN" dirty="0" smtClean="0"/>
-              <a:t> </a:t>
-            </a:r>
-            <a:r>
-              <a:rPr lang="zh-CN" altLang="en-US" dirty="0" smtClean="0"/>
-              <a:t>在</a:t>
-            </a:r>
-            <a:r>
-              <a:rPr lang="zh-CN" altLang="en-US" dirty="0"/>
-              <a:t>构造函数中将是未定义</a:t>
-            </a:r>
-            <a:r>
-              <a:rPr lang="zh-CN" altLang="en-US" dirty="0" smtClean="0"/>
-              <a:t>的</a:t>
-            </a:r>
-            <a:endParaRPr lang="en-US" altLang="zh-CN" dirty="0" smtClean="0"/>
+              <a:t>在构造函数中将是未定义的</a:t>
+            </a:r>
+            <a:endParaRPr lang="en-US" altLang="zh-CN" dirty="0"/>
           </a:p>
           <a:p>
             <a:pPr marL="591820" lvl="1"/>
@@ -8929,54 +8717,30 @@
               <a:t> </a:t>
             </a:r>
             <a:r>
-              <a:rPr lang="zh-CN" altLang="en-US" dirty="0" smtClean="0"/>
+              <a:rPr lang="zh-CN" altLang="en-US" dirty="0"/>
               <a:t>作用：</a:t>
             </a:r>
-            <a:endParaRPr lang="en-US" altLang="zh-CN" dirty="0" smtClean="0"/>
+            <a:endParaRPr lang="en-US" altLang="zh-CN" dirty="0"/>
           </a:p>
           <a:p>
             <a:pPr marL="593090" lvl="2"/>
             <a:r>
-              <a:rPr lang="zh-CN" altLang="en-US" dirty="0" smtClean="0"/>
-              <a:t> 初始化状态</a:t>
-            </a:r>
-            <a:r>
               <a:rPr lang="zh-CN" altLang="en-US" dirty="0"/>
-              <a:t>，通过赋值一个对象</a:t>
-            </a:r>
-            <a:r>
-              <a:rPr lang="zh-CN" altLang="en-US" dirty="0" smtClean="0"/>
-              <a:t>到 </a:t>
-            </a:r>
-            <a:r>
-              <a:rPr lang="en-US" altLang="zh-CN" dirty="0" err="1" smtClean="0"/>
+              <a:t> 初始化状态，通过赋值一个对象到 </a:t>
+            </a:r>
+            <a:r>
+              <a:rPr lang="en-US" altLang="zh-CN" dirty="0" err="1"/>
               <a:t>this.state</a:t>
             </a:r>
-            <a:endParaRPr lang="en-US" altLang="zh-CN" dirty="0" smtClean="0"/>
+            <a:endParaRPr lang="en-US" altLang="zh-CN" dirty="0"/>
           </a:p>
           <a:p>
             <a:pPr marL="593090" lvl="2"/>
             <a:r>
-              <a:rPr lang="zh-CN" altLang="en-US" dirty="0" smtClean="0"/>
-              <a:t> 绑定</a:t>
-            </a:r>
-            <a:r>
               <a:rPr lang="zh-CN" altLang="en-US" dirty="0"/>
-              <a:t>事件</a:t>
-            </a:r>
-            <a:r>
-              <a:rPr lang="zh-CN" altLang="en-US" dirty="0" smtClean="0"/>
-              <a:t>处理函数到</a:t>
-            </a:r>
-            <a:r>
-              <a:rPr lang="zh-CN" altLang="en-US" dirty="0"/>
-              <a:t>一个</a:t>
-            </a:r>
-            <a:r>
-              <a:rPr lang="zh-CN" altLang="en-US" dirty="0" smtClean="0"/>
-              <a:t>实例</a:t>
-            </a:r>
-            <a:endParaRPr lang="en-US" altLang="zh-CN" dirty="0" smtClean="0"/>
+              <a:t> 绑定事件处理函数到一个实例</a:t>
+            </a:r>
+            <a:endParaRPr lang="en-US" altLang="zh-CN" dirty="0"/>
           </a:p>
         </p:txBody>
       </p:sp>
@@ -9029,10 +8793,6 @@
               </a:rPr>
               <a:t>组件</a:t>
             </a:r>
-            <a:endParaRPr lang="zh-CN" altLang="en-US" dirty="0" smtClean="0">
-              <a:latin typeface="+mn-ea"/>
-              <a:ea typeface="+mn-ea"/>
-            </a:endParaRPr>
           </a:p>
         </p:txBody>
       </p:sp>
@@ -9058,7 +8818,7 @@
           <a:lstStyle/>
           <a:p>
             <a:r>
-              <a:rPr lang="en-US" altLang="zh-CN" sz="2400" dirty="0" smtClean="0"/>
+              <a:rPr lang="en-US" altLang="zh-CN" sz="2400" dirty="0"/>
               <a:t>demo06</a:t>
             </a:r>
             <a:endParaRPr lang="zh-CN" altLang="en-US" sz="2400" dirty="0"/>
@@ -9459,15 +9219,15 @@
           <a:p>
             <a:pPr marL="360045"/>
             <a:r>
-              <a:rPr lang="zh-CN" altLang="en-US" dirty="0" smtClean="0"/>
+              <a:rPr lang="zh-CN" altLang="en-US" dirty="0"/>
               <a:t> 挂载</a:t>
             </a:r>
-            <a:endParaRPr lang="en-US" altLang="zh-CN" dirty="0" smtClean="0"/>
+            <a:endParaRPr lang="en-US" altLang="zh-CN" dirty="0"/>
           </a:p>
           <a:p>
             <a:pPr marL="591820" lvl="1"/>
             <a:r>
-              <a:rPr lang="en-US" altLang="zh-CN" dirty="0" smtClean="0"/>
+              <a:rPr lang="en-US" altLang="zh-CN" dirty="0"/>
               <a:t> static </a:t>
             </a:r>
             <a:r>
@@ -9475,66 +9235,38 @@
               <a:t>getDerivedStateFromProps</a:t>
             </a:r>
             <a:r>
-              <a:rPr lang="en-US" altLang="zh-CN" dirty="0" smtClean="0"/>
+              <a:rPr lang="en-US" altLang="zh-CN" dirty="0"/>
               <a:t>( )</a:t>
             </a:r>
           </a:p>
           <a:p>
             <a:pPr marL="593090" lvl="2"/>
             <a:r>
-              <a:rPr lang="zh-CN" altLang="en-US" dirty="0" smtClean="0"/>
-              <a:t> 组件</a:t>
-            </a:r>
-            <a:r>
               <a:rPr lang="zh-CN" altLang="en-US" dirty="0"/>
-              <a:t>实例化</a:t>
-            </a:r>
-            <a:r>
-              <a:rPr lang="zh-CN" altLang="en-US" dirty="0" smtClean="0"/>
-              <a:t>后或接受</a:t>
-            </a:r>
+              <a:t> 组件实例化后或接受新属性时将会被调用</a:t>
+            </a:r>
+            <a:endParaRPr lang="en-US" altLang="zh-CN" dirty="0"/>
+          </a:p>
+          <a:p>
+            <a:pPr marL="593090" lvl="2"/>
             <a:r>
               <a:rPr lang="zh-CN" altLang="en-US" dirty="0"/>
-              <a:t>新属性时将</a:t>
-            </a:r>
-            <a:r>
-              <a:rPr lang="zh-CN" altLang="en-US" dirty="0" smtClean="0"/>
-              <a:t>会被调用</a:t>
-            </a:r>
-            <a:endParaRPr lang="en-US" altLang="zh-CN" dirty="0" smtClean="0"/>
-          </a:p>
-          <a:p>
-            <a:pPr marL="593090" lvl="2"/>
-            <a:r>
-              <a:rPr lang="zh-CN" altLang="en-US" dirty="0" smtClean="0"/>
-              <a:t> 应该</a:t>
+              <a:t> 应该返回一个对象来更新状态，或者返回 </a:t>
+            </a:r>
+            <a:r>
+              <a:rPr lang="en-US" altLang="zh-CN" dirty="0"/>
+              <a:t>null </a:t>
             </a:r>
             <a:r>
               <a:rPr lang="zh-CN" altLang="en-US" dirty="0"/>
-              <a:t>返回一个对象来更新状态，或者</a:t>
-            </a:r>
-            <a:r>
-              <a:rPr lang="zh-CN" altLang="en-US" dirty="0" smtClean="0"/>
-              <a:t>返回 </a:t>
-            </a:r>
-            <a:r>
-              <a:rPr lang="en-US" altLang="zh-CN" dirty="0" smtClean="0"/>
-              <a:t>null </a:t>
-            </a:r>
-            <a:r>
-              <a:rPr lang="zh-CN" altLang="en-US" dirty="0" smtClean="0"/>
-              <a:t>来</a:t>
-            </a:r>
-            <a:r>
-              <a:rPr lang="zh-CN" altLang="en-US" dirty="0"/>
-              <a:t>表明新属性不需要更新任何状态</a:t>
-            </a:r>
-            <a:endParaRPr lang="en-US" altLang="zh-CN" dirty="0" smtClean="0"/>
+              <a:t>来表明新属性不需要更新任何状态</a:t>
+            </a:r>
+            <a:endParaRPr lang="en-US" altLang="zh-CN" dirty="0"/>
           </a:p>
           <a:p>
             <a:pPr marL="591820" lvl="1"/>
             <a:r>
-              <a:rPr lang="en-US" altLang="zh-CN" dirty="0" smtClean="0">
+              <a:rPr lang="en-US" altLang="zh-CN" dirty="0">
                 <a:latin typeface="+mj-ea"/>
                 <a:ea typeface="+mj-ea"/>
               </a:rPr>
@@ -9544,14 +9276,10 @@
           <a:p>
             <a:pPr marL="593090" lvl="2"/>
             <a:r>
-              <a:rPr lang="zh-CN" altLang="en-US" dirty="0" smtClean="0"/>
-              <a:t> 类</a:t>
-            </a:r>
-            <a:r>
               <a:rPr lang="zh-CN" altLang="en-US" dirty="0"/>
-              <a:t>组件唯一必须的方法</a:t>
-            </a:r>
-            <a:endParaRPr lang="en-US" altLang="zh-CN" dirty="0" smtClean="0">
+              <a:t> 类组件唯一必须的方法</a:t>
+            </a:r>
+            <a:endParaRPr lang="en-US" altLang="zh-CN" dirty="0">
               <a:latin typeface="+mj-ea"/>
               <a:ea typeface="+mj-ea"/>
             </a:endParaRPr>
@@ -9573,24 +9301,24 @@
               <a:t>componentDidMount</a:t>
             </a:r>
             <a:r>
-              <a:rPr lang="en-US" altLang="zh-CN" dirty="0" smtClean="0">
-                <a:latin typeface="+mj-ea"/>
-                <a:ea typeface="+mj-ea"/>
-              </a:rPr>
-              <a:t>( )</a:t>
-            </a:r>
-          </a:p>
-          <a:p>
-            <a:pPr marL="593090" lvl="2"/>
-            <a:r>
               <a:rPr lang="en-US" altLang="zh-CN" dirty="0">
                 <a:latin typeface="+mj-ea"/>
                 <a:ea typeface="+mj-ea"/>
               </a:rPr>
+              <a:t>( )</a:t>
+            </a:r>
+          </a:p>
+          <a:p>
+            <a:pPr marL="593090" lvl="2"/>
+            <a:r>
+              <a:rPr lang="en-US" altLang="zh-CN" dirty="0">
+                <a:latin typeface="+mj-ea"/>
+                <a:ea typeface="+mj-ea"/>
+              </a:rPr>
               <a:t> </a:t>
             </a:r>
             <a:r>
-              <a:rPr lang="zh-CN" altLang="en-US" dirty="0" smtClean="0">
+              <a:rPr lang="zh-CN" altLang="en-US" dirty="0">
                 <a:latin typeface="+mj-ea"/>
                 <a:ea typeface="+mj-ea"/>
               </a:rPr>
@@ -9648,10 +9376,6 @@
               </a:rPr>
               <a:t>组件</a:t>
             </a:r>
-            <a:endParaRPr lang="zh-CN" altLang="en-US" dirty="0" smtClean="0">
-              <a:latin typeface="+mn-ea"/>
-              <a:ea typeface="+mn-ea"/>
-            </a:endParaRPr>
           </a:p>
         </p:txBody>
       </p:sp>
@@ -10184,10 +9908,10 @@
               <a:t> </a:t>
             </a:r>
             <a:r>
-              <a:rPr lang="zh-CN" altLang="en-US" dirty="0" smtClean="0"/>
+              <a:rPr lang="zh-CN" altLang="en-US" dirty="0"/>
               <a:t>更新 </a:t>
             </a:r>
-            <a:endParaRPr lang="en-US" altLang="zh-CN" dirty="0" smtClean="0"/>
+            <a:endParaRPr lang="en-US" altLang="zh-CN" dirty="0"/>
           </a:p>
           <a:p>
             <a:pPr marL="591820" lvl="1"/>
@@ -10196,28 +9920,56 @@
                 <a:latin typeface="+mj-ea"/>
                 <a:ea typeface="+mj-ea"/>
               </a:rPr>
-              <a:t> </a:t>
-            </a:r>
-            <a:r>
-              <a:rPr lang="en-US" altLang="zh-CN" dirty="0" smtClean="0">
+              <a:t> static </a:t>
+            </a:r>
+            <a:r>
+              <a:rPr lang="en-US" altLang="zh-CN" dirty="0" err="1">
                 <a:latin typeface="+mj-ea"/>
                 <a:ea typeface="+mj-ea"/>
               </a:rPr>
-              <a:t>static </a:t>
-            </a:r>
-            <a:r>
-              <a:rPr lang="en-US" altLang="zh-CN" dirty="0" err="1" smtClean="0">
+              <a:t>getDerivedStateFromProps</a:t>
+            </a:r>
+            <a:r>
+              <a:rPr lang="en-US" altLang="zh-CN" dirty="0">
                 <a:latin typeface="+mj-ea"/>
                 <a:ea typeface="+mj-ea"/>
               </a:rPr>
-              <a:t>getDerivedStateFromProps</a:t>
-            </a:r>
-            <a:r>
-              <a:rPr lang="en-US" altLang="zh-CN" dirty="0" smtClean="0">
+              <a:t>( )</a:t>
+            </a:r>
+          </a:p>
+          <a:p>
+            <a:pPr marL="591820" lvl="1"/>
+            <a:r>
+              <a:rPr lang="en-US" altLang="zh-CN" dirty="0">
                 <a:latin typeface="+mj-ea"/>
                 <a:ea typeface="+mj-ea"/>
               </a:rPr>
+              <a:t> </a:t>
+            </a:r>
+            <a:r>
+              <a:rPr lang="en-US" altLang="zh-CN" dirty="0" err="1">
+                <a:latin typeface="+mj-ea"/>
+                <a:ea typeface="+mj-ea"/>
+              </a:rPr>
+              <a:t>shouldComponentUpdate</a:t>
+            </a:r>
+            <a:r>
+              <a:rPr lang="en-US" altLang="zh-CN" dirty="0">
+                <a:latin typeface="+mj-ea"/>
+                <a:ea typeface="+mj-ea"/>
+              </a:rPr>
               <a:t>( )</a:t>
+            </a:r>
+          </a:p>
+          <a:p>
+            <a:pPr marL="593090" lvl="2"/>
+            <a:r>
+              <a:rPr lang="zh-CN" altLang="en-US"/>
+              <a:t> 当</a:t>
+            </a:r>
+            <a:r>
+              <a:rPr lang="zh-CN" altLang="en-US" dirty="0"/>
+              <a:t>接收到新属性或状态时，在渲染前被调用，返回布尔值</a:t>
             </a:r>
             <a:endParaRPr lang="en-US" altLang="zh-CN" dirty="0">
               <a:latin typeface="+mj-ea"/>
@@ -10231,6 +9983,16 @@
                 <a:latin typeface="+mj-ea"/>
                 <a:ea typeface="+mj-ea"/>
               </a:rPr>
+              <a:t> render( )</a:t>
+            </a:r>
+          </a:p>
+          <a:p>
+            <a:pPr marL="591820" lvl="1"/>
+            <a:r>
+              <a:rPr lang="en-US" altLang="zh-CN" dirty="0">
+                <a:latin typeface="+mj-ea"/>
+                <a:ea typeface="+mj-ea"/>
+              </a:rPr>
               <a:t> </a:t>
             </a:r>
             <a:r>
@@ -10238,10 +10000,10 @@
                 <a:latin typeface="+mj-ea"/>
                 <a:ea typeface="+mj-ea"/>
               </a:rPr>
-              <a:t>shouldComponentUpdate</a:t>
-            </a:r>
-            <a:r>
-              <a:rPr lang="en-US" altLang="zh-CN" dirty="0" smtClean="0">
+              <a:t>getSnapshotBeforeUpdate</a:t>
+            </a:r>
+            <a:r>
+              <a:rPr lang="en-US" altLang="zh-CN" dirty="0">
                 <a:latin typeface="+mj-ea"/>
                 <a:ea typeface="+mj-ea"/>
               </a:rPr>
@@ -10251,24 +10013,42 @@
           <a:p>
             <a:pPr marL="593090" lvl="2"/>
             <a:r>
-              <a:rPr lang="zh-CN" altLang="en-US" smtClean="0"/>
-              <a:t> 当</a:t>
+              <a:rPr lang="en-US" altLang="zh-CN" dirty="0">
+                <a:latin typeface="+mj-ea"/>
+                <a:ea typeface="+mj-ea"/>
+              </a:rPr>
+              <a:t> </a:t>
+            </a:r>
+            <a:r>
+              <a:rPr lang="zh-CN" altLang="en-US" dirty="0">
+                <a:latin typeface="+mj-ea"/>
+                <a:ea typeface="+mj-ea"/>
+              </a:rPr>
+              <a:t>在</a:t>
             </a:r>
             <a:r>
               <a:rPr lang="zh-CN" altLang="en-US" dirty="0"/>
-              <a:t>接收到新属性或状态时</a:t>
-            </a:r>
-            <a:r>
-              <a:rPr lang="zh-CN" altLang="en-US" dirty="0" smtClean="0"/>
-              <a:t>，在</a:t>
+              <a:t>最新的渲染输出提交给 </a:t>
+            </a:r>
+            <a:r>
+              <a:rPr lang="en-US" altLang="zh-CN" dirty="0"/>
+              <a:t>DOM </a:t>
             </a:r>
             <a:r>
               <a:rPr lang="zh-CN" altLang="en-US" dirty="0"/>
-              <a:t>渲染前被</a:t>
-            </a:r>
-            <a:r>
-              <a:rPr lang="zh-CN" altLang="en-US" dirty="0" smtClean="0"/>
-              <a:t>调用，返回布尔值</a:t>
+              <a:t>前将会立即调用</a:t>
+            </a:r>
+            <a:endParaRPr lang="en-US" altLang="zh-CN" dirty="0"/>
+          </a:p>
+          <a:p>
+            <a:pPr marL="593090" lvl="2"/>
+            <a:r>
+              <a:rPr lang="zh-CN" altLang="en-US" dirty="0"/>
+              <a:t> 该函数返回的任何值将会 作为参数被传递给</a:t>
+            </a:r>
+            <a:r>
+              <a:rPr lang="en-US" altLang="zh-CN" dirty="0" err="1"/>
+              <a:t>componentDidUpdate</a:t>
             </a:r>
             <a:endParaRPr lang="en-US" altLang="zh-CN" dirty="0">
               <a:latin typeface="+mj-ea"/>
@@ -10278,40 +10058,6 @@
           <a:p>
             <a:pPr marL="591820" lvl="1"/>
             <a:r>
-              <a:rPr lang="en-US" altLang="zh-CN" dirty="0" smtClean="0">
-                <a:latin typeface="+mj-ea"/>
-                <a:ea typeface="+mj-ea"/>
-              </a:rPr>
-              <a:t> render( )</a:t>
-            </a:r>
-          </a:p>
-          <a:p>
-            <a:pPr marL="591820" lvl="1"/>
-            <a:r>
-              <a:rPr lang="en-US" altLang="zh-CN" dirty="0" smtClean="0">
-                <a:latin typeface="+mj-ea"/>
-                <a:ea typeface="+mj-ea"/>
-              </a:rPr>
-              <a:t> </a:t>
-            </a:r>
-            <a:r>
-              <a:rPr lang="en-US" altLang="zh-CN" dirty="0" err="1" smtClean="0">
-                <a:latin typeface="+mj-ea"/>
-                <a:ea typeface="+mj-ea"/>
-              </a:rPr>
-              <a:t>getSnapshotBeforeUpdate</a:t>
-            </a:r>
-            <a:r>
-              <a:rPr lang="en-US" altLang="zh-CN" dirty="0" smtClean="0">
-                <a:latin typeface="+mj-ea"/>
-                <a:ea typeface="+mj-ea"/>
-              </a:rPr>
-              <a:t>( )</a:t>
-            </a:r>
-          </a:p>
-          <a:p>
-            <a:pPr marL="593090" lvl="2"/>
-            <a:r>
               <a:rPr lang="en-US" altLang="zh-CN" dirty="0">
                 <a:latin typeface="+mj-ea"/>
                 <a:ea typeface="+mj-ea"/>
@@ -10319,81 +10065,20 @@
               <a:t> </a:t>
             </a:r>
             <a:r>
-              <a:rPr lang="zh-CN" altLang="en-US" dirty="0" smtClean="0">
+              <a:rPr lang="en-US" altLang="zh-CN" dirty="0" err="1">
                 <a:latin typeface="+mj-ea"/>
                 <a:ea typeface="+mj-ea"/>
               </a:rPr>
-              <a:t>在</a:t>
-            </a:r>
-            <a:r>
-              <a:rPr lang="zh-CN" altLang="en-US" dirty="0"/>
-              <a:t>最新的渲染输出提交</a:t>
-            </a:r>
-            <a:r>
-              <a:rPr lang="zh-CN" altLang="en-US" dirty="0" smtClean="0"/>
-              <a:t>给 </a:t>
-            </a:r>
-            <a:r>
-              <a:rPr lang="en-US" altLang="zh-CN" dirty="0" smtClean="0"/>
-              <a:t>DOM </a:t>
-            </a:r>
-            <a:r>
-              <a:rPr lang="zh-CN" altLang="en-US" dirty="0" smtClean="0"/>
-              <a:t>前</a:t>
-            </a:r>
-            <a:r>
-              <a:rPr lang="zh-CN" altLang="en-US" dirty="0"/>
-              <a:t>将会立即</a:t>
-            </a:r>
-            <a:r>
-              <a:rPr lang="zh-CN" altLang="en-US" dirty="0" smtClean="0"/>
-              <a:t>调用</a:t>
-            </a:r>
-            <a:endParaRPr lang="en-US" altLang="zh-CN" dirty="0" smtClean="0"/>
-          </a:p>
-          <a:p>
-            <a:pPr marL="593090" lvl="2"/>
-            <a:r>
-              <a:rPr lang="zh-CN" altLang="en-US" dirty="0" smtClean="0"/>
-              <a:t> 该函数返回的</a:t>
-            </a:r>
-            <a:r>
-              <a:rPr lang="zh-CN" altLang="en-US" dirty="0"/>
-              <a:t>任何值将会 作为参数被传递给</a:t>
-            </a:r>
-            <a:r>
-              <a:rPr lang="en-US" altLang="zh-CN" dirty="0" err="1"/>
               <a:t>componentDidUpdate</a:t>
             </a:r>
-            <a:endParaRPr lang="en-US" altLang="zh-CN" dirty="0" smtClean="0">
-              <a:latin typeface="+mj-ea"/>
-              <a:ea typeface="+mj-ea"/>
-            </a:endParaRPr>
-          </a:p>
-          <a:p>
-            <a:pPr marL="591820" lvl="1"/>
             <a:r>
               <a:rPr lang="en-US" altLang="zh-CN" dirty="0">
                 <a:latin typeface="+mj-ea"/>
                 <a:ea typeface="+mj-ea"/>
               </a:rPr>
-              <a:t> </a:t>
-            </a:r>
-            <a:r>
-              <a:rPr lang="en-US" altLang="zh-CN" dirty="0" err="1">
-                <a:latin typeface="+mj-ea"/>
-                <a:ea typeface="+mj-ea"/>
-              </a:rPr>
-              <a:t>componentDidUpdate</a:t>
-            </a:r>
-            <a:r>
-              <a:rPr lang="en-US" altLang="zh-CN" dirty="0" smtClean="0">
-                <a:latin typeface="+mj-ea"/>
-                <a:ea typeface="+mj-ea"/>
-              </a:rPr>
               <a:t>( )</a:t>
             </a:r>
-            <a:endParaRPr lang="zh-CN" altLang="en-US" dirty="0" smtClean="0">
+            <a:endParaRPr lang="zh-CN" altLang="en-US" dirty="0">
               <a:latin typeface="+mj-ea"/>
               <a:ea typeface="+mj-ea"/>
             </a:endParaRPr>
@@ -10449,10 +10134,6 @@
               </a:rPr>
               <a:t>组件</a:t>
             </a:r>
-            <a:endParaRPr lang="zh-CN" altLang="en-US" dirty="0" smtClean="0">
-              <a:latin typeface="+mn-ea"/>
-              <a:ea typeface="+mn-ea"/>
-            </a:endParaRPr>
           </a:p>
         </p:txBody>
       </p:sp>
@@ -10996,7 +10677,7 @@
           </a:lstStyle>
           <a:p>
             <a:r>
-              <a:rPr lang="zh-CN" altLang="en-US" dirty="0" smtClean="0">
+              <a:rPr lang="zh-CN" altLang="en-US" dirty="0">
                 <a:solidFill>
                   <a:srgbClr val="C00000"/>
                 </a:solidFill>
@@ -11005,13 +10686,6 @@
               </a:rPr>
               <a:t>内容提纲</a:t>
             </a:r>
-            <a:endParaRPr lang="zh-CN" altLang="en-US" dirty="0">
-              <a:solidFill>
-                <a:srgbClr val="C00000"/>
-              </a:solidFill>
-              <a:latin typeface="+mj-ea"/>
-              <a:ea typeface="+mj-ea"/>
-            </a:endParaRPr>
           </a:p>
         </p:txBody>
       </p:sp>
@@ -11172,7 +10846,7 @@
               <a:buChar char="Ø"/>
             </a:pPr>
             <a:r>
-              <a:rPr lang="en-US" altLang="zh-CN" sz="2800" b="1" dirty="0" smtClean="0">
+              <a:rPr lang="en-US" altLang="zh-CN" sz="2800" b="1" dirty="0">
                 <a:solidFill>
                   <a:srgbClr val="C00000"/>
                 </a:solidFill>
@@ -11182,7 +10856,7 @@
               <a:t>JSX </a:t>
             </a:r>
             <a:r>
-              <a:rPr lang="zh-CN" altLang="en-US" sz="2800" b="1" dirty="0" smtClean="0">
+              <a:rPr lang="zh-CN" altLang="en-US" sz="2800" b="1" dirty="0">
                 <a:solidFill>
                   <a:srgbClr val="C00000"/>
                 </a:solidFill>
@@ -11211,13 +10885,13 @@
               <a:buChar char="Ø"/>
             </a:pPr>
             <a:r>
-              <a:rPr lang="zh-CN" altLang="en-US" sz="2800" b="1" dirty="0" smtClean="0">
+              <a:rPr lang="zh-CN" altLang="en-US" sz="2800" b="1" dirty="0">
                 <a:latin typeface="+mj-ea"/>
                 <a:ea typeface="+mj-ea"/>
               </a:rPr>
               <a:t>元素渲染</a:t>
             </a:r>
-            <a:endParaRPr lang="en-US" altLang="zh-CN" sz="2800" b="1" dirty="0" smtClean="0">
+            <a:endParaRPr lang="en-US" altLang="zh-CN" sz="2800" b="1" dirty="0">
               <a:latin typeface="+mj-ea"/>
               <a:ea typeface="+mj-ea"/>
             </a:endParaRPr>
@@ -11234,13 +10908,13 @@
               <a:buChar char="Ø"/>
             </a:pPr>
             <a:r>
-              <a:rPr lang="zh-CN" altLang="en-US" sz="2800" b="1" dirty="0" smtClean="0">
+              <a:rPr lang="zh-CN" altLang="en-US" sz="2800" b="1" dirty="0">
                 <a:latin typeface="+mj-ea"/>
                 <a:ea typeface="+mj-ea"/>
               </a:rPr>
               <a:t>组件</a:t>
             </a:r>
-            <a:endParaRPr lang="en-US" altLang="zh-CN" sz="2800" b="1" dirty="0" smtClean="0">
+            <a:endParaRPr lang="en-US" altLang="zh-CN" sz="2800" b="1" dirty="0">
               <a:latin typeface="+mj-ea"/>
               <a:ea typeface="+mj-ea"/>
             </a:endParaRPr>
@@ -11257,7 +10931,7 @@
               <a:buChar char="Ø"/>
             </a:pPr>
             <a:r>
-              <a:rPr lang="zh-CN" altLang="en-US" sz="2800" b="1" dirty="0" smtClean="0">
+              <a:rPr lang="zh-CN" altLang="en-US" sz="2800" b="1" dirty="0">
                 <a:latin typeface="+mj-ea"/>
                 <a:ea typeface="+mj-ea"/>
               </a:rPr>
@@ -11276,13 +10950,6 @@
     <a:masterClrMapping/>
   </p:clrMapOvr>
   <p:transition/>
-  <p:timing>
-    <p:tnLst>
-      <p:par>
-        <p:cTn id="1" dur="indefinite" restart="never" nodeType="tmRoot"/>
-      </p:par>
-    </p:tnLst>
-  </p:timing>
 </p:sld>
 </file>
 
@@ -11328,10 +10995,10 @@
           <a:p>
             <a:pPr marL="360045"/>
             <a:r>
-              <a:rPr lang="zh-CN" altLang="en-US" dirty="0" smtClean="0"/>
+              <a:rPr lang="zh-CN" altLang="en-US" dirty="0"/>
               <a:t> 卸载</a:t>
             </a:r>
-            <a:endParaRPr lang="en-US" altLang="zh-CN" dirty="0" smtClean="0"/>
+            <a:endParaRPr lang="en-US" altLang="zh-CN" dirty="0"/>
           </a:p>
           <a:p>
             <a:pPr marL="591820" lvl="1"/>
@@ -11344,7 +11011,7 @@
               <a:t>componentWillUnmount</a:t>
             </a:r>
             <a:r>
-              <a:rPr lang="en-US" altLang="zh-CN" dirty="0" smtClean="0"/>
+              <a:rPr lang="en-US" altLang="zh-CN" dirty="0"/>
               <a:t>( )</a:t>
             </a:r>
           </a:p>
@@ -11355,10 +11022,10 @@
               <a:t> </a:t>
             </a:r>
             <a:r>
-              <a:rPr lang="zh-CN" altLang="en-US" dirty="0" smtClean="0"/>
+              <a:rPr lang="zh-CN" altLang="en-US" dirty="0"/>
               <a:t>错误处理</a:t>
             </a:r>
-            <a:endParaRPr lang="en-US" altLang="zh-CN" dirty="0" smtClean="0"/>
+            <a:endParaRPr lang="en-US" altLang="zh-CN" dirty="0"/>
           </a:p>
           <a:p>
             <a:pPr marL="591820" lvl="1"/>
@@ -11377,13 +11044,13 @@
               <a:t>componentDidCatch</a:t>
             </a:r>
             <a:r>
-              <a:rPr lang="en-US" altLang="zh-CN" dirty="0" smtClean="0">
+              <a:rPr lang="en-US" altLang="zh-CN" dirty="0">
                 <a:latin typeface="+mj-ea"/>
                 <a:ea typeface="+mj-ea"/>
               </a:rPr>
               <a:t>( )</a:t>
             </a:r>
-            <a:endParaRPr lang="zh-CN" altLang="en-US" dirty="0" smtClean="0">
+            <a:endParaRPr lang="zh-CN" altLang="en-US" dirty="0">
               <a:latin typeface="+mj-ea"/>
               <a:ea typeface="+mj-ea"/>
             </a:endParaRPr>
@@ -11439,10 +11106,6 @@
               </a:rPr>
               <a:t>组件</a:t>
             </a:r>
-            <a:endParaRPr lang="zh-CN" altLang="en-US" dirty="0" smtClean="0">
-              <a:latin typeface="+mn-ea"/>
-              <a:ea typeface="+mn-ea"/>
-            </a:endParaRPr>
           </a:p>
         </p:txBody>
       </p:sp>
@@ -11456,13 +11119,6 @@
   <p:clrMapOvr>
     <a:masterClrMapping/>
   </p:clrMapOvr>
-  <p:timing>
-    <p:tnLst>
-      <p:par>
-        <p:cTn id="1" dur="indefinite" restart="never" nodeType="tmRoot"/>
-      </p:par>
-    </p:tnLst>
-  </p:timing>
 </p:sld>
 </file>
 
@@ -11636,7 +11292,7 @@
           </a:lstStyle>
           <a:p>
             <a:r>
-              <a:rPr lang="zh-CN" altLang="en-US" dirty="0" smtClean="0">
+              <a:rPr lang="zh-CN" altLang="en-US" dirty="0">
                 <a:solidFill>
                   <a:srgbClr val="C00000"/>
                 </a:solidFill>
@@ -11645,13 +11301,6 @@
               </a:rPr>
               <a:t>内容提纲</a:t>
             </a:r>
-            <a:endParaRPr lang="zh-CN" altLang="en-US" dirty="0">
-              <a:solidFill>
-                <a:srgbClr val="C00000"/>
-              </a:solidFill>
-              <a:latin typeface="+mj-ea"/>
-              <a:ea typeface="+mj-ea"/>
-            </a:endParaRPr>
           </a:p>
         </p:txBody>
       </p:sp>
@@ -11812,14 +11461,14 @@
               <a:buChar char="Ø"/>
             </a:pPr>
             <a:r>
-              <a:rPr lang="en-US" altLang="zh-CN" sz="2800" b="1" dirty="0" smtClean="0">
+              <a:rPr lang="en-US" altLang="zh-CN" sz="2800" b="1" dirty="0">
                 <a:latin typeface="+mj-ea"/>
                 <a:ea typeface="+mj-ea"/>
               </a:rPr>
               <a:t>JSX </a:t>
             </a:r>
             <a:r>
-              <a:rPr lang="zh-CN" altLang="en-US" sz="2800" b="1" dirty="0" smtClean="0">
+              <a:rPr lang="zh-CN" altLang="en-US" sz="2800" b="1" dirty="0">
                 <a:latin typeface="+mj-ea"/>
                 <a:ea typeface="+mj-ea"/>
               </a:rPr>
@@ -11842,13 +11491,13 @@
               <a:buChar char="Ø"/>
             </a:pPr>
             <a:r>
-              <a:rPr lang="zh-CN" altLang="en-US" sz="2800" b="1" dirty="0" smtClean="0">
+              <a:rPr lang="zh-CN" altLang="en-US" sz="2800" b="1" dirty="0">
                 <a:latin typeface="+mj-ea"/>
                 <a:ea typeface="+mj-ea"/>
               </a:rPr>
               <a:t>元素渲染</a:t>
             </a:r>
-            <a:endParaRPr lang="en-US" altLang="zh-CN" sz="2800" b="1" dirty="0" smtClean="0">
+            <a:endParaRPr lang="en-US" altLang="zh-CN" sz="2800" b="1" dirty="0">
               <a:latin typeface="+mj-ea"/>
               <a:ea typeface="+mj-ea"/>
             </a:endParaRPr>
@@ -11865,13 +11514,13 @@
               <a:buChar char="Ø"/>
             </a:pPr>
             <a:r>
-              <a:rPr lang="zh-CN" altLang="en-US" sz="2800" b="1" dirty="0" smtClean="0">
+              <a:rPr lang="zh-CN" altLang="en-US" sz="2800" b="1" dirty="0">
                 <a:latin typeface="+mj-ea"/>
                 <a:ea typeface="+mj-ea"/>
               </a:rPr>
               <a:t>组件</a:t>
             </a:r>
-            <a:endParaRPr lang="en-US" altLang="zh-CN" sz="2800" b="1" dirty="0" smtClean="0">
+            <a:endParaRPr lang="en-US" altLang="zh-CN" sz="2800" b="1" dirty="0">
               <a:latin typeface="+mj-ea"/>
               <a:ea typeface="+mj-ea"/>
             </a:endParaRPr>
@@ -11888,24 +11537,14 @@
               <a:buChar char="Ø"/>
             </a:pPr>
             <a:r>
-              <a:rPr lang="zh-CN" altLang="en-US" sz="2800" b="1" dirty="0" smtClean="0">
+              <a:rPr lang="zh-CN" altLang="en-US" sz="2800" b="1" dirty="0">
                 <a:solidFill>
                   <a:srgbClr val="C00000"/>
                 </a:solidFill>
                 <a:latin typeface="+mj-ea"/>
                 <a:ea typeface="+mj-ea"/>
               </a:rPr>
-              <a:t>事件</a:t>
-            </a:r>
-            <a:r>
-              <a:rPr lang="zh-CN" altLang="en-US" sz="2800" b="1" dirty="0">
-                <a:solidFill>
-                  <a:srgbClr val="C00000"/>
-                </a:solidFill>
-                <a:latin typeface="+mj-ea"/>
-                <a:ea typeface="+mj-ea"/>
-              </a:rPr>
-              <a:t>处理</a:t>
+              <a:t>事件处理</a:t>
             </a:r>
             <a:endParaRPr lang="en-US" altLang="zh-CN" sz="2800" b="1" dirty="0">
               <a:solidFill>
@@ -11928,13 +11567,6 @@
     <a:masterClrMapping/>
   </p:clrMapOvr>
   <p:transition/>
-  <p:timing>
-    <p:tnLst>
-      <p:par>
-        <p:cTn id="1" dur="indefinite" restart="never" nodeType="tmRoot"/>
-      </p:par>
-    </p:tnLst>
-  </p:timing>
 </p:sld>
 </file>
 
@@ -11984,10 +11616,10 @@
               <a:t> </a:t>
             </a:r>
             <a:r>
-              <a:rPr lang="zh-CN" altLang="en-US" dirty="0" smtClean="0"/>
+              <a:rPr lang="zh-CN" altLang="en-US" dirty="0"/>
               <a:t>事件绑定</a:t>
             </a:r>
-            <a:endParaRPr lang="en-US" altLang="zh-CN" dirty="0" smtClean="0"/>
+            <a:endParaRPr lang="en-US" altLang="zh-CN" dirty="0"/>
           </a:p>
           <a:p>
             <a:pPr marL="591820" lvl="1"/>
@@ -11999,12 +11631,12 @@
               <a:rPr lang="zh-CN" altLang="en-US" dirty="0"/>
               <a:t>事件绑定属性的命名采用驼峰式写法，而不是小写</a:t>
             </a:r>
-            <a:endParaRPr lang="en-US" altLang="zh-CN" dirty="0" smtClean="0"/>
+            <a:endParaRPr lang="en-US" altLang="zh-CN" dirty="0"/>
           </a:p>
           <a:p>
             <a:pPr marL="591820" lvl="1"/>
             <a:r>
-              <a:rPr lang="zh-CN" altLang="en-US" dirty="0" smtClean="0"/>
+              <a:rPr lang="zh-CN" altLang="en-US" dirty="0"/>
               <a:t> 采用 </a:t>
             </a:r>
             <a:r>
@@ -12012,40 +11644,28 @@
               <a:t>JSX </a:t>
             </a:r>
             <a:r>
-              <a:rPr lang="zh-CN" altLang="en-US" dirty="0" smtClean="0"/>
-              <a:t>语法需传入</a:t>
-            </a:r>
-            <a:r>
               <a:rPr lang="zh-CN" altLang="en-US" dirty="0"/>
-              <a:t>一个函数作为事件处理函数，而不是一个字符串</a:t>
-            </a:r>
-            <a:r>
-              <a:rPr lang="en-US" altLang="zh-CN" dirty="0" smtClean="0"/>
+              <a:t>语法需传入一个函数作为事件处理函数，而不是一个字符串</a:t>
+            </a:r>
+            <a:r>
+              <a:rPr lang="en-US" altLang="zh-CN" dirty="0"/>
               <a:t>( DOM </a:t>
             </a:r>
             <a:r>
-              <a:rPr lang="zh-CN" altLang="en-US" dirty="0" smtClean="0"/>
-              <a:t>元素</a:t>
-            </a:r>
-            <a:r>
               <a:rPr lang="zh-CN" altLang="en-US" dirty="0"/>
-              <a:t>的</a:t>
-            </a:r>
-            <a:r>
-              <a:rPr lang="zh-CN" altLang="en-US" dirty="0" smtClean="0"/>
-              <a:t>写法 </a:t>
-            </a:r>
-            <a:r>
-              <a:rPr lang="en-US" altLang="zh-CN" dirty="0" smtClean="0"/>
+              <a:t>元素的写法 </a:t>
+            </a:r>
+            <a:r>
+              <a:rPr lang="en-US" altLang="zh-CN" dirty="0"/>
               <a:t>)</a:t>
             </a:r>
-            <a:endParaRPr lang="en-US" altLang="zh-CN" sz="2000" dirty="0" smtClean="0"/>
+            <a:endParaRPr lang="en-US" altLang="zh-CN" sz="2000" dirty="0"/>
           </a:p>
           <a:p>
             <a:pPr marL="361315" lvl="1" indent="0">
               <a:buNone/>
             </a:pPr>
-            <a:endParaRPr lang="en-US" altLang="zh-CN" sz="2200" dirty="0" smtClean="0">
+            <a:endParaRPr lang="en-US" altLang="zh-CN" sz="2200" dirty="0">
               <a:latin typeface="+mj-ea"/>
               <a:ea typeface="+mj-ea"/>
             </a:endParaRPr>
@@ -12057,13 +11677,13 @@
               <a:defRPr/>
             </a:pPr>
             <a:r>
-              <a:rPr lang="en-US" altLang="zh-CN" sz="2400" dirty="0" smtClean="0">
+              <a:rPr lang="en-US" altLang="zh-CN" sz="2400" dirty="0">
                 <a:latin typeface="+mj-ea"/>
                 <a:ea typeface="+mj-ea"/>
               </a:rPr>
               <a:t>		</a:t>
             </a:r>
-            <a:endParaRPr lang="zh-CN" altLang="en-US" dirty="0" smtClean="0">
+            <a:endParaRPr lang="zh-CN" altLang="en-US" dirty="0">
               <a:latin typeface="+mj-ea"/>
               <a:ea typeface="+mj-ea"/>
             </a:endParaRPr>
@@ -12113,7 +11733,7 @@
               <a:defRPr/>
             </a:pPr>
             <a:r>
-              <a:rPr lang="zh-CN" altLang="en-US" dirty="0" smtClean="0">
+              <a:rPr lang="zh-CN" altLang="en-US" dirty="0">
                 <a:latin typeface="+mn-ea"/>
                 <a:ea typeface="+mn-ea"/>
               </a:rPr>
@@ -12150,28 +11770,24 @@
           <a:lstStyle/>
           <a:p>
             <a:r>
-              <a:rPr lang="en-US" altLang="zh-CN" sz="2400" dirty="0" err="1" smtClean="0"/>
+              <a:rPr lang="en-US" altLang="zh-CN" sz="2400" dirty="0" err="1"/>
               <a:t>handleClick</a:t>
             </a:r>
             <a:r>
-              <a:rPr lang="en-US" altLang="zh-CN" sz="2400" dirty="0" smtClean="0"/>
+              <a:rPr lang="en-US" altLang="zh-CN" sz="2400" dirty="0"/>
               <a:t> = ( ) =&gt; { }</a:t>
             </a:r>
           </a:p>
           <a:p>
             <a:r>
-              <a:rPr lang="en-US" altLang="zh-CN" sz="2400" dirty="0" smtClean="0"/>
+              <a:rPr lang="en-US" altLang="zh-CN" sz="2400" dirty="0"/>
               <a:t>….</a:t>
             </a:r>
           </a:p>
           <a:p>
             <a:r>
-              <a:rPr lang="en-US" altLang="zh-CN" sz="2400" dirty="0" smtClean="0"/>
-              <a:t>&lt;</a:t>
-            </a:r>
-            <a:r>
               <a:rPr lang="en-US" altLang="zh-CN" sz="2400" dirty="0"/>
-              <a:t>button </a:t>
+              <a:t>&lt;button </a:t>
             </a:r>
             <a:r>
               <a:rPr lang="en-US" altLang="zh-CN" sz="2400" dirty="0" err="1">
@@ -12182,11 +11798,11 @@
               <a:t>onClick</a:t>
             </a:r>
             <a:r>
-              <a:rPr lang="en-US" altLang="zh-CN" sz="2400" dirty="0" smtClean="0"/>
+              <a:rPr lang="en-US" altLang="zh-CN" sz="2400" dirty="0"/>
               <a:t>={ </a:t>
             </a:r>
             <a:r>
-              <a:rPr lang="en-US" altLang="zh-CN" sz="2400" dirty="0" err="1" smtClean="0">
+              <a:rPr lang="en-US" altLang="zh-CN" sz="2400" dirty="0" err="1">
                 <a:solidFill>
                   <a:schemeClr val="accent3"/>
                 </a:solidFill>
@@ -12194,7 +11810,7 @@
               <a:t>handleClick</a:t>
             </a:r>
             <a:r>
-              <a:rPr lang="en-US" altLang="zh-CN" sz="2400" dirty="0" smtClean="0">
+              <a:rPr lang="en-US" altLang="zh-CN" sz="2400" dirty="0">
                 <a:solidFill>
                   <a:schemeClr val="accent3"/>
                 </a:solidFill>
@@ -12202,24 +11818,20 @@
               <a:t> </a:t>
             </a:r>
             <a:r>
-              <a:rPr lang="en-US" altLang="zh-CN" sz="2400" dirty="0" smtClean="0"/>
+              <a:rPr lang="en-US" altLang="zh-CN" sz="2400" dirty="0"/>
               <a:t>}&gt; </a:t>
             </a:r>
           </a:p>
           <a:p>
             <a:r>
-              <a:rPr lang="en-US" altLang="zh-CN" sz="2400" dirty="0" smtClean="0"/>
+              <a:rPr lang="en-US" altLang="zh-CN" sz="2400" dirty="0"/>
               <a:t>	Click </a:t>
             </a:r>
           </a:p>
           <a:p>
             <a:r>
-              <a:rPr lang="en-US" altLang="zh-CN" sz="2400" dirty="0" smtClean="0"/>
-              <a:t>&lt;/</a:t>
-            </a:r>
-            <a:r>
               <a:rPr lang="en-US" altLang="zh-CN" sz="2400" dirty="0"/>
-              <a:t>button&gt;</a:t>
+              <a:t>&lt;/button&gt;</a:t>
             </a:r>
           </a:p>
         </p:txBody>
@@ -12246,7 +11858,7 @@
           <a:lstStyle/>
           <a:p>
             <a:r>
-              <a:rPr lang="en-US" altLang="zh-CN" sz="2400" dirty="0" smtClean="0"/>
+              <a:rPr lang="en-US" altLang="zh-CN" sz="2400" dirty="0"/>
               <a:t>demo07</a:t>
             </a:r>
             <a:endParaRPr lang="zh-CN" altLang="en-US" sz="2400" dirty="0"/>
@@ -12398,37 +12010,29 @@
               <a:t> </a:t>
             </a:r>
             <a:r>
-              <a:rPr lang="zh-CN" altLang="en-US" dirty="0" smtClean="0"/>
+              <a:rPr lang="zh-CN" altLang="en-US" dirty="0"/>
               <a:t>事件处理函数绑定 </a:t>
-            </a:r>
-            <a:r>
-              <a:rPr lang="en-US" altLang="zh-CN" dirty="0" smtClean="0"/>
-              <a:t>this</a:t>
-            </a:r>
-          </a:p>
-          <a:p>
-            <a:pPr marL="591820" lvl="1"/>
-            <a:r>
-              <a:rPr lang="zh-CN" altLang="en-US" dirty="0" smtClean="0"/>
-              <a:t> 类</a:t>
-            </a:r>
-            <a:r>
-              <a:rPr lang="zh-CN" altLang="en-US" dirty="0"/>
-              <a:t>的方法默认是不会绑定 </a:t>
             </a:r>
             <a:r>
               <a:rPr lang="en-US" altLang="zh-CN" dirty="0"/>
               <a:t>this</a:t>
             </a:r>
+          </a:p>
+          <a:p>
+            <a:pPr marL="591820" lvl="1"/>
             <a:r>
               <a:rPr lang="zh-CN" altLang="en-US" dirty="0"/>
-              <a:t> </a:t>
-            </a:r>
-            <a:r>
-              <a:rPr lang="zh-CN" altLang="en-US" dirty="0" smtClean="0"/>
-              <a:t>的</a:t>
-            </a:r>
-            <a:endParaRPr lang="en-US" altLang="zh-CN" dirty="0" smtClean="0"/>
+              <a:t> 类的方法默认是不会绑定 </a:t>
+            </a:r>
+            <a:r>
+              <a:rPr lang="en-US" altLang="zh-CN" dirty="0"/>
+              <a:t>this</a:t>
+            </a:r>
+            <a:r>
+              <a:rPr lang="zh-CN" altLang="en-US" dirty="0"/>
+              <a:t> 的</a:t>
+            </a:r>
+            <a:endParaRPr lang="en-US" altLang="zh-CN" dirty="0"/>
           </a:p>
           <a:p>
             <a:pPr marL="591820" lvl="1"/>
@@ -12437,27 +12041,27 @@
               <a:t> </a:t>
             </a:r>
             <a:r>
-              <a:rPr lang="zh-CN" altLang="en-US" dirty="0" smtClean="0"/>
+              <a:rPr lang="zh-CN" altLang="en-US" dirty="0"/>
               <a:t>通过 </a:t>
             </a:r>
             <a:r>
-              <a:rPr lang="en-US" altLang="zh-CN" dirty="0" smtClean="0"/>
+              <a:rPr lang="en-US" altLang="zh-CN" dirty="0"/>
               <a:t>bind </a:t>
             </a:r>
             <a:r>
-              <a:rPr lang="zh-CN" altLang="en-US" dirty="0" smtClean="0"/>
+              <a:rPr lang="zh-CN" altLang="en-US" dirty="0"/>
               <a:t>绑定 </a:t>
             </a:r>
             <a:r>
-              <a:rPr lang="en-US" altLang="zh-CN" dirty="0" smtClean="0"/>
+              <a:rPr lang="en-US" altLang="zh-CN" dirty="0"/>
               <a:t>this</a:t>
             </a:r>
             <a:r>
-              <a:rPr lang="zh-CN" altLang="en-US" dirty="0" smtClean="0"/>
+              <a:rPr lang="zh-CN" altLang="en-US" dirty="0"/>
               <a:t>（ </a:t>
             </a:r>
             <a:r>
-              <a:rPr lang="zh-CN" altLang="en-US" dirty="0" smtClean="0">
+              <a:rPr lang="zh-CN" altLang="en-US" dirty="0">
                 <a:solidFill>
                   <a:srgbClr val="FF0000"/>
                 </a:solidFill>
@@ -12465,16 +12069,16 @@
               <a:t>两种形式 </a:t>
             </a:r>
             <a:r>
-              <a:rPr lang="zh-CN" altLang="en-US" dirty="0" smtClean="0"/>
+              <a:rPr lang="zh-CN" altLang="en-US" dirty="0"/>
               <a:t>）</a:t>
             </a:r>
-            <a:endParaRPr lang="en-US" altLang="zh-CN" sz="2000" dirty="0" smtClean="0"/>
+            <a:endParaRPr lang="en-US" altLang="zh-CN" sz="2000" dirty="0"/>
           </a:p>
           <a:p>
             <a:pPr marL="361315" lvl="1" indent="0">
               <a:buNone/>
             </a:pPr>
-            <a:endParaRPr lang="en-US" altLang="zh-CN" sz="2200" dirty="0" smtClean="0">
+            <a:endParaRPr lang="en-US" altLang="zh-CN" sz="2200" dirty="0">
               <a:latin typeface="+mj-ea"/>
               <a:ea typeface="+mj-ea"/>
             </a:endParaRPr>
@@ -12486,13 +12090,13 @@
               <a:defRPr/>
             </a:pPr>
             <a:r>
-              <a:rPr lang="en-US" altLang="zh-CN" sz="2400" dirty="0" smtClean="0">
+              <a:rPr lang="en-US" altLang="zh-CN" sz="2400" dirty="0">
                 <a:latin typeface="+mj-ea"/>
                 <a:ea typeface="+mj-ea"/>
               </a:rPr>
               <a:t>		</a:t>
             </a:r>
-            <a:endParaRPr lang="zh-CN" altLang="en-US" dirty="0" smtClean="0">
+            <a:endParaRPr lang="zh-CN" altLang="en-US" dirty="0">
               <a:latin typeface="+mj-ea"/>
               <a:ea typeface="+mj-ea"/>
             </a:endParaRPr>
@@ -12548,7 +12152,7 @@
               </a:rPr>
               <a:t>this</a:t>
             </a:r>
-            <a:endParaRPr lang="zh-CN" altLang="en-US" dirty="0" smtClean="0">
+            <a:endParaRPr lang="zh-CN" altLang="en-US" dirty="0">
               <a:latin typeface="+mn-ea"/>
               <a:ea typeface="+mn-ea"/>
             </a:endParaRPr>
@@ -12603,15 +12207,7 @@
           <a:p>
             <a:r>
               <a:rPr lang="en-US" altLang="zh-CN" sz="2400" dirty="0"/>
-              <a:t>	</a:t>
-            </a:r>
-            <a:r>
-              <a:rPr lang="en-US" altLang="zh-CN" sz="2400" dirty="0" smtClean="0"/>
-              <a:t>super</a:t>
-            </a:r>
-            <a:r>
-              <a:rPr lang="en-US" altLang="zh-CN" sz="2400" dirty="0"/>
-              <a:t>();     </a:t>
+              <a:t>	super();     </a:t>
             </a:r>
             <a:endParaRPr lang="en-US" altLang="zh-CN" sz="2400" dirty="0">
               <a:solidFill>
@@ -12625,19 +12221,19 @@
               <a:t>	</a:t>
             </a:r>
             <a:r>
-              <a:rPr lang="en-US" altLang="zh-CN" sz="2400" dirty="0" err="1" smtClean="0"/>
+              <a:rPr lang="en-US" altLang="zh-CN" sz="2400" dirty="0" err="1"/>
               <a:t>this.handleClick</a:t>
             </a:r>
             <a:r>
-              <a:rPr lang="en-US" altLang="zh-CN" sz="2400" dirty="0" smtClean="0"/>
+              <a:rPr lang="en-US" altLang="zh-CN" sz="2400" dirty="0"/>
               <a:t> = </a:t>
             </a:r>
             <a:r>
-              <a:rPr lang="en-US" altLang="zh-CN" sz="2400" dirty="0" err="1" smtClean="0"/>
+              <a:rPr lang="en-US" altLang="zh-CN" sz="2400" dirty="0" err="1"/>
               <a:t>this.handleClick.</a:t>
             </a:r>
             <a:r>
-              <a:rPr lang="en-US" altLang="zh-CN" sz="2400" dirty="0" err="1" smtClean="0">
+              <a:rPr lang="en-US" altLang="zh-CN" sz="2400" dirty="0" err="1">
                 <a:solidFill>
                   <a:srgbClr val="FF0000"/>
                 </a:solidFill>
@@ -12645,24 +12241,20 @@
               <a:t>bind</a:t>
             </a:r>
             <a:r>
-              <a:rPr lang="en-US" altLang="zh-CN" sz="2400" dirty="0" smtClean="0"/>
+              <a:rPr lang="en-US" altLang="zh-CN" sz="2400" dirty="0"/>
               <a:t>( this );</a:t>
             </a:r>
           </a:p>
           <a:p>
             <a:r>
-              <a:rPr lang="en-US" altLang="zh-CN" sz="2400" dirty="0" smtClean="0"/>
+              <a:rPr lang="en-US" altLang="zh-CN" sz="2400" dirty="0"/>
               <a:t>}</a:t>
             </a:r>
           </a:p>
           <a:p>
             <a:r>
-              <a:rPr lang="en-US" altLang="zh-CN" sz="2400" dirty="0" smtClean="0"/>
-              <a:t>&lt;</a:t>
-            </a:r>
-            <a:r>
               <a:rPr lang="en-US" altLang="zh-CN" sz="2400" dirty="0"/>
-              <a:t>button </a:t>
+              <a:t>&lt;button </a:t>
             </a:r>
             <a:r>
               <a:rPr lang="en-US" altLang="zh-CN" sz="2400" dirty="0" err="1">
@@ -12677,11 +12269,11 @@
               <a:t>={ </a:t>
             </a:r>
             <a:r>
-              <a:rPr lang="en-US" altLang="zh-CN" sz="2400" dirty="0" err="1" smtClean="0"/>
+              <a:rPr lang="en-US" altLang="zh-CN" sz="2400" dirty="0" err="1"/>
               <a:t>this.handleClick</a:t>
             </a:r>
             <a:r>
-              <a:rPr lang="en-US" altLang="zh-CN" sz="2400" dirty="0" err="1" smtClean="0">
+              <a:rPr lang="en-US" altLang="zh-CN" sz="2400" dirty="0" err="1">
                 <a:solidFill>
                   <a:schemeClr val="accent3"/>
                 </a:solidFill>
@@ -12689,7 +12281,7 @@
               <a:t>.bind</a:t>
             </a:r>
             <a:r>
-              <a:rPr lang="en-US" altLang="zh-CN" sz="2400" dirty="0" smtClean="0">
+              <a:rPr lang="en-US" altLang="zh-CN" sz="2400" dirty="0">
                 <a:solidFill>
                   <a:schemeClr val="accent3"/>
                 </a:solidFill>
@@ -12710,13 +12302,8 @@
           <a:p>
             <a:r>
               <a:rPr lang="en-US" altLang="zh-CN" sz="2400" dirty="0"/>
-              <a:t>&lt;/button</a:t>
-            </a:r>
-            <a:r>
-              <a:rPr lang="en-US" altLang="zh-CN" sz="2400" dirty="0" smtClean="0"/>
-              <a:t>&gt;</a:t>
-            </a:r>
-            <a:endParaRPr lang="en-US" altLang="zh-CN" sz="2400" dirty="0"/>
+              <a:t>&lt;/button&gt;</a:t>
+            </a:r>
           </a:p>
         </p:txBody>
       </p:sp>
@@ -12865,32 +12452,32 @@
               <a:t> </a:t>
             </a:r>
             <a:r>
-              <a:rPr lang="zh-CN" altLang="en-US" dirty="0" smtClean="0"/>
+              <a:rPr lang="zh-CN" altLang="en-US" dirty="0"/>
               <a:t>事件处理函数绑定 </a:t>
             </a:r>
             <a:r>
-              <a:rPr lang="en-US" altLang="zh-CN" dirty="0" smtClean="0"/>
+              <a:rPr lang="en-US" altLang="zh-CN" dirty="0"/>
               <a:t>this </a:t>
             </a:r>
             <a:r>
-              <a:rPr lang="zh-CN" altLang="en-US" dirty="0" smtClean="0"/>
+              <a:rPr lang="zh-CN" altLang="en-US" dirty="0"/>
               <a:t>（续）</a:t>
             </a:r>
-            <a:endParaRPr lang="en-US" altLang="zh-CN" dirty="0" smtClean="0"/>
+            <a:endParaRPr lang="en-US" altLang="zh-CN" dirty="0"/>
           </a:p>
           <a:p>
             <a:pPr marL="591820" lvl="1"/>
             <a:r>
-              <a:rPr lang="zh-CN" altLang="en-US" dirty="0" smtClean="0"/>
+              <a:rPr lang="zh-CN" altLang="en-US" dirty="0"/>
               <a:t> 箭头函数</a:t>
             </a:r>
-            <a:endParaRPr lang="en-US" altLang="zh-CN" sz="2000" dirty="0" smtClean="0"/>
+            <a:endParaRPr lang="en-US" altLang="zh-CN" sz="2000" dirty="0"/>
           </a:p>
           <a:p>
             <a:pPr marL="361315" lvl="1" indent="0">
               <a:buNone/>
             </a:pPr>
-            <a:endParaRPr lang="en-US" altLang="zh-CN" sz="2200" dirty="0" smtClean="0">
+            <a:endParaRPr lang="en-US" altLang="zh-CN" sz="2200" dirty="0">
               <a:latin typeface="+mj-ea"/>
               <a:ea typeface="+mj-ea"/>
             </a:endParaRPr>
@@ -12902,13 +12489,13 @@
               <a:defRPr/>
             </a:pPr>
             <a:r>
-              <a:rPr lang="en-US" altLang="zh-CN" sz="2400" dirty="0" smtClean="0">
+              <a:rPr lang="en-US" altLang="zh-CN" sz="2400" dirty="0">
                 <a:latin typeface="+mj-ea"/>
                 <a:ea typeface="+mj-ea"/>
               </a:rPr>
               <a:t>		</a:t>
             </a:r>
-            <a:endParaRPr lang="zh-CN" altLang="en-US" dirty="0" smtClean="0">
+            <a:endParaRPr lang="zh-CN" altLang="en-US" dirty="0">
               <a:latin typeface="+mj-ea"/>
               <a:ea typeface="+mj-ea"/>
             </a:endParaRPr>
@@ -12964,7 +12551,7 @@
               </a:rPr>
               <a:t>this</a:t>
             </a:r>
-            <a:endParaRPr lang="zh-CN" altLang="en-US" dirty="0" smtClean="0">
+            <a:endParaRPr lang="zh-CN" altLang="en-US" dirty="0">
               <a:latin typeface="+mn-ea"/>
               <a:ea typeface="+mn-ea"/>
             </a:endParaRPr>
@@ -13018,7 +12605,6 @@
               <a:rPr lang="en-US" altLang="zh-CN" sz="2400" dirty="0"/>
               <a:t> { </a:t>
             </a:r>
-            <a:endParaRPr lang="en-US" altLang="zh-CN" sz="2400" dirty="0" smtClean="0"/>
           </a:p>
           <a:p>
             <a:r>
@@ -13034,7 +12620,7 @@
               <a:t> = </a:t>
             </a:r>
             <a:r>
-              <a:rPr lang="en-US" altLang="zh-CN" sz="2400" dirty="0" smtClean="0">
+              <a:rPr lang="en-US" altLang="zh-CN" sz="2400" dirty="0">
                 <a:solidFill>
                   <a:srgbClr val="FF0000"/>
                 </a:solidFill>
@@ -13047,61 +12633,32 @@
                   <a:srgbClr val="FF0000"/>
                 </a:solidFill>
               </a:rPr>
-              <a:t> </a:t>
-            </a:r>
-            <a:r>
-              <a:rPr lang="en-US" altLang="zh-CN" sz="2400" i="1" dirty="0" smtClean="0">
+              <a:t>  </a:t>
+            </a:r>
+            <a:r>
+              <a:rPr lang="en-US" altLang="zh-CN" sz="2400" dirty="0">
                 <a:solidFill>
                   <a:srgbClr val="FF0000"/>
                 </a:solidFill>
               </a:rPr>
-              <a:t> </a:t>
-            </a:r>
-            <a:r>
-              <a:rPr lang="en-US" altLang="zh-CN" sz="2400" dirty="0" smtClean="0">
+              <a:t>) </a:t>
+            </a:r>
+            <a:r>
+              <a:rPr lang="en-US" altLang="zh-CN" sz="2400" i="1" dirty="0">
                 <a:solidFill>
                   <a:srgbClr val="FF0000"/>
                 </a:solidFill>
               </a:rPr>
-              <a:t>) </a:t>
-            </a:r>
-            <a:r>
-              <a:rPr lang="en-US" altLang="zh-CN" sz="2400" i="1" dirty="0" smtClean="0">
+              <a:t>=&gt; </a:t>
+            </a:r>
+            <a:r>
+              <a:rPr lang="en-US" altLang="zh-CN" sz="2400" dirty="0">
                 <a:solidFill>
                   <a:srgbClr val="FF0000"/>
                 </a:solidFill>
               </a:rPr>
-              <a:t>=&gt; </a:t>
-            </a:r>
-            <a:r>
-              <a:rPr lang="en-US" altLang="zh-CN" sz="2400" dirty="0" smtClean="0">
-                <a:solidFill>
-                  <a:srgbClr val="FF0000"/>
-                </a:solidFill>
-              </a:rPr>
-              <a:t>{</a:t>
-            </a:r>
-            <a:r>
-              <a:rPr lang="en-US" altLang="zh-CN" sz="2400" dirty="0">
-                <a:solidFill>
-                  <a:srgbClr val="FF0000"/>
-                </a:solidFill>
-              </a:rPr>
-              <a:t>  </a:t>
-            </a:r>
-            <a:r>
-              <a:rPr lang="en-US" altLang="zh-CN" sz="2400" dirty="0" smtClean="0">
-                <a:solidFill>
-                  <a:srgbClr val="FF0000"/>
-                </a:solidFill>
-              </a:rPr>
-              <a:t>}</a:t>
-            </a:r>
-            <a:endParaRPr lang="en-US" altLang="zh-CN" sz="2400" dirty="0">
-              <a:solidFill>
-                <a:srgbClr val="FF0000"/>
-              </a:solidFill>
-            </a:endParaRPr>
+              <a:t>{  }</a:t>
+            </a:r>
           </a:p>
           <a:p>
             <a:r>
@@ -13109,7 +12666,7 @@
               <a:t>	</a:t>
             </a:r>
             <a:r>
-              <a:rPr lang="en-US" altLang="zh-CN" sz="2400" dirty="0" smtClean="0">
+              <a:rPr lang="en-US" altLang="zh-CN" sz="2400" dirty="0">
                 <a:solidFill>
                   <a:srgbClr val="FF0000"/>
                 </a:solidFill>
@@ -13118,31 +12675,19 @@
             </a:r>
             <a:r>
               <a:rPr lang="en-US" altLang="zh-CN" sz="2400" dirty="0"/>
-              <a:t>( ) </a:t>
-            </a:r>
-            <a:r>
-              <a:rPr lang="en-US" altLang="zh-CN" sz="2400" dirty="0" smtClean="0"/>
-              <a:t>{</a:t>
+              <a:t>( ) {</a:t>
             </a:r>
           </a:p>
           <a:p>
             <a:r>
               <a:rPr lang="en-US" altLang="zh-CN" sz="2400" dirty="0"/>
-              <a:t>	</a:t>
-            </a:r>
-            <a:r>
-              <a:rPr lang="en-US" altLang="zh-CN" sz="2400" dirty="0" smtClean="0"/>
-              <a:t>	return (</a:t>
+              <a:t>		return (</a:t>
             </a:r>
           </a:p>
           <a:p>
             <a:r>
               <a:rPr lang="en-US" altLang="zh-CN" sz="2400" dirty="0"/>
-              <a:t>	</a:t>
-            </a:r>
-            <a:r>
-              <a:rPr lang="en-US" altLang="zh-CN" sz="2400" dirty="0" smtClean="0"/>
-              <a:t>		&lt;button </a:t>
+              <a:t>			&lt;button </a:t>
             </a:r>
             <a:r>
               <a:rPr lang="en-US" altLang="zh-CN" sz="2400" dirty="0" err="1">
@@ -13157,11 +12702,11 @@
               <a:t>={ </a:t>
             </a:r>
             <a:r>
-              <a:rPr lang="en-US" altLang="zh-CN" sz="2400" dirty="0" err="1" smtClean="0"/>
+              <a:rPr lang="en-US" altLang="zh-CN" sz="2400" dirty="0" err="1"/>
               <a:t>this.</a:t>
             </a:r>
             <a:r>
-              <a:rPr lang="en-US" altLang="zh-CN" sz="2400" dirty="0" err="1" smtClean="0">
+              <a:rPr lang="en-US" altLang="zh-CN" sz="2400" dirty="0" err="1">
                 <a:solidFill>
                   <a:schemeClr val="accent3"/>
                 </a:solidFill>
@@ -13169,7 +12714,7 @@
               <a:t>handleClick</a:t>
             </a:r>
             <a:r>
-              <a:rPr lang="en-US" altLang="zh-CN" sz="2400" dirty="0" smtClean="0">
+              <a:rPr lang="en-US" altLang="zh-CN" sz="2400" dirty="0">
                 <a:solidFill>
                   <a:schemeClr val="accent3"/>
                 </a:solidFill>
@@ -13184,48 +12729,26 @@
           <a:p>
             <a:r>
               <a:rPr lang="en-US" altLang="zh-CN" sz="2400" dirty="0"/>
-              <a:t>	</a:t>
-            </a:r>
-            <a:r>
-              <a:rPr lang="en-US" altLang="zh-CN" sz="2400" dirty="0" smtClean="0"/>
-              <a:t>			Click </a:t>
-            </a:r>
-            <a:endParaRPr lang="en-US" altLang="zh-CN" sz="2400" dirty="0"/>
-          </a:p>
-          <a:p>
-            <a:r>
-              <a:rPr lang="en-US" altLang="zh-CN" sz="2400" dirty="0" smtClean="0"/>
-              <a:t>			&lt;/</a:t>
-            </a:r>
+              <a:t>				Click </a:t>
+            </a:r>
+          </a:p>
+          <a:p>
             <a:r>
               <a:rPr lang="en-US" altLang="zh-CN" sz="2400" dirty="0"/>
-              <a:t>button</a:t>
-            </a:r>
-            <a:r>
-              <a:rPr lang="en-US" altLang="zh-CN" sz="2400" dirty="0" smtClean="0"/>
-              <a:t>&gt;</a:t>
+              <a:t>			&lt;/button&gt;</a:t>
             </a:r>
           </a:p>
           <a:p>
             <a:r>
               <a:rPr lang="en-US" altLang="zh-CN" sz="2400" dirty="0"/>
-              <a:t>	</a:t>
-            </a:r>
-            <a:r>
-              <a:rPr lang="en-US" altLang="zh-CN" sz="2400" dirty="0" smtClean="0"/>
-              <a:t>	)</a:t>
+              <a:t>		)</a:t>
             </a:r>
           </a:p>
           <a:p>
             <a:r>
               <a:rPr lang="en-US" altLang="zh-CN" sz="2400" dirty="0"/>
-              <a:t>	</a:t>
-            </a:r>
-            <a:r>
-              <a:rPr lang="en-US" altLang="zh-CN" sz="2400" dirty="0" smtClean="0"/>
-              <a:t>} </a:t>
-            </a:r>
-            <a:endParaRPr lang="en-US" altLang="zh-CN" sz="2400" dirty="0"/>
+              <a:t>	} </a:t>
+            </a:r>
           </a:p>
           <a:p>
             <a:r>
@@ -13381,22 +12904,18 @@
             </a:r>
             <a:r>
               <a:rPr lang="zh-CN" altLang="en-US" dirty="0"/>
-              <a:t>传</a:t>
-            </a:r>
-            <a:r>
-              <a:rPr lang="zh-CN" altLang="en-US" dirty="0" smtClean="0"/>
-              <a:t>参</a:t>
-            </a:r>
-            <a:r>
-              <a:rPr lang="en-US" altLang="zh-CN" dirty="0" smtClean="0"/>
+              <a:t>传参</a:t>
+            </a:r>
+            <a:r>
+              <a:rPr lang="en-US" altLang="zh-CN" dirty="0"/>
               <a:t>(</a:t>
             </a:r>
             <a:r>
-              <a:rPr lang="zh-CN" altLang="en-US" dirty="0" smtClean="0"/>
+              <a:rPr lang="zh-CN" altLang="en-US" dirty="0"/>
               <a:t>两种形式</a:t>
             </a:r>
             <a:r>
-              <a:rPr lang="en-US" altLang="zh-CN" dirty="0" smtClean="0"/>
+              <a:rPr lang="en-US" altLang="zh-CN" dirty="0"/>
               <a:t>)</a:t>
             </a:r>
           </a:p>
@@ -13407,10 +12926,10 @@
               <a:t> </a:t>
             </a:r>
             <a:r>
-              <a:rPr lang="zh-CN" altLang="en-US" dirty="0" smtClean="0"/>
+              <a:rPr lang="zh-CN" altLang="en-US" dirty="0"/>
               <a:t>函数声明时事件对象作为最后一个参数传入</a:t>
             </a:r>
-            <a:endParaRPr lang="en-US" altLang="zh-CN" dirty="0" smtClean="0"/>
+            <a:endParaRPr lang="en-US" altLang="zh-CN" dirty="0"/>
           </a:p>
           <a:p>
             <a:pPr marL="591820" lvl="1"/>
@@ -13419,24 +12938,24 @@
               <a:t> </a:t>
             </a:r>
             <a:r>
-              <a:rPr lang="zh-CN" altLang="en-US" dirty="0" smtClean="0"/>
+              <a:rPr lang="zh-CN" altLang="en-US" dirty="0"/>
               <a:t>箭头函数的事件对象显示传入；</a:t>
             </a:r>
             <a:r>
-              <a:rPr lang="en-US" altLang="zh-CN" dirty="0" smtClean="0"/>
+              <a:rPr lang="en-US" altLang="zh-CN" dirty="0"/>
               <a:t>bind </a:t>
             </a:r>
             <a:r>
-              <a:rPr lang="zh-CN" altLang="en-US" dirty="0" smtClean="0"/>
+              <a:rPr lang="zh-CN" altLang="en-US" dirty="0"/>
               <a:t>会隐式传入</a:t>
             </a:r>
-            <a:endParaRPr lang="en-US" altLang="zh-CN" sz="1200" dirty="0" smtClean="0"/>
+            <a:endParaRPr lang="en-US" altLang="zh-CN" sz="1200" dirty="0"/>
           </a:p>
           <a:p>
             <a:pPr marL="361315" lvl="1" indent="0">
               <a:buNone/>
             </a:pPr>
-            <a:endParaRPr lang="en-US" altLang="zh-CN" sz="2200" dirty="0" smtClean="0">
+            <a:endParaRPr lang="en-US" altLang="zh-CN" sz="2200" dirty="0">
               <a:latin typeface="+mj-ea"/>
               <a:ea typeface="+mj-ea"/>
             </a:endParaRPr>
@@ -13448,13 +12967,13 @@
               <a:defRPr/>
             </a:pPr>
             <a:r>
-              <a:rPr lang="en-US" altLang="zh-CN" sz="2400" dirty="0" smtClean="0">
+              <a:rPr lang="en-US" altLang="zh-CN" sz="2400" dirty="0">
                 <a:latin typeface="+mj-ea"/>
                 <a:ea typeface="+mj-ea"/>
               </a:rPr>
               <a:t>		</a:t>
             </a:r>
-            <a:endParaRPr lang="zh-CN" altLang="en-US" dirty="0" smtClean="0">
+            <a:endParaRPr lang="zh-CN" altLang="en-US" dirty="0">
               <a:latin typeface="+mj-ea"/>
               <a:ea typeface="+mj-ea"/>
             </a:endParaRPr>
@@ -13504,7 +13023,7 @@
               <a:defRPr/>
             </a:pPr>
             <a:r>
-              <a:rPr lang="zh-CN" altLang="en-US" dirty="0" smtClean="0">
+              <a:rPr lang="zh-CN" altLang="en-US" dirty="0">
                 <a:latin typeface="+mn-ea"/>
                 <a:ea typeface="+mn-ea"/>
               </a:rPr>
@@ -13541,32 +13060,24 @@
           <a:lstStyle/>
           <a:p>
             <a:r>
-              <a:rPr lang="en-US" altLang="zh-CN" sz="2400" dirty="0" err="1" smtClean="0"/>
+              <a:rPr lang="en-US" altLang="zh-CN" sz="2400" dirty="0" err="1"/>
               <a:t>deleteRow</a:t>
             </a:r>
             <a:r>
               <a:rPr lang="en-US" altLang="zh-CN" sz="2400" dirty="0"/>
-              <a:t> </a:t>
-            </a:r>
-            <a:r>
-              <a:rPr lang="en-US" altLang="zh-CN" sz="2400" dirty="0" smtClean="0"/>
-              <a:t>= ( id, e ) =&gt; {  } </a:t>
-            </a:r>
-          </a:p>
-          <a:p>
-            <a:r>
-              <a:rPr lang="en-US" altLang="zh-CN" sz="2400" dirty="0" smtClean="0"/>
+              <a:t> = ( id, e ) =&gt; {  } </a:t>
+            </a:r>
+          </a:p>
+          <a:p>
+            <a:r>
+              <a:rPr lang="en-US" altLang="zh-CN" sz="2400" dirty="0"/>
               <a:t>…</a:t>
             </a:r>
           </a:p>
           <a:p>
             <a:r>
-              <a:rPr lang="en-US" altLang="zh-CN" sz="2400" dirty="0" smtClean="0"/>
-              <a:t>&lt;</a:t>
-            </a:r>
-            <a:r>
               <a:rPr lang="en-US" altLang="zh-CN" sz="2400" dirty="0"/>
-              <a:t>button </a:t>
+              <a:t>&lt;button </a:t>
             </a:r>
             <a:r>
               <a:rPr lang="en-US" altLang="zh-CN" sz="2400" dirty="0" err="1"/>
@@ -13582,38 +13093,25 @@
             </a:r>
             <a:r>
               <a:rPr lang="en-US" altLang="zh-CN" sz="2400" dirty="0"/>
-              <a:t>(id, e</a:t>
-            </a:r>
-            <a:r>
-              <a:rPr lang="en-US" altLang="zh-CN" sz="2400" dirty="0" smtClean="0"/>
-              <a:t>)}&gt;</a:t>
-            </a:r>
-          </a:p>
-          <a:p>
-            <a:r>
-              <a:rPr lang="en-US" altLang="zh-CN" sz="2400" dirty="0" smtClean="0"/>
+              <a:t>(id, e)}&gt;</a:t>
+            </a:r>
+          </a:p>
+          <a:p>
+            <a:r>
+              <a:rPr lang="en-US" altLang="zh-CN" sz="2400" dirty="0"/>
               <a:t>	Delete Row</a:t>
             </a:r>
           </a:p>
           <a:p>
             <a:r>
-              <a:rPr lang="en-US" altLang="zh-CN" sz="2400" dirty="0" smtClean="0"/>
-              <a:t>&lt;/</a:t>
-            </a:r>
-            <a:r>
               <a:rPr lang="en-US" altLang="zh-CN" sz="2400" dirty="0"/>
-              <a:t>button&gt; </a:t>
-            </a:r>
-            <a:endParaRPr lang="en-US" altLang="zh-CN" sz="2400" dirty="0" smtClean="0"/>
-          </a:p>
-          <a:p>
-            <a:r>
-              <a:rPr lang="en-US" altLang="zh-CN" sz="2400" dirty="0" smtClean="0"/>
-              <a:t>&lt;</a:t>
-            </a:r>
+              <a:t>&lt;/button&gt; </a:t>
+            </a:r>
+          </a:p>
+          <a:p>
             <a:r>
               <a:rPr lang="en-US" altLang="zh-CN" sz="2400" dirty="0"/>
-              <a:t>button </a:t>
+              <a:t>&lt;button </a:t>
             </a:r>
             <a:r>
               <a:rPr lang="en-US" altLang="zh-CN" sz="2400" dirty="0" err="1"/>
@@ -13629,27 +13127,19 @@
             </a:r>
             <a:r>
               <a:rPr lang="en-US" altLang="zh-CN" sz="2400" dirty="0"/>
-              <a:t>(this, id</a:t>
-            </a:r>
-            <a:r>
-              <a:rPr lang="en-US" altLang="zh-CN" sz="2400" dirty="0" smtClean="0"/>
-              <a:t>)}&gt;</a:t>
-            </a:r>
-          </a:p>
-          <a:p>
-            <a:r>
-              <a:rPr lang="en-US" altLang="zh-CN" sz="2400" dirty="0" smtClean="0"/>
+              <a:t>(this, id)}&gt;</a:t>
+            </a:r>
+          </a:p>
+          <a:p>
+            <a:r>
+              <a:rPr lang="en-US" altLang="zh-CN" sz="2400" dirty="0"/>
               <a:t>	Delete Row</a:t>
             </a:r>
           </a:p>
           <a:p>
             <a:r>
-              <a:rPr lang="en-US" altLang="zh-CN" sz="2400" dirty="0" smtClean="0"/>
-              <a:t>&lt;/</a:t>
-            </a:r>
-            <a:r>
               <a:rPr lang="en-US" altLang="zh-CN" sz="2400" dirty="0"/>
-              <a:t>button&gt;</a:t>
+              <a:t>&lt;/button&gt;</a:t>
             </a:r>
           </a:p>
         </p:txBody>
@@ -13676,7 +13166,7 @@
           <a:lstStyle/>
           <a:p>
             <a:r>
-              <a:rPr lang="en-US" altLang="zh-CN" sz="2400" dirty="0" smtClean="0"/>
+              <a:rPr lang="en-US" altLang="zh-CN" sz="2400" dirty="0"/>
               <a:t>demo08</a:t>
             </a:r>
             <a:endParaRPr lang="zh-CN" altLang="en-US" sz="2400" dirty="0"/>
@@ -13898,12 +13388,12 @@
           <a:p>
             <a:pPr algn="ctr" eaLnBrk="1" hangingPunct="1"/>
             <a:r>
-              <a:rPr lang="en-US" altLang="zh-CN" sz="5400" smtClean="0">
+              <a:rPr lang="en-US" altLang="zh-CN" sz="5400">
                 <a:ea typeface="宋体" panose="02010600030101010101" pitchFamily="2" charset="-122"/>
               </a:rPr>
               <a:t>Thank You</a:t>
             </a:r>
-            <a:endParaRPr lang="zh-CN" altLang="zh-CN" sz="5400" dirty="0" smtClean="0">
+            <a:endParaRPr lang="zh-CN" altLang="zh-CN" sz="5400" dirty="0">
               <a:ea typeface="宋体" panose="02010600030101010101" pitchFamily="2" charset="-122"/>
             </a:endParaRPr>
           </a:p>
@@ -13968,13 +13458,6 @@
   <p:clrMapOvr>
     <a:masterClrMapping/>
   </p:clrMapOvr>
-  <p:timing>
-    <p:tnLst>
-      <p:par>
-        <p:cTn id="1" dur="indefinite" restart="never" nodeType="tmRoot"/>
-      </p:par>
-    </p:tnLst>
-  </p:timing>
 </p:sld>
 </file>
 
@@ -14020,14 +13503,14 @@
           <a:p>
             <a:pPr marL="360045"/>
             <a:r>
-              <a:rPr lang="zh-CN" altLang="en-US" dirty="0" smtClean="0">
+              <a:rPr lang="zh-CN" altLang="en-US" dirty="0">
                 <a:latin typeface="+mj-ea"/>
                 <a:ea typeface="+mj-ea"/>
               </a:rPr>
               <a:t> </a:t>
             </a:r>
             <a:r>
-              <a:rPr lang="en-US" altLang="zh-CN" dirty="0" smtClean="0">
+              <a:rPr lang="en-US" altLang="zh-CN" dirty="0">
                 <a:latin typeface="+mj-ea"/>
                 <a:ea typeface="+mj-ea"/>
               </a:rPr>
@@ -14037,53 +13520,39 @@
           <a:p>
             <a:pPr marL="591820" lvl="1"/>
             <a:r>
-              <a:rPr lang="en-US" altLang="zh-CN" sz="2400" dirty="0" smtClean="0">
+              <a:rPr lang="en-US" altLang="zh-CN" sz="2400" dirty="0">
                 <a:latin typeface="+mj-ea"/>
                 <a:ea typeface="+mj-ea"/>
               </a:rPr>
               <a:t> </a:t>
             </a:r>
             <a:r>
-              <a:rPr lang="en-US" altLang="zh-CN" kern="1200" dirty="0" smtClean="0">
+              <a:rPr lang="en-US" altLang="zh-CN" kern="1200" dirty="0">
                 <a:latin typeface="+mj-ea"/>
                 <a:ea typeface="+mj-ea"/>
               </a:rPr>
               <a:t>JavaScript </a:t>
-            </a:r>
-            <a:r>
-              <a:rPr lang="zh-CN" altLang="en-US" kern="1200" dirty="0" smtClean="0">
-                <a:latin typeface="+mj-ea"/>
-                <a:ea typeface="+mj-ea"/>
-              </a:rPr>
-              <a:t>和 </a:t>
-            </a:r>
-            <a:r>
-              <a:rPr lang="en-US" altLang="zh-CN" kern="1200" dirty="0" smtClean="0">
-                <a:latin typeface="+mj-ea"/>
-                <a:ea typeface="+mj-ea"/>
-              </a:rPr>
-              <a:t>XML </a:t>
-            </a:r>
-            <a:r>
-              <a:rPr lang="zh-CN" altLang="en-US" kern="1200" dirty="0" smtClean="0">
-                <a:latin typeface="+mj-ea"/>
-                <a:ea typeface="+mj-ea"/>
-              </a:rPr>
-              <a:t>结合</a:t>
             </a:r>
             <a:r>
               <a:rPr lang="zh-CN" altLang="en-US" kern="1200" dirty="0">
                 <a:latin typeface="+mj-ea"/>
                 <a:ea typeface="+mj-ea"/>
               </a:rPr>
-              <a:t>的一种</a:t>
-            </a:r>
-            <a:r>
-              <a:rPr lang="zh-CN" altLang="en-US" kern="1200" dirty="0" smtClean="0">
+              <a:t>和 </a:t>
+            </a:r>
+            <a:r>
+              <a:rPr lang="en-US" altLang="zh-CN" kern="1200" dirty="0">
                 <a:latin typeface="+mj-ea"/>
                 <a:ea typeface="+mj-ea"/>
               </a:rPr>
-              <a:t>格式</a:t>
+              <a:t>XML </a:t>
+            </a:r>
+            <a:r>
+              <a:rPr lang="zh-CN" altLang="en-US" kern="1200" dirty="0">
+                <a:latin typeface="+mj-ea"/>
+                <a:ea typeface="+mj-ea"/>
+              </a:rPr>
+              <a:t>结合的一种格式</a:t>
             </a:r>
             <a:endParaRPr lang="en-US" altLang="zh-CN" dirty="0">
               <a:latin typeface="+mj-ea"/>
@@ -14093,27 +13562,19 @@
           <a:p>
             <a:pPr marL="591820" lvl="1"/>
             <a:r>
-              <a:rPr lang="zh-CN" altLang="en-US" dirty="0" smtClean="0"/>
+              <a:rPr lang="zh-CN" altLang="en-US" dirty="0"/>
               <a:t> 利用 </a:t>
             </a:r>
             <a:r>
-              <a:rPr lang="en-US" altLang="zh-CN" dirty="0" smtClean="0"/>
+              <a:rPr lang="en-US" altLang="zh-CN" dirty="0"/>
               <a:t>HTML </a:t>
             </a:r>
             <a:r>
-              <a:rPr lang="zh-CN" altLang="en-US" dirty="0" smtClean="0"/>
-              <a:t>语法</a:t>
-            </a:r>
-            <a:r>
               <a:rPr lang="zh-CN" altLang="en-US" dirty="0"/>
-              <a:t>来创建</a:t>
-            </a:r>
-            <a:r>
-              <a:rPr lang="zh-CN" altLang="en-US" dirty="0" smtClean="0"/>
-              <a:t>虚拟 </a:t>
-            </a:r>
-            <a:r>
-              <a:rPr lang="en-US" altLang="zh-CN" dirty="0" smtClean="0"/>
+              <a:t>语法来创建虚拟 </a:t>
+            </a:r>
+            <a:r>
+              <a:rPr lang="en-US" altLang="zh-CN" dirty="0"/>
               <a:t>DOM</a:t>
             </a:r>
           </a:p>
@@ -14127,108 +13588,11 @@
               <a:t> </a:t>
             </a:r>
             <a:r>
-              <a:rPr lang="zh-CN" altLang="en-US" dirty="0" smtClean="0">
-                <a:latin typeface="+mj-ea"/>
-                <a:ea typeface="+mj-ea"/>
-              </a:rPr>
-              <a:t>实例：</a:t>
-            </a:r>
-            <a:endParaRPr lang="en-US" altLang="zh-CN" dirty="0" smtClean="0">
-              <a:latin typeface="+mj-ea"/>
-              <a:ea typeface="+mj-ea"/>
-            </a:endParaRPr>
-          </a:p>
-          <a:p>
-            <a:pPr marL="593090" lvl="2"/>
-            <a:r>
-              <a:rPr lang="en-US" altLang="zh-CN" sz="2200" dirty="0">
-                <a:latin typeface="+mj-ea"/>
-                <a:ea typeface="+mj-ea"/>
-              </a:rPr>
-              <a:t> </a:t>
-            </a:r>
-            <a:r>
-              <a:rPr lang="en-US" altLang="zh-CN" dirty="0" err="1">
-                <a:solidFill>
-                  <a:srgbClr val="C00000"/>
-                </a:solidFill>
-              </a:rPr>
-              <a:t>const</a:t>
-            </a:r>
-            <a:r>
-              <a:rPr lang="en-US" altLang="zh-CN" dirty="0">
-                <a:solidFill>
-                  <a:srgbClr val="C00000"/>
-                </a:solidFill>
-              </a:rPr>
-              <a:t> </a:t>
-            </a:r>
-            <a:r>
-              <a:rPr lang="en-US" altLang="zh-CN" dirty="0"/>
-              <a:t>element = </a:t>
-            </a:r>
-            <a:r>
-              <a:rPr lang="en-US" altLang="zh-CN" b="1" dirty="0">
-                <a:solidFill>
-                  <a:srgbClr val="FF0000"/>
-                </a:solidFill>
-              </a:rPr>
-              <a:t>&lt;h1&gt;</a:t>
-            </a:r>
-            <a:r>
-              <a:rPr lang="en-US" altLang="zh-CN" dirty="0"/>
-              <a:t>Hello, world!</a:t>
-            </a:r>
-            <a:r>
-              <a:rPr lang="en-US" altLang="zh-CN" b="1" dirty="0">
-                <a:solidFill>
-                  <a:srgbClr val="FF0000"/>
-                </a:solidFill>
-              </a:rPr>
-              <a:t>&lt;/h1</a:t>
-            </a:r>
-            <a:r>
-              <a:rPr lang="en-US" altLang="zh-CN" b="1" dirty="0" smtClean="0">
-                <a:solidFill>
-                  <a:srgbClr val="FF0000"/>
-                </a:solidFill>
-              </a:rPr>
-              <a:t>&gt;</a:t>
-            </a:r>
-            <a:r>
-              <a:rPr lang="en-US" altLang="zh-CN" dirty="0" smtClean="0"/>
-              <a:t>;</a:t>
-            </a:r>
-          </a:p>
-          <a:p>
-            <a:pPr marL="591820" lvl="1"/>
-            <a:r>
-              <a:rPr lang="zh-CN" altLang="en-US" dirty="0" smtClean="0">
-                <a:latin typeface="+mj-ea"/>
-                <a:ea typeface="+mj-ea"/>
-              </a:rPr>
-              <a:t> 在 </a:t>
-            </a:r>
-            <a:r>
-              <a:rPr lang="en-US" altLang="zh-CN" dirty="0">
-                <a:latin typeface="+mj-ea"/>
-                <a:ea typeface="+mj-ea"/>
-              </a:rPr>
-              <a:t>JSX </a:t>
-            </a:r>
-            <a:r>
               <a:rPr lang="zh-CN" altLang="en-US" dirty="0">
                 <a:latin typeface="+mj-ea"/>
                 <a:ea typeface="+mj-ea"/>
               </a:rPr>
-              <a:t>中使用</a:t>
-            </a:r>
-            <a:r>
-              <a:rPr lang="zh-CN" altLang="en-US" dirty="0" smtClean="0">
-                <a:latin typeface="+mj-ea"/>
-                <a:ea typeface="+mj-ea"/>
-              </a:rPr>
-              <a:t>表达式</a:t>
+              <a:t>实例：</a:t>
             </a:r>
             <a:endParaRPr lang="en-US" altLang="zh-CN" dirty="0">
               <a:latin typeface="+mj-ea"/>
@@ -14238,7 +13602,7 @@
           <a:p>
             <a:pPr marL="593090" lvl="2"/>
             <a:r>
-              <a:rPr lang="en-US" altLang="zh-CN" sz="2200" dirty="0" smtClean="0">
+              <a:rPr lang="en-US" altLang="zh-CN" sz="2200" dirty="0">
                 <a:latin typeface="+mj-ea"/>
                 <a:ea typeface="+mj-ea"/>
               </a:rPr>
@@ -14261,22 +13625,58 @@
               <a:t> </a:t>
             </a:r>
             <a:r>
-              <a:rPr lang="en-US" altLang="zh-CN" dirty="0" err="1"/>
-              <a:t>num</a:t>
-            </a:r>
-            <a:r>
-              <a:rPr lang="en-US" altLang="zh-CN" dirty="0" smtClean="0"/>
-              <a:t> </a:t>
-            </a:r>
-            <a:r>
               <a:rPr lang="en-US" altLang="zh-CN" dirty="0"/>
-              <a:t>= </a:t>
-            </a:r>
-            <a:r>
-              <a:rPr lang="en-US" altLang="zh-CN" dirty="0" smtClean="0"/>
-              <a:t>100;</a:t>
-            </a:r>
-            <a:endParaRPr lang="en-US" altLang="zh-CN" sz="2200" dirty="0" smtClean="0">
+              <a:t>element = </a:t>
+            </a:r>
+            <a:r>
+              <a:rPr lang="en-US" altLang="zh-CN" b="1" dirty="0">
+                <a:solidFill>
+                  <a:srgbClr val="FF0000"/>
+                </a:solidFill>
+              </a:rPr>
+              <a:t>&lt;h1&gt;</a:t>
+            </a:r>
+            <a:r>
+              <a:rPr lang="en-US" altLang="zh-CN" dirty="0"/>
+              <a:t>Hello, world!</a:t>
+            </a:r>
+            <a:r>
+              <a:rPr lang="en-US" altLang="zh-CN" b="1" dirty="0">
+                <a:solidFill>
+                  <a:srgbClr val="FF0000"/>
+                </a:solidFill>
+              </a:rPr>
+              <a:t>&lt;/h1&gt;</a:t>
+            </a:r>
+            <a:r>
+              <a:rPr lang="en-US" altLang="zh-CN" dirty="0"/>
+              <a:t>;</a:t>
+            </a:r>
+          </a:p>
+          <a:p>
+            <a:pPr marL="591820" lvl="1"/>
+            <a:r>
+              <a:rPr lang="zh-CN" altLang="en-US" dirty="0">
+                <a:latin typeface="+mj-ea"/>
+                <a:ea typeface="+mj-ea"/>
+              </a:rPr>
+              <a:t> 在 </a:t>
+            </a:r>
+            <a:r>
+              <a:rPr lang="en-US" altLang="zh-CN" dirty="0">
+                <a:latin typeface="+mj-ea"/>
+                <a:ea typeface="+mj-ea"/>
+              </a:rPr>
+              <a:t>JSX </a:t>
+            </a:r>
+            <a:r>
+              <a:rPr lang="zh-CN" altLang="en-US" dirty="0">
+                <a:latin typeface="+mj-ea"/>
+                <a:ea typeface="+mj-ea"/>
+              </a:rPr>
+              <a:t>中使用表达式</a:t>
+            </a:r>
+            <a:endParaRPr lang="en-US" altLang="zh-CN" dirty="0">
               <a:latin typeface="+mj-ea"/>
               <a:ea typeface="+mj-ea"/>
             </a:endParaRPr>
@@ -14284,17 +13684,14 @@
           <a:p>
             <a:pPr marL="593090" lvl="2"/>
             <a:r>
-              <a:rPr lang="en-US" altLang="zh-CN" dirty="0">
-                <a:solidFill>
-                  <a:srgbClr val="C00000"/>
-                </a:solidFill>
+              <a:rPr lang="en-US" altLang="zh-CN" sz="2200" dirty="0">
                 <a:latin typeface="+mj-ea"/>
                 <a:ea typeface="+mj-ea"/>
               </a:rPr>
               <a:t> </a:t>
             </a:r>
             <a:r>
-              <a:rPr lang="en-US" altLang="zh-CN" dirty="0" err="1" smtClean="0">
+              <a:rPr lang="en-US" altLang="zh-CN" dirty="0" err="1">
                 <a:solidFill>
                   <a:srgbClr val="C00000"/>
                 </a:solidFill>
@@ -14302,7 +13699,7 @@
               <a:t>const</a:t>
             </a:r>
             <a:r>
-              <a:rPr lang="en-US" altLang="zh-CN" dirty="0" smtClean="0">
+              <a:rPr lang="en-US" altLang="zh-CN" dirty="0">
                 <a:solidFill>
                   <a:srgbClr val="C00000"/>
                 </a:solidFill>
@@ -14310,15 +13707,52 @@
               <a:t> </a:t>
             </a:r>
             <a:r>
+              <a:rPr lang="en-US" altLang="zh-CN" dirty="0" err="1"/>
+              <a:t>num</a:t>
+            </a:r>
+            <a:r>
               <a:rPr lang="en-US" altLang="zh-CN" dirty="0"/>
-              <a:t>element = &lt;</a:t>
-            </a:r>
-            <a:r>
-              <a:rPr lang="en-US" altLang="zh-CN" dirty="0" smtClean="0"/>
-              <a:t>h1&gt;</a:t>
-            </a:r>
-            <a:r>
-              <a:rPr lang="en-US" altLang="zh-CN" dirty="0" smtClean="0">
+              <a:t> = 100;</a:t>
+            </a:r>
+            <a:endParaRPr lang="en-US" altLang="zh-CN" sz="2200" dirty="0">
+              <a:latin typeface="+mj-ea"/>
+              <a:ea typeface="+mj-ea"/>
+            </a:endParaRPr>
+          </a:p>
+          <a:p>
+            <a:pPr marL="593090" lvl="2"/>
+            <a:r>
+              <a:rPr lang="en-US" altLang="zh-CN" dirty="0">
+                <a:solidFill>
+                  <a:srgbClr val="C00000"/>
+                </a:solidFill>
+                <a:latin typeface="+mj-ea"/>
+                <a:ea typeface="+mj-ea"/>
+              </a:rPr>
+              <a:t> </a:t>
+            </a:r>
+            <a:r>
+              <a:rPr lang="en-US" altLang="zh-CN" dirty="0" err="1">
+                <a:solidFill>
+                  <a:srgbClr val="C00000"/>
+                </a:solidFill>
+              </a:rPr>
+              <a:t>const</a:t>
+            </a:r>
+            <a:r>
+              <a:rPr lang="en-US" altLang="zh-CN" dirty="0">
+                <a:solidFill>
+                  <a:srgbClr val="C00000"/>
+                </a:solidFill>
+              </a:rPr>
+              <a:t> </a:t>
+            </a:r>
+            <a:r>
+              <a:rPr lang="en-US" altLang="zh-CN" dirty="0"/>
+              <a:t>element = &lt;h1&gt;</a:t>
+            </a:r>
+            <a:r>
+              <a:rPr lang="en-US" altLang="zh-CN" dirty="0">
                 <a:solidFill>
                   <a:srgbClr val="FF0000"/>
                 </a:solidFill>
@@ -14326,15 +13760,15 @@
               <a:t> { </a:t>
             </a:r>
             <a:r>
-              <a:rPr lang="en-US" altLang="zh-CN" dirty="0" err="1" smtClean="0"/>
+              <a:rPr lang="en-US" altLang="zh-CN" dirty="0" err="1"/>
               <a:t>num</a:t>
             </a:r>
             <a:r>
-              <a:rPr lang="en-US" altLang="zh-CN" dirty="0" smtClean="0"/>
+              <a:rPr lang="en-US" altLang="zh-CN" dirty="0"/>
               <a:t> </a:t>
             </a:r>
             <a:r>
-              <a:rPr lang="en-US" altLang="zh-CN" b="1" dirty="0" smtClean="0">
+              <a:rPr lang="en-US" altLang="zh-CN" b="1" dirty="0">
                 <a:solidFill>
                   <a:srgbClr val="FF0000"/>
                 </a:solidFill>
@@ -14342,18 +13776,10 @@
               <a:t>}</a:t>
             </a:r>
             <a:r>
-              <a:rPr lang="en-US" altLang="zh-CN" dirty="0" smtClean="0"/>
-              <a:t> &lt;/</a:t>
-            </a:r>
-            <a:r>
               <a:rPr lang="en-US" altLang="zh-CN" dirty="0"/>
-              <a:t>h1</a:t>
-            </a:r>
-            <a:r>
-              <a:rPr lang="en-US" altLang="zh-CN" dirty="0" smtClean="0"/>
-              <a:t>&gt;;</a:t>
-            </a:r>
-            <a:endParaRPr lang="en-US" altLang="zh-CN" sz="2200" dirty="0" smtClean="0">
+              <a:t> &lt;/h1&gt;;</a:t>
+            </a:r>
+            <a:endParaRPr lang="en-US" altLang="zh-CN" sz="2200" dirty="0">
               <a:latin typeface="+mj-ea"/>
               <a:ea typeface="+mj-ea"/>
             </a:endParaRPr>
@@ -14365,13 +13791,13 @@
               <a:defRPr/>
             </a:pPr>
             <a:r>
-              <a:rPr lang="en-US" altLang="zh-CN" sz="2400" dirty="0" smtClean="0">
+              <a:rPr lang="en-US" altLang="zh-CN" sz="2400" dirty="0">
                 <a:latin typeface="+mj-ea"/>
                 <a:ea typeface="+mj-ea"/>
               </a:rPr>
               <a:t>		</a:t>
             </a:r>
-            <a:endParaRPr lang="zh-CN" altLang="en-US" dirty="0" smtClean="0">
+            <a:endParaRPr lang="zh-CN" altLang="en-US" dirty="0">
               <a:latin typeface="+mj-ea"/>
               <a:ea typeface="+mj-ea"/>
             </a:endParaRPr>
@@ -14421,14 +13847,14 @@
               <a:defRPr/>
             </a:pPr>
             <a:r>
-              <a:rPr lang="en-US" altLang="zh-CN" dirty="0" smtClean="0">
+              <a:rPr lang="en-US" altLang="zh-CN" dirty="0">
                 <a:latin typeface="+mn-ea"/>
                 <a:ea typeface="+mn-ea"/>
               </a:rPr>
               <a:t>JSX </a:t>
             </a:r>
             <a:r>
-              <a:rPr lang="zh-CN" altLang="en-US" dirty="0" smtClean="0">
+              <a:rPr lang="zh-CN" altLang="en-US" dirty="0">
                 <a:latin typeface="+mn-ea"/>
                 <a:ea typeface="+mn-ea"/>
               </a:rPr>
@@ -15002,38 +14428,38 @@
           <a:p>
             <a:pPr marL="360045"/>
             <a:r>
-              <a:rPr lang="en-US" altLang="zh-CN" dirty="0" smtClean="0"/>
+              <a:rPr lang="en-US" altLang="zh-CN" dirty="0"/>
               <a:t> React </a:t>
             </a:r>
             <a:r>
-              <a:rPr lang="zh-CN" altLang="en-US" dirty="0" smtClean="0"/>
+              <a:rPr lang="zh-CN" altLang="en-US" dirty="0"/>
               <a:t>元素</a:t>
             </a:r>
-            <a:endParaRPr lang="en-US" altLang="zh-CN" dirty="0" smtClean="0"/>
+            <a:endParaRPr lang="en-US" altLang="zh-CN" dirty="0"/>
           </a:p>
           <a:p>
             <a:pPr marL="591820" lvl="1"/>
             <a:r>
-              <a:rPr lang="en-US" altLang="zh-CN" dirty="0" smtClean="0"/>
+              <a:rPr lang="en-US" altLang="zh-CN" dirty="0"/>
               <a:t> </a:t>
             </a:r>
             <a:r>
-              <a:rPr lang="zh-CN" altLang="en-US" dirty="0" smtClean="0"/>
+              <a:rPr lang="zh-CN" altLang="en-US" dirty="0"/>
               <a:t>实际上就是一个普通的对象</a:t>
             </a:r>
-            <a:endParaRPr lang="en-US" altLang="zh-CN" dirty="0" smtClean="0"/>
+            <a:endParaRPr lang="en-US" altLang="zh-CN" dirty="0"/>
           </a:p>
           <a:p>
             <a:pPr marL="361315" lvl="1" indent="0">
               <a:buNone/>
             </a:pPr>
-            <a:endParaRPr lang="en-US" altLang="zh-CN" dirty="0" smtClean="0"/>
+            <a:endParaRPr lang="en-US" altLang="zh-CN" dirty="0"/>
           </a:p>
           <a:p>
             <a:pPr marL="361315" lvl="1" indent="0">
               <a:buNone/>
             </a:pPr>
-            <a:endParaRPr lang="en-US" altLang="zh-CN" sz="1800" dirty="0" smtClean="0">
+            <a:endParaRPr lang="en-US" altLang="zh-CN" sz="1800" dirty="0">
               <a:latin typeface="+mj-ea"/>
               <a:ea typeface="+mj-ea"/>
             </a:endParaRPr>
@@ -15045,13 +14471,13 @@
               <a:defRPr/>
             </a:pPr>
             <a:r>
-              <a:rPr lang="en-US" altLang="zh-CN" sz="2400" dirty="0" smtClean="0">
+              <a:rPr lang="en-US" altLang="zh-CN" sz="2400" dirty="0">
                 <a:latin typeface="+mj-ea"/>
                 <a:ea typeface="+mj-ea"/>
               </a:rPr>
               <a:t>		</a:t>
             </a:r>
-            <a:endParaRPr lang="zh-CN" altLang="en-US" dirty="0" smtClean="0">
+            <a:endParaRPr lang="zh-CN" altLang="en-US" dirty="0">
               <a:latin typeface="+mj-ea"/>
               <a:ea typeface="+mj-ea"/>
             </a:endParaRPr>
@@ -15101,14 +14527,14 @@
               <a:defRPr/>
             </a:pPr>
             <a:r>
-              <a:rPr lang="en-US" altLang="zh-CN" dirty="0" smtClean="0">
+              <a:rPr lang="en-US" altLang="zh-CN" dirty="0">
                 <a:latin typeface="+mn-ea"/>
                 <a:ea typeface="+mn-ea"/>
               </a:rPr>
               <a:t>JSX </a:t>
             </a:r>
             <a:r>
-              <a:rPr lang="zh-CN" altLang="en-US" dirty="0" smtClean="0">
+              <a:rPr lang="zh-CN" altLang="en-US" dirty="0">
                 <a:latin typeface="+mn-ea"/>
                 <a:ea typeface="+mn-ea"/>
               </a:rPr>
@@ -15168,57 +14594,42 @@
           </a:p>
           <a:p>
             <a:r>
-              <a:rPr lang="en-US" altLang="zh-CN" sz="2400" dirty="0" smtClean="0">
-                <a:latin typeface="+mj-ea"/>
-                <a:ea typeface="+mj-ea"/>
-              </a:rPr>
-              <a:t>	type : </a:t>
-            </a:r>
-            <a:r>
-              <a:rPr lang="en-US" altLang="zh-CN" sz="2400" dirty="0" smtClean="0">
-                <a:latin typeface="+mj-ea"/>
-              </a:rPr>
-              <a:t>'</a:t>
-            </a:r>
-            <a:r>
-              <a:rPr lang="en-US" altLang="zh-CN" sz="2400" dirty="0" smtClean="0">
-                <a:latin typeface="+mj-ea"/>
-                <a:ea typeface="+mj-ea"/>
-              </a:rPr>
-              <a:t>div',</a:t>
-            </a:r>
-            <a:endParaRPr lang="en-US" altLang="zh-CN" sz="2400" dirty="0">
-              <a:latin typeface="+mj-ea"/>
-              <a:ea typeface="+mj-ea"/>
-            </a:endParaRPr>
-          </a:p>
-          <a:p>
-            <a:r>
-              <a:rPr lang="en-US" altLang="zh-CN" sz="2400" dirty="0" smtClean="0">
-                <a:latin typeface="+mj-ea"/>
-                <a:ea typeface="+mj-ea"/>
-              </a:rPr>
-              <a:t>	props : {</a:t>
-            </a:r>
-            <a:endParaRPr lang="en-US" altLang="zh-CN" sz="2400" dirty="0">
-              <a:latin typeface="+mj-ea"/>
-              <a:ea typeface="+mj-ea"/>
-            </a:endParaRPr>
-          </a:p>
-          <a:p>
-            <a:r>
-              <a:rPr lang="en-US" altLang="zh-CN" sz="2400" dirty="0" smtClean="0">
-                <a:latin typeface="+mj-ea"/>
-                <a:ea typeface="+mj-ea"/>
-              </a:rPr>
-              <a:t>		children : [</a:t>
-            </a:r>
-            <a:r>
               <a:rPr lang="en-US" altLang="zh-CN" sz="2400" dirty="0">
                 <a:latin typeface="+mj-ea"/>
                 <a:ea typeface="+mj-ea"/>
               </a:rPr>
+              <a:t>	type : </a:t>
+            </a:r>
+            <a:r>
+              <a:rPr lang="en-US" altLang="zh-CN" sz="2400" dirty="0">
+                <a:latin typeface="+mj-ea"/>
+              </a:rPr>
               <a:t>'</a:t>
+            </a:r>
+            <a:r>
+              <a:rPr lang="en-US" altLang="zh-CN" sz="2400" dirty="0">
+                <a:latin typeface="+mj-ea"/>
+                <a:ea typeface="+mj-ea"/>
+              </a:rPr>
+              <a:t>div',</a:t>
+            </a:r>
+          </a:p>
+          <a:p>
+            <a:r>
+              <a:rPr lang="en-US" altLang="zh-CN" sz="2400" dirty="0">
+                <a:latin typeface="+mj-ea"/>
+                <a:ea typeface="+mj-ea"/>
+              </a:rPr>
+              <a:t>	props : {</a:t>
+            </a:r>
+          </a:p>
+          <a:p>
+            <a:r>
+              <a:rPr lang="en-US" altLang="zh-CN" sz="2400" dirty="0">
+                <a:latin typeface="+mj-ea"/>
+                <a:ea typeface="+mj-ea"/>
+              </a:rPr>
+              <a:t>		children : ['</a:t>
             </a:r>
             <a:r>
               <a:rPr lang="en-US" altLang="zh-CN" sz="2400" dirty="0" err="1">
@@ -15237,48 +14648,25 @@
           </a:p>
           <a:p>
             <a:r>
-              <a:rPr lang="en-US" altLang="zh-CN" sz="2400" dirty="0" smtClean="0">
-                <a:latin typeface="+mj-ea"/>
-                <a:ea typeface="+mj-ea"/>
-              </a:rPr>
-              <a:t>		</a:t>
-            </a:r>
-            <a:r>
-              <a:rPr lang="en-US" altLang="zh-CN" sz="2400" dirty="0" err="1" smtClean="0">
-                <a:latin typeface="+mj-ea"/>
-                <a:ea typeface="+mj-ea"/>
-              </a:rPr>
-              <a:t>className</a:t>
-            </a:r>
-            <a:r>
-              <a:rPr lang="en-US" altLang="zh-CN" sz="2400" dirty="0" smtClean="0">
-                <a:latin typeface="+mj-ea"/>
-                <a:ea typeface="+mj-ea"/>
-              </a:rPr>
-              <a:t> : 'red</a:t>
-            </a:r>
-            <a:r>
               <a:rPr lang="en-US" altLang="zh-CN" sz="2400" dirty="0">
                 <a:latin typeface="+mj-ea"/>
                 <a:ea typeface="+mj-ea"/>
               </a:rPr>
-              <a:t>',</a:t>
-            </a:r>
-          </a:p>
-          <a:p>
-            <a:r>
-              <a:rPr lang="en-US" altLang="zh-CN" sz="2400" dirty="0" smtClean="0">
+              <a:t>		</a:t>
+            </a:r>
+            <a:r>
+              <a:rPr lang="en-US" altLang="zh-CN" sz="2400" dirty="0" err="1">
                 <a:latin typeface="+mj-ea"/>
                 <a:ea typeface="+mj-ea"/>
               </a:rPr>
-              <a:t>		id : 'box</a:t>
+              <a:t>className</a:t>
             </a:r>
             <a:r>
               <a:rPr lang="en-US" altLang="zh-CN" sz="2400" dirty="0">
                 <a:latin typeface="+mj-ea"/>
                 <a:ea typeface="+mj-ea"/>
               </a:rPr>
-              <a:t>'</a:t>
+              <a:t> : 'red',</a:t>
             </a:r>
           </a:p>
           <a:p>
@@ -15287,19 +14675,17 @@
                 <a:latin typeface="+mj-ea"/>
                 <a:ea typeface="+mj-ea"/>
               </a:rPr>
-              <a:t>	</a:t>
-            </a:r>
-            <a:r>
-              <a:rPr lang="en-US" altLang="zh-CN" sz="2400" dirty="0" smtClean="0">
+              <a:t>		id : 'box'</a:t>
+            </a:r>
+          </a:p>
+          <a:p>
+            <a:r>
+              <a:rPr lang="en-US" altLang="zh-CN" sz="2400" dirty="0">
                 <a:latin typeface="+mj-ea"/>
                 <a:ea typeface="+mj-ea"/>
               </a:rPr>
-              <a:t>}</a:t>
-            </a:r>
-            <a:endParaRPr lang="en-US" altLang="zh-CN" sz="2400" dirty="0">
-              <a:latin typeface="+mj-ea"/>
-              <a:ea typeface="+mj-ea"/>
-            </a:endParaRPr>
+              <a:t>	}</a:t>
+            </a:r>
           </a:p>
           <a:p>
             <a:r>
@@ -15334,7 +14720,7 @@
           <a:lstStyle/>
           <a:p>
             <a:r>
-              <a:rPr lang="en-US" altLang="zh-CN" sz="2400" dirty="0" smtClean="0"/>
+              <a:rPr lang="en-US" altLang="zh-CN" sz="2400" dirty="0"/>
               <a:t>demo01</a:t>
             </a:r>
             <a:endParaRPr lang="zh-CN" altLang="en-US" sz="2400" dirty="0"/>
@@ -15482,18 +14868,14 @@
           <a:p>
             <a:pPr marL="360045"/>
             <a:r>
-              <a:rPr lang="en-US" altLang="zh-CN" dirty="0" smtClean="0"/>
-              <a:t> </a:t>
-            </a:r>
-            <a:r>
               <a:rPr lang="en-US" altLang="zh-CN" dirty="0"/>
-              <a:t>Babel </a:t>
-            </a:r>
-            <a:r>
-              <a:rPr lang="zh-CN" altLang="en-US" dirty="0" smtClean="0"/>
+              <a:t> Babel </a:t>
+            </a:r>
+            <a:r>
+              <a:rPr lang="zh-CN" altLang="en-US" dirty="0"/>
               <a:t>编译</a:t>
             </a:r>
-            <a:endParaRPr lang="en-US" altLang="zh-CN" dirty="0" smtClean="0"/>
+            <a:endParaRPr lang="en-US" altLang="zh-CN" dirty="0"/>
           </a:p>
           <a:p>
             <a:pPr marL="591820" lvl="1"/>
@@ -15502,7 +14884,7 @@
               <a:t> </a:t>
             </a:r>
             <a:r>
-              <a:rPr lang="zh-CN" altLang="en-US" dirty="0" smtClean="0"/>
+              <a:rPr lang="zh-CN" altLang="en-US" dirty="0"/>
               <a:t>把 </a:t>
             </a:r>
             <a:r>
@@ -15518,30 +14900,22 @@
               <a:t>React.createElement</a:t>
             </a:r>
             <a:r>
-              <a:rPr lang="en-US" altLang="zh-CN" dirty="0" smtClean="0"/>
-              <a:t>( )</a:t>
-            </a:r>
-            <a:r>
               <a:rPr lang="en-US" altLang="zh-CN" dirty="0"/>
-              <a:t> </a:t>
+              <a:t>( ) </a:t>
             </a:r>
             <a:r>
               <a:rPr lang="zh-CN" altLang="en-US" dirty="0"/>
-              <a:t>的方法</a:t>
-            </a:r>
-            <a:r>
-              <a:rPr lang="zh-CN" altLang="en-US" dirty="0" smtClean="0"/>
-              <a:t>调用，返回 </a:t>
-            </a:r>
-            <a:r>
-              <a:rPr lang="en-US" altLang="zh-CN" dirty="0" smtClean="0"/>
+              <a:t>的方法调用，返回 </a:t>
+            </a:r>
+            <a:r>
+              <a:rPr lang="en-US" altLang="zh-CN" dirty="0"/>
               <a:t>JavaScript </a:t>
             </a:r>
             <a:r>
-              <a:rPr lang="zh-CN" altLang="en-US" dirty="0" smtClean="0"/>
+              <a:rPr lang="zh-CN" altLang="en-US" dirty="0"/>
               <a:t>对象</a:t>
             </a:r>
-            <a:endParaRPr lang="en-US" altLang="zh-CN" dirty="0" smtClean="0"/>
+            <a:endParaRPr lang="en-US" altLang="zh-CN" dirty="0"/>
           </a:p>
           <a:p>
             <a:pPr marL="591820" lvl="1"/>
@@ -15554,66 +14928,53 @@
               <a:t>React.createElement</a:t>
             </a:r>
             <a:r>
-              <a:rPr lang="en-US" altLang="zh-CN" smtClean="0"/>
+              <a:rPr lang="en-US" altLang="zh-CN"/>
               <a:t>(  type</a:t>
             </a:r>
             <a:r>
-              <a:rPr lang="en-US" altLang="zh-CN" dirty="0" smtClean="0"/>
+              <a:rPr lang="en-US" altLang="zh-CN" dirty="0"/>
               <a:t>, props, ...</a:t>
             </a:r>
             <a:r>
-              <a:rPr lang="en-US" altLang="zh-CN" smtClean="0"/>
+              <a:rPr lang="en-US" altLang="zh-CN"/>
               <a:t>children  )</a:t>
             </a:r>
-            <a:endParaRPr lang="en-US" altLang="zh-CN" dirty="0" smtClean="0"/>
+            <a:endParaRPr lang="en-US" altLang="zh-CN" dirty="0"/>
           </a:p>
           <a:p>
             <a:pPr marL="593090" lvl="2"/>
             <a:r>
               <a:rPr lang="en-US" altLang="zh-CN" dirty="0"/>
-              <a:t> </a:t>
-            </a:r>
-            <a:r>
-              <a:rPr lang="en-US" altLang="zh-CN" dirty="0" smtClean="0"/>
-              <a:t>type</a:t>
-            </a:r>
-            <a:r>
-              <a:rPr lang="zh-CN" altLang="en-US" dirty="0" smtClean="0"/>
+              <a:t> type</a:t>
+            </a:r>
+            <a:r>
+              <a:rPr lang="zh-CN" altLang="en-US" dirty="0"/>
               <a:t>：必需，元素名称</a:t>
             </a:r>
-            <a:endParaRPr lang="en-US" altLang="zh-CN" dirty="0" smtClean="0"/>
+            <a:endParaRPr lang="en-US" altLang="zh-CN" dirty="0"/>
           </a:p>
           <a:p>
             <a:pPr marL="593090" lvl="2"/>
             <a:r>
               <a:rPr lang="en-US" altLang="zh-CN" dirty="0"/>
-              <a:t> </a:t>
-            </a:r>
-            <a:r>
-              <a:rPr lang="en-US" altLang="zh-CN" dirty="0" smtClean="0"/>
-              <a:t>props</a:t>
-            </a:r>
-            <a:r>
-              <a:rPr lang="zh-CN" altLang="en-US" dirty="0" smtClean="0"/>
+              <a:t> props</a:t>
+            </a:r>
+            <a:r>
+              <a:rPr lang="zh-CN" altLang="en-US" dirty="0"/>
               <a:t>：可选，元素属性</a:t>
             </a:r>
-            <a:endParaRPr lang="en-US" altLang="zh-CN" dirty="0" smtClean="0"/>
+            <a:endParaRPr lang="en-US" altLang="zh-CN" dirty="0"/>
           </a:p>
           <a:p>
             <a:pPr marL="593090" lvl="2"/>
             <a:r>
               <a:rPr lang="en-US" altLang="zh-CN" dirty="0"/>
-              <a:t> </a:t>
-            </a:r>
-            <a:r>
-              <a:rPr lang="en-US" altLang="zh-CN" dirty="0" smtClean="0"/>
-              <a:t>children</a:t>
-            </a:r>
-            <a:r>
-              <a:rPr lang="zh-CN" altLang="en-US" dirty="0" smtClean="0"/>
+              <a:t> children</a:t>
+            </a:r>
+            <a:r>
+              <a:rPr lang="zh-CN" altLang="en-US" dirty="0"/>
               <a:t>：可选，子节点</a:t>
             </a:r>
-            <a:endParaRPr lang="zh-CN" altLang="en-US" dirty="0"/>
           </a:p>
           <a:p>
             <a:pPr marL="593090" lvl="2"/>
@@ -15621,13 +14982,13 @@
           </a:p>
           <a:p>
             <a:pPr marL="593090" lvl="2"/>
-            <a:endParaRPr lang="en-US" altLang="zh-CN" dirty="0" smtClean="0"/>
+            <a:endParaRPr lang="en-US" altLang="zh-CN" dirty="0"/>
           </a:p>
           <a:p>
             <a:pPr marL="361315" lvl="1" indent="0">
               <a:buNone/>
             </a:pPr>
-            <a:endParaRPr lang="en-US" altLang="zh-CN" sz="1800" dirty="0" smtClean="0">
+            <a:endParaRPr lang="en-US" altLang="zh-CN" sz="1800" dirty="0">
               <a:latin typeface="+mj-ea"/>
               <a:ea typeface="+mj-ea"/>
             </a:endParaRPr>
@@ -15639,13 +15000,13 @@
               <a:defRPr/>
             </a:pPr>
             <a:r>
-              <a:rPr lang="en-US" altLang="zh-CN" sz="2400" dirty="0" smtClean="0">
+              <a:rPr lang="en-US" altLang="zh-CN" sz="2400" dirty="0">
                 <a:latin typeface="+mj-ea"/>
                 <a:ea typeface="+mj-ea"/>
               </a:rPr>
               <a:t>		</a:t>
             </a:r>
-            <a:endParaRPr lang="zh-CN" altLang="en-US" dirty="0" smtClean="0">
+            <a:endParaRPr lang="zh-CN" altLang="en-US" dirty="0">
               <a:latin typeface="+mj-ea"/>
               <a:ea typeface="+mj-ea"/>
             </a:endParaRPr>
@@ -15695,14 +15056,14 @@
               <a:defRPr/>
             </a:pPr>
             <a:r>
-              <a:rPr lang="en-US" altLang="zh-CN" dirty="0" smtClean="0">
+              <a:rPr lang="en-US" altLang="zh-CN" dirty="0">
                 <a:latin typeface="+mn-ea"/>
                 <a:ea typeface="+mn-ea"/>
               </a:rPr>
               <a:t>JSX </a:t>
             </a:r>
             <a:r>
-              <a:rPr lang="zh-CN" altLang="en-US" dirty="0" smtClean="0">
+              <a:rPr lang="zh-CN" altLang="en-US" dirty="0">
                 <a:latin typeface="+mn-ea"/>
                 <a:ea typeface="+mn-ea"/>
               </a:rPr>
@@ -15721,13 +15082,6 @@
   <p:clrMapOvr>
     <a:masterClrMapping/>
   </p:clrMapOvr>
-  <p:timing>
-    <p:tnLst>
-      <p:par>
-        <p:cTn id="1" dur="indefinite" restart="never" nodeType="tmRoot"/>
-      </p:par>
-    </p:tnLst>
-  </p:timing>
 </p:sld>
 </file>
 
@@ -15901,7 +15255,7 @@
           </a:lstStyle>
           <a:p>
             <a:r>
-              <a:rPr lang="zh-CN" altLang="en-US" dirty="0" smtClean="0">
+              <a:rPr lang="zh-CN" altLang="en-US" dirty="0">
                 <a:solidFill>
                   <a:srgbClr val="C00000"/>
                 </a:solidFill>
@@ -15910,13 +15264,6 @@
               </a:rPr>
               <a:t>内容提纲</a:t>
             </a:r>
-            <a:endParaRPr lang="zh-CN" altLang="en-US" dirty="0">
-              <a:solidFill>
-                <a:srgbClr val="C00000"/>
-              </a:solidFill>
-              <a:latin typeface="+mj-ea"/>
-              <a:ea typeface="+mj-ea"/>
-            </a:endParaRPr>
           </a:p>
         </p:txBody>
       </p:sp>
@@ -16077,14 +15424,14 @@
               <a:buChar char="Ø"/>
             </a:pPr>
             <a:r>
-              <a:rPr lang="en-US" altLang="zh-CN" sz="2800" b="1" dirty="0" smtClean="0">
+              <a:rPr lang="en-US" altLang="zh-CN" sz="2800" b="1" dirty="0">
                 <a:latin typeface="+mj-ea"/>
                 <a:ea typeface="+mj-ea"/>
               </a:rPr>
               <a:t>JSX </a:t>
             </a:r>
             <a:r>
-              <a:rPr lang="zh-CN" altLang="en-US" sz="2800" b="1" dirty="0" smtClean="0">
+              <a:rPr lang="zh-CN" altLang="en-US" sz="2800" b="1" dirty="0">
                 <a:latin typeface="+mj-ea"/>
                 <a:ea typeface="+mj-ea"/>
               </a:rPr>
@@ -16107,7 +15454,7 @@
               <a:buChar char="Ø"/>
             </a:pPr>
             <a:r>
-              <a:rPr lang="zh-CN" altLang="en-US" sz="2800" b="1" dirty="0" smtClean="0">
+              <a:rPr lang="zh-CN" altLang="en-US" sz="2800" b="1" dirty="0">
                 <a:solidFill>
                   <a:srgbClr val="C00000"/>
                 </a:solidFill>
@@ -16116,7 +15463,7 @@
               </a:rPr>
               <a:t>元素渲染</a:t>
             </a:r>
-            <a:endParaRPr lang="en-US" altLang="zh-CN" sz="2800" b="1" dirty="0" smtClean="0">
+            <a:endParaRPr lang="en-US" altLang="zh-CN" sz="2800" b="1" dirty="0">
               <a:solidFill>
                 <a:srgbClr val="C00000"/>
               </a:solidFill>
@@ -16136,13 +15483,13 @@
               <a:buChar char="Ø"/>
             </a:pPr>
             <a:r>
-              <a:rPr lang="zh-CN" altLang="en-US" sz="2800" b="1" dirty="0" smtClean="0">
+              <a:rPr lang="zh-CN" altLang="en-US" sz="2800" b="1" dirty="0">
                 <a:latin typeface="+mj-ea"/>
                 <a:ea typeface="+mj-ea"/>
               </a:rPr>
               <a:t>组件</a:t>
             </a:r>
-            <a:endParaRPr lang="en-US" altLang="zh-CN" sz="2800" b="1" dirty="0" smtClean="0">
+            <a:endParaRPr lang="en-US" altLang="zh-CN" sz="2800" b="1" dirty="0">
               <a:latin typeface="+mj-ea"/>
               <a:ea typeface="+mj-ea"/>
             </a:endParaRPr>
@@ -16159,7 +15506,7 @@
               <a:buChar char="Ø"/>
             </a:pPr>
             <a:r>
-              <a:rPr lang="zh-CN" altLang="en-US" sz="2800" b="1" dirty="0" smtClean="0">
+              <a:rPr lang="zh-CN" altLang="en-US" sz="2800" b="1" dirty="0">
                 <a:latin typeface="+mj-ea"/>
                 <a:ea typeface="+mj-ea"/>
               </a:rPr>
@@ -16178,13 +15525,6 @@
     <a:masterClrMapping/>
   </p:clrMapOvr>
   <p:transition/>
-  <p:timing>
-    <p:tnLst>
-      <p:par>
-        <p:cTn id="1" dur="indefinite" restart="never" nodeType="tmRoot"/>
-      </p:par>
-    </p:tnLst>
-  </p:timing>
 </p:sld>
 </file>
 
@@ -16230,14 +15570,14 @@
           <a:p>
             <a:pPr marL="360045"/>
             <a:r>
-              <a:rPr lang="en-US" altLang="zh-CN" dirty="0" smtClean="0"/>
+              <a:rPr lang="en-US" altLang="zh-CN" dirty="0"/>
               <a:t> React </a:t>
             </a:r>
             <a:r>
-              <a:rPr lang="zh-CN" altLang="en-US" dirty="0" smtClean="0"/>
+              <a:rPr lang="zh-CN" altLang="en-US" dirty="0"/>
               <a:t>元素渲染过程</a:t>
             </a:r>
-            <a:endParaRPr lang="en-US" altLang="zh-CN" sz="1800" dirty="0" smtClean="0">
+            <a:endParaRPr lang="en-US" altLang="zh-CN" sz="1800" dirty="0">
               <a:latin typeface="+mj-ea"/>
               <a:ea typeface="+mj-ea"/>
             </a:endParaRPr>
@@ -16249,13 +15589,13 @@
               <a:defRPr/>
             </a:pPr>
             <a:r>
-              <a:rPr lang="en-US" altLang="zh-CN" sz="2400" dirty="0" smtClean="0">
+              <a:rPr lang="en-US" altLang="zh-CN" sz="2400" dirty="0">
                 <a:latin typeface="+mj-ea"/>
                 <a:ea typeface="+mj-ea"/>
               </a:rPr>
               <a:t>		</a:t>
             </a:r>
-            <a:endParaRPr lang="zh-CN" altLang="en-US" dirty="0" smtClean="0">
+            <a:endParaRPr lang="zh-CN" altLang="en-US" dirty="0">
               <a:latin typeface="+mj-ea"/>
               <a:ea typeface="+mj-ea"/>
             </a:endParaRPr>
@@ -16305,14 +15645,14 @@
               <a:defRPr/>
             </a:pPr>
             <a:r>
-              <a:rPr lang="en-US" altLang="zh-CN" dirty="0" smtClean="0">
+              <a:rPr lang="en-US" altLang="zh-CN" dirty="0">
                 <a:latin typeface="+mn-ea"/>
                 <a:ea typeface="+mn-ea"/>
               </a:rPr>
               <a:t>JSX </a:t>
             </a:r>
             <a:r>
-              <a:rPr lang="zh-CN" altLang="en-US" dirty="0" smtClean="0">
+              <a:rPr lang="zh-CN" altLang="en-US" dirty="0">
                 <a:latin typeface="+mn-ea"/>
                 <a:ea typeface="+mn-ea"/>
               </a:rPr>
@@ -16372,13 +15712,6 @@
   <p:clrMapOvr>
     <a:masterClrMapping/>
   </p:clrMapOvr>
-  <p:timing>
-    <p:tnLst>
-      <p:par>
-        <p:cTn id="1" dur="indefinite" restart="never" nodeType="tmRoot"/>
-      </p:par>
-    </p:tnLst>
-  </p:timing>
 </p:sld>
 </file>
 
@@ -16424,7 +15757,7 @@
           <a:p>
             <a:pPr marL="360045"/>
             <a:r>
-              <a:rPr lang="zh-CN" altLang="en-US" dirty="0" smtClean="0"/>
+              <a:rPr lang="zh-CN" altLang="en-US" dirty="0"/>
               <a:t>“根” </a:t>
             </a:r>
             <a:r>
@@ -16432,20 +15765,16 @@
               <a:t>DOM </a:t>
             </a:r>
             <a:r>
-              <a:rPr lang="zh-CN" altLang="en-US" dirty="0" smtClean="0"/>
+              <a:rPr lang="zh-CN" altLang="en-US" dirty="0"/>
               <a:t>节点</a:t>
             </a:r>
-            <a:endParaRPr lang="en-US" altLang="zh-CN" dirty="0" smtClean="0"/>
+            <a:endParaRPr lang="en-US" altLang="zh-CN" dirty="0"/>
           </a:p>
           <a:p>
             <a:pPr marL="591820" lvl="1"/>
             <a:r>
-              <a:rPr lang="zh-CN" altLang="en-US" dirty="0" smtClean="0"/>
-              <a:t> 首页中</a:t>
-            </a:r>
-            <a:r>
               <a:rPr lang="zh-CN" altLang="en-US" dirty="0"/>
-              <a:t>添加一个 </a:t>
+              <a:t> 首页中添加一个 </a:t>
             </a:r>
             <a:r>
               <a:rPr lang="en-US" altLang="zh-CN" dirty="0"/>
@@ -16459,17 +15788,12 @@
               <a:rPr lang="en-US" altLang="zh-CN" dirty="0"/>
               <a:t>&lt;div&gt;</a:t>
             </a:r>
-            <a:endParaRPr lang="en-US" altLang="zh-CN" dirty="0" smtClean="0"/>
           </a:p>
           <a:p>
             <a:pPr marL="591820" lvl="1"/>
             <a:r>
-              <a:rPr lang="zh-CN" altLang="en-US" dirty="0" smtClean="0"/>
-              <a:t> 节点所有</a:t>
-            </a:r>
-            <a:r>
               <a:rPr lang="zh-CN" altLang="en-US" dirty="0"/>
-              <a:t>内容都将由 </a:t>
+              <a:t> 节点所有内容都将由 </a:t>
             </a:r>
             <a:r>
               <a:rPr lang="en-US" altLang="zh-CN" dirty="0"/>
@@ -16477,13 +15801,9 @@
             </a:r>
             <a:r>
               <a:rPr lang="zh-CN" altLang="en-US" dirty="0"/>
-              <a:t>来</a:t>
-            </a:r>
-            <a:r>
-              <a:rPr lang="zh-CN" altLang="en-US" dirty="0" smtClean="0"/>
-              <a:t>管理</a:t>
-            </a:r>
-            <a:endParaRPr lang="en-US" altLang="zh-CN" dirty="0" smtClean="0"/>
+              <a:t>来管理</a:t>
+            </a:r>
+            <a:endParaRPr lang="en-US" altLang="zh-CN" dirty="0"/>
           </a:p>
           <a:p>
             <a:pPr marL="360045"/>
@@ -16492,10 +15812,10 @@
               <a:t> </a:t>
             </a:r>
             <a:r>
-              <a:rPr lang="zh-CN" altLang="en-US" dirty="0" smtClean="0"/>
+              <a:rPr lang="zh-CN" altLang="en-US" dirty="0"/>
               <a:t>元素渲染</a:t>
             </a:r>
-            <a:endParaRPr lang="en-US" altLang="zh-CN" dirty="0" smtClean="0"/>
+            <a:endParaRPr lang="en-US" altLang="zh-CN" dirty="0"/>
           </a:p>
           <a:p>
             <a:pPr marL="591820" lvl="1"/>
@@ -16504,46 +15824,30 @@
               <a:t> </a:t>
             </a:r>
             <a:r>
-              <a:rPr lang="zh-CN" altLang="en-US" dirty="0" smtClean="0"/>
+              <a:rPr lang="zh-CN" altLang="en-US" dirty="0"/>
               <a:t>将 </a:t>
             </a:r>
             <a:r>
-              <a:rPr lang="en-US" altLang="zh-CN" dirty="0" smtClean="0"/>
+              <a:rPr lang="en-US" altLang="zh-CN" dirty="0"/>
               <a:t>React </a:t>
             </a:r>
             <a:r>
-              <a:rPr lang="zh-CN" altLang="en-US" dirty="0" smtClean="0"/>
-              <a:t>元素</a:t>
-            </a:r>
-            <a:r>
               <a:rPr lang="zh-CN" altLang="en-US" dirty="0"/>
-              <a:t>传递给 </a:t>
+              <a:t>元素传递给 </a:t>
             </a:r>
             <a:r>
               <a:rPr lang="en-US" altLang="zh-CN" dirty="0" err="1"/>
               <a:t>ReactDOM.render</a:t>
             </a:r>
             <a:r>
-              <a:rPr lang="en-US" altLang="zh-CN" dirty="0" smtClean="0"/>
+              <a:rPr lang="en-US" altLang="zh-CN" dirty="0"/>
               <a:t>( )</a:t>
             </a:r>
             <a:r>
               <a:rPr lang="zh-CN" altLang="en-US" dirty="0"/>
-              <a:t> </a:t>
-            </a:r>
-            <a:r>
-              <a:rPr lang="zh-CN" altLang="en-US" dirty="0" smtClean="0"/>
-              <a:t>方法将</a:t>
-            </a:r>
-            <a:r>
-              <a:rPr lang="zh-CN" altLang="en-US" dirty="0"/>
-              <a:t>其渲染到页面</a:t>
-            </a:r>
-            <a:r>
-              <a:rPr lang="zh-CN" altLang="en-US" dirty="0" smtClean="0"/>
-              <a:t>上</a:t>
-            </a:r>
-            <a:endParaRPr lang="en-US" altLang="zh-CN" dirty="0" smtClean="0"/>
+              <a:t> 方法将其渲染到页面上</a:t>
+            </a:r>
+            <a:endParaRPr lang="en-US" altLang="zh-CN" dirty="0"/>
           </a:p>
           <a:p>
             <a:pPr marL="591820" lvl="1"/>
@@ -16552,31 +15856,27 @@
               <a:t> </a:t>
             </a:r>
             <a:r>
-              <a:rPr lang="en-US" altLang="zh-CN" dirty="0" err="1" smtClean="0"/>
+              <a:rPr lang="en-US" altLang="zh-CN" dirty="0" err="1"/>
               <a:t>ReactDOM.render</a:t>
             </a:r>
             <a:r>
-              <a:rPr lang="en-US" altLang="zh-CN" dirty="0" smtClean="0"/>
+              <a:rPr lang="en-US" altLang="zh-CN" dirty="0"/>
               <a:t>(</a:t>
             </a:r>
             <a:r>
-              <a:rPr lang="en-US" altLang="zh-CN" dirty="0" err="1" smtClean="0"/>
+              <a:rPr lang="en-US" altLang="zh-CN" dirty="0" err="1"/>
               <a:t>ele,document.getElementById</a:t>
             </a:r>
             <a:r>
               <a:rPr lang="en-US" altLang="zh-CN" dirty="0"/>
-              <a:t>('root</a:t>
-            </a:r>
-            <a:r>
-              <a:rPr lang="en-US" altLang="zh-CN" dirty="0" smtClean="0"/>
-              <a:t>'));</a:t>
+              <a:t>('root'));</a:t>
             </a:r>
           </a:p>
           <a:p>
             <a:pPr marL="361315" lvl="1" indent="0">
               <a:buNone/>
             </a:pPr>
-            <a:endParaRPr lang="en-US" altLang="zh-CN" sz="1800" dirty="0" smtClean="0">
+            <a:endParaRPr lang="en-US" altLang="zh-CN" sz="1800" dirty="0">
               <a:latin typeface="+mj-ea"/>
               <a:ea typeface="+mj-ea"/>
             </a:endParaRPr>
@@ -16588,13 +15888,13 @@
               <a:defRPr/>
             </a:pPr>
             <a:r>
-              <a:rPr lang="en-US" altLang="zh-CN" sz="2400" dirty="0" smtClean="0">
+              <a:rPr lang="en-US" altLang="zh-CN" sz="2400" dirty="0">
                 <a:latin typeface="+mj-ea"/>
                 <a:ea typeface="+mj-ea"/>
               </a:rPr>
               <a:t>		</a:t>
             </a:r>
-            <a:endParaRPr lang="zh-CN" altLang="en-US" dirty="0" smtClean="0">
+            <a:endParaRPr lang="zh-CN" altLang="en-US" dirty="0">
               <a:latin typeface="+mj-ea"/>
               <a:ea typeface="+mj-ea"/>
             </a:endParaRPr>
@@ -16644,7 +15944,7 @@
               <a:defRPr/>
             </a:pPr>
             <a:r>
-              <a:rPr lang="zh-CN" altLang="en-US" dirty="0" smtClean="0">
+              <a:rPr lang="zh-CN" altLang="en-US" dirty="0">
                 <a:latin typeface="+mn-ea"/>
                 <a:ea typeface="+mn-ea"/>
               </a:rPr>
@@ -16675,7 +15975,7 @@
           <a:lstStyle/>
           <a:p>
             <a:r>
-              <a:rPr lang="en-US" altLang="zh-CN" sz="2400" dirty="0" smtClean="0"/>
+              <a:rPr lang="en-US" altLang="zh-CN" sz="2400" dirty="0"/>
               <a:t>demo02</a:t>
             </a:r>
             <a:endParaRPr lang="zh-CN" altLang="en-US" sz="2400" dirty="0"/>
@@ -17076,14 +16376,14 @@
           <a:p>
             <a:pPr marL="360045"/>
             <a:r>
-              <a:rPr lang="en-US" altLang="zh-CN" dirty="0" smtClean="0"/>
+              <a:rPr lang="en-US" altLang="zh-CN" dirty="0"/>
               <a:t> </a:t>
             </a:r>
             <a:r>
-              <a:rPr lang="zh-CN" altLang="en-US" dirty="0" smtClean="0"/>
+              <a:rPr lang="zh-CN" altLang="en-US" dirty="0"/>
               <a:t>更新渲染元素</a:t>
             </a:r>
-            <a:endParaRPr lang="en-US" altLang="zh-CN" dirty="0" smtClean="0"/>
+            <a:endParaRPr lang="en-US" altLang="zh-CN" dirty="0"/>
           </a:p>
           <a:p>
             <a:pPr marL="591820" lvl="1"/>
@@ -17092,42 +16392,26 @@
               <a:t> React </a:t>
             </a:r>
             <a:r>
-              <a:rPr lang="zh-CN" altLang="en-US" dirty="0" smtClean="0"/>
+              <a:rPr lang="zh-CN" altLang="en-US" dirty="0"/>
               <a:t>元素是不可变的</a:t>
             </a:r>
-            <a:endParaRPr lang="en-US" altLang="zh-CN" dirty="0" smtClean="0"/>
+            <a:endParaRPr lang="en-US" altLang="zh-CN" dirty="0"/>
           </a:p>
           <a:p>
             <a:pPr marL="591820" lvl="1"/>
             <a:r>
-              <a:rPr lang="zh-CN" altLang="en-US" dirty="0" smtClean="0"/>
+              <a:rPr lang="zh-CN" altLang="en-US" dirty="0"/>
               <a:t> </a:t>
             </a:r>
             <a:r>
-              <a:rPr lang="en-US" altLang="zh-CN" dirty="0" smtClean="0"/>
+              <a:rPr lang="en-US" altLang="zh-CN" dirty="0"/>
               <a:t>React </a:t>
             </a:r>
             <a:r>
-              <a:rPr lang="zh-CN" altLang="en-US" dirty="0" smtClean="0"/>
-              <a:t>元素</a:t>
-            </a:r>
-            <a:r>
               <a:rPr lang="zh-CN" altLang="en-US" dirty="0"/>
-              <a:t>被</a:t>
-            </a:r>
-            <a:r>
-              <a:rPr lang="zh-CN" altLang="en-US" dirty="0" smtClean="0"/>
-              <a:t>创建后，无法</a:t>
-            </a:r>
-            <a:r>
-              <a:rPr lang="zh-CN" altLang="en-US" dirty="0"/>
-              <a:t>改变其内容或</a:t>
-            </a:r>
-            <a:r>
-              <a:rPr lang="zh-CN" altLang="en-US" dirty="0" smtClean="0"/>
-              <a:t>属性</a:t>
-            </a:r>
-            <a:endParaRPr lang="en-US" altLang="zh-CN" dirty="0" smtClean="0"/>
+              <a:t>元素被创建后，无法改变其内容或属性</a:t>
+            </a:r>
+            <a:endParaRPr lang="en-US" altLang="zh-CN" dirty="0"/>
           </a:p>
           <a:p>
             <a:pPr marL="591820" lvl="1"/>
@@ -17135,7 +16419,7 @@
           </a:p>
           <a:p>
             <a:pPr marL="591820" lvl="1"/>
-            <a:endParaRPr lang="en-US" altLang="zh-CN" dirty="0" smtClean="0"/>
+            <a:endParaRPr lang="en-US" altLang="zh-CN" dirty="0"/>
           </a:p>
           <a:p>
             <a:pPr marL="591820" lvl="1"/>
@@ -17143,12 +16427,12 @@
           </a:p>
           <a:p>
             <a:pPr marL="591820" lvl="1"/>
-            <a:endParaRPr lang="en-US" altLang="zh-CN" dirty="0" smtClean="0"/>
+            <a:endParaRPr lang="en-US" altLang="zh-CN" dirty="0"/>
           </a:p>
           <a:p>
             <a:pPr marL="591820" lvl="1"/>
             <a:r>
-              <a:rPr lang="zh-CN" altLang="en-US" b="1" dirty="0" smtClean="0">
+              <a:rPr lang="zh-CN" altLang="en-US" b="1" dirty="0">
                 <a:solidFill>
                   <a:srgbClr val="FF0000"/>
                 </a:solidFill>
@@ -17156,7 +16440,7 @@
               <a:t>  使用 </a:t>
             </a:r>
             <a:r>
-              <a:rPr lang="en-US" altLang="zh-CN" b="1" dirty="0" smtClean="0">
+              <a:rPr lang="en-US" altLang="zh-CN" b="1" dirty="0">
                 <a:solidFill>
                   <a:srgbClr val="FF0000"/>
                 </a:solidFill>
@@ -17164,7 +16448,7 @@
               <a:t>React </a:t>
             </a:r>
             <a:r>
-              <a:rPr lang="zh-CN" altLang="en-US" b="1" dirty="0" smtClean="0">
+              <a:rPr lang="zh-CN" altLang="en-US" b="1" dirty="0">
                 <a:solidFill>
                   <a:srgbClr val="FF0000"/>
                 </a:solidFill>
@@ -17172,7 +16456,7 @@
               <a:t>的 </a:t>
             </a:r>
             <a:r>
-              <a:rPr lang="en-US" altLang="zh-CN" b="1" dirty="0" smtClean="0">
+              <a:rPr lang="en-US" altLang="zh-CN" b="1" dirty="0">
                 <a:solidFill>
                   <a:srgbClr val="FF0000"/>
                 </a:solidFill>
@@ -17180,22 +16464,14 @@
               <a:t>DOM </a:t>
             </a:r>
             <a:r>
-              <a:rPr lang="zh-CN" altLang="en-US" b="1" dirty="0" smtClean="0">
+              <a:rPr lang="zh-CN" altLang="en-US" b="1" dirty="0">
                 <a:solidFill>
                   <a:srgbClr val="FF0000"/>
                 </a:solidFill>
               </a:rPr>
-              <a:t>比较</a:t>
-            </a:r>
-            <a:r>
-              <a:rPr lang="zh-CN" altLang="en-US" b="1" dirty="0">
-                <a:solidFill>
-                  <a:srgbClr val="FF0000"/>
-                </a:solidFill>
-              </a:rPr>
-              <a:t>算法进行高效的更新</a:t>
-            </a:r>
-            <a:endParaRPr lang="en-US" altLang="zh-CN" b="1" dirty="0" smtClean="0">
+              <a:t>比较算法进行高效的更新</a:t>
+            </a:r>
+            <a:endParaRPr lang="en-US" altLang="zh-CN" b="1" dirty="0">
               <a:solidFill>
                 <a:srgbClr val="FF0000"/>
               </a:solidFill>
@@ -17205,7 +16481,7 @@
             <a:pPr marL="361315" lvl="1" indent="0">
               <a:buNone/>
             </a:pPr>
-            <a:endParaRPr lang="en-US" altLang="zh-CN" sz="1800" dirty="0" smtClean="0">
+            <a:endParaRPr lang="en-US" altLang="zh-CN" sz="1800" dirty="0">
               <a:latin typeface="+mj-ea"/>
               <a:ea typeface="+mj-ea"/>
             </a:endParaRPr>
@@ -17217,13 +16493,13 @@
               <a:defRPr/>
             </a:pPr>
             <a:r>
-              <a:rPr lang="en-US" altLang="zh-CN" sz="2400" dirty="0" smtClean="0">
+              <a:rPr lang="en-US" altLang="zh-CN" sz="2400" dirty="0">
                 <a:latin typeface="+mj-ea"/>
                 <a:ea typeface="+mj-ea"/>
               </a:rPr>
               <a:t>		</a:t>
             </a:r>
-            <a:endParaRPr lang="zh-CN" altLang="en-US" dirty="0" smtClean="0">
+            <a:endParaRPr lang="zh-CN" altLang="en-US" dirty="0">
               <a:latin typeface="+mj-ea"/>
               <a:ea typeface="+mj-ea"/>
             </a:endParaRPr>
@@ -17273,7 +16549,7 @@
               <a:defRPr/>
             </a:pPr>
             <a:r>
-              <a:rPr lang="zh-CN" altLang="en-US" dirty="0" smtClean="0">
+              <a:rPr lang="zh-CN" altLang="en-US" dirty="0">
                 <a:latin typeface="+mn-ea"/>
                 <a:ea typeface="+mn-ea"/>
               </a:rPr>
@@ -17313,7 +16589,6 @@
               <a:rPr lang="en-US" altLang="zh-CN" sz="2400" dirty="0"/>
               <a:t>function tick() { </a:t>
             </a:r>
-            <a:endParaRPr lang="en-US" altLang="zh-CN" sz="2400" dirty="0" smtClean="0"/>
           </a:p>
           <a:p>
             <a:r>
@@ -17321,107 +16596,67 @@
               <a:t>	</a:t>
             </a:r>
             <a:r>
-              <a:rPr lang="en-US" altLang="zh-CN" sz="2400" dirty="0" err="1" smtClean="0"/>
+              <a:rPr lang="en-US" altLang="zh-CN" sz="2400" dirty="0" err="1"/>
               <a:t>const</a:t>
             </a:r>
             <a:r>
-              <a:rPr lang="en-US" altLang="zh-CN" sz="2400" dirty="0" smtClean="0"/>
+              <a:rPr lang="en-US" altLang="zh-CN" sz="2400" dirty="0"/>
               <a:t> </a:t>
             </a:r>
             <a:r>
-              <a:rPr lang="en-US" altLang="zh-CN" sz="2400" dirty="0" err="1" smtClean="0"/>
+              <a:rPr lang="en-US" altLang="zh-CN" sz="2400" dirty="0" err="1"/>
               <a:t>ele</a:t>
             </a:r>
             <a:r>
-              <a:rPr lang="en-US" altLang="zh-CN" sz="2400" dirty="0" smtClean="0"/>
-              <a:t> </a:t>
-            </a:r>
-            <a:r>
               <a:rPr lang="en-US" altLang="zh-CN" sz="2400" dirty="0"/>
-              <a:t>= </a:t>
-            </a:r>
-            <a:r>
-              <a:rPr lang="en-US" altLang="zh-CN" sz="2400" dirty="0" smtClean="0">
+              <a:t> = </a:t>
+            </a:r>
+            <a:r>
+              <a:rPr lang="en-US" altLang="zh-CN" sz="2400" dirty="0">
                 <a:solidFill>
                   <a:srgbClr val="FF0000"/>
                 </a:solidFill>
               </a:rPr>
-              <a:t>&lt;</a:t>
-            </a:r>
-            <a:r>
-              <a:rPr lang="en-US" altLang="zh-CN" sz="2400" dirty="0">
-                <a:solidFill>
-                  <a:srgbClr val="FF0000"/>
-                </a:solidFill>
-              </a:rPr>
-              <a:t>div</a:t>
-            </a:r>
-            <a:r>
-              <a:rPr lang="en-US" altLang="zh-CN" sz="2400" dirty="0" smtClean="0">
-                <a:solidFill>
-                  <a:srgbClr val="FF0000"/>
-                </a:solidFill>
-              </a:rPr>
-              <a:t>&gt;</a:t>
-            </a:r>
-            <a:r>
-              <a:rPr lang="en-US" altLang="zh-CN" sz="2400" dirty="0" smtClean="0"/>
-              <a:t>{new </a:t>
+              <a:t>&lt;div&gt;</a:t>
             </a:r>
             <a:r>
               <a:rPr lang="en-US" altLang="zh-CN" sz="2400" dirty="0"/>
-              <a:t>Date</a:t>
-            </a:r>
-            <a:r>
-              <a:rPr lang="en-US" altLang="zh-CN" sz="2400" dirty="0" smtClean="0"/>
-              <a:t>( ).</a:t>
+              <a:t>{new Date( ).</a:t>
             </a:r>
             <a:r>
               <a:rPr lang="en-US" altLang="zh-CN" sz="2400" dirty="0" err="1"/>
               <a:t>toLocaleTimeString</a:t>
             </a:r>
             <a:r>
-              <a:rPr lang="en-US" altLang="zh-CN" sz="2400" dirty="0" smtClean="0"/>
+              <a:rPr lang="en-US" altLang="zh-CN" sz="2400" dirty="0"/>
               <a:t>( )}</a:t>
             </a:r>
             <a:r>
-              <a:rPr lang="en-US" altLang="zh-CN" sz="2400" dirty="0" smtClean="0">
+              <a:rPr lang="en-US" altLang="zh-CN" sz="2400" dirty="0">
                 <a:solidFill>
                   <a:srgbClr val="FF0000"/>
                 </a:solidFill>
               </a:rPr>
-              <a:t>&lt;/</a:t>
-            </a:r>
-            <a:r>
-              <a:rPr lang="en-US" altLang="zh-CN" sz="2400" dirty="0">
-                <a:solidFill>
-                  <a:srgbClr val="FF0000"/>
-                </a:solidFill>
-              </a:rPr>
-              <a:t>div&gt;</a:t>
+              <a:t>&lt;/div&gt;</a:t>
             </a:r>
             <a:r>
               <a:rPr lang="en-US" altLang="zh-CN" sz="2400" dirty="0"/>
-              <a:t> </a:t>
-            </a:r>
-            <a:r>
-              <a:rPr lang="en-US" altLang="zh-CN" sz="2400" dirty="0" smtClean="0"/>
-              <a:t>; 	</a:t>
-            </a:r>
-            <a:r>
-              <a:rPr lang="en-US" altLang="zh-CN" sz="2400" dirty="0" err="1" smtClean="0"/>
+              <a:t> ; 	</a:t>
+            </a:r>
+            <a:r>
+              <a:rPr lang="en-US" altLang="zh-CN" sz="2400" dirty="0" err="1"/>
               <a:t>ReactDOM.render</a:t>
             </a:r>
             <a:r>
-              <a:rPr lang="en-US" altLang="zh-CN" sz="2400" dirty="0" smtClean="0"/>
+              <a:rPr lang="en-US" altLang="zh-CN" sz="2400" dirty="0"/>
               <a:t>(</a:t>
             </a:r>
             <a:r>
-              <a:rPr lang="en-US" altLang="zh-CN" sz="2400" dirty="0" err="1" smtClean="0"/>
+              <a:rPr lang="en-US" altLang="zh-CN" sz="2400" dirty="0" err="1"/>
               <a:t>ele</a:t>
             </a:r>
             <a:r>
-              <a:rPr lang="en-US" altLang="zh-CN" sz="2400" dirty="0" smtClean="0"/>
+              <a:rPr lang="en-US" altLang="zh-CN" sz="2400" dirty="0"/>
               <a:t>, </a:t>
             </a:r>
             <a:r>
@@ -17432,17 +16667,16 @@
               <a:rPr lang="en-US" altLang="zh-CN" sz="2400" dirty="0"/>
               <a:t>('root')); </a:t>
             </a:r>
-            <a:endParaRPr lang="en-US" altLang="zh-CN" sz="2400" dirty="0" smtClean="0"/>
-          </a:p>
-          <a:p>
-            <a:r>
-              <a:rPr lang="en-US" altLang="zh-CN" sz="2400" dirty="0" smtClean="0"/>
+          </a:p>
+          <a:p>
+            <a:r>
+              <a:rPr lang="en-US" altLang="zh-CN" sz="2400" dirty="0"/>
               <a:t>} </a:t>
             </a:r>
           </a:p>
           <a:p>
             <a:r>
-              <a:rPr lang="en-US" altLang="zh-CN" sz="2400" dirty="0" err="1" smtClean="0">
+              <a:rPr lang="en-US" altLang="zh-CN" sz="2400" dirty="0" err="1">
                 <a:solidFill>
                   <a:srgbClr val="FF0000"/>
                 </a:solidFill>
@@ -17450,12 +16684,8 @@
               <a:t>setInterval</a:t>
             </a:r>
             <a:r>
-              <a:rPr lang="en-US" altLang="zh-CN" sz="2400" dirty="0" smtClean="0"/>
-              <a:t>(tick</a:t>
-            </a:r>
-            <a:r>
               <a:rPr lang="en-US" altLang="zh-CN" sz="2400" dirty="0"/>
-              <a:t>, 1000);</a:t>
+              <a:t>(tick, 1000);</a:t>
             </a:r>
             <a:endParaRPr lang="en-US" altLang="zh-CN" sz="2400" dirty="0">
               <a:latin typeface="+mj-ea"/>
@@ -17486,7 +16716,7 @@
           <a:lstStyle/>
           <a:p>
             <a:r>
-              <a:rPr lang="en-US" altLang="zh-CN" sz="2400" dirty="0" smtClean="0"/>
+              <a:rPr lang="en-US" altLang="zh-CN" sz="2400" dirty="0"/>
               <a:t>demo03</a:t>
             </a:r>
             <a:endParaRPr lang="zh-CN" altLang="en-US" sz="2400" dirty="0"/>
@@ -18032,7 +17262,7 @@
   <a:extraClrSchemeLst/>
   <a:extLst>
     <a:ext uri="{05A4C25C-085E-4340-85A3-A5531E510DB2}">
-      <thm15:themeFamily xmlns:thm15="http://schemas.microsoft.com/office/thememl/2012/main" xmlns="" name="Office Theme" id="{62F939B6-93AF-4DB8-9C6B-D6C7DFDC589F}" vid="{4A3C46E8-61CC-4603-A589-7422A47A8E4A}"/>
+      <thm15:themeFamily xmlns:thm15="http://schemas.microsoft.com/office/thememl/2012/main" name="Office Theme" id="{62F939B6-93AF-4DB8-9C6B-D6C7DFDC589F}" vid="{4A3C46E8-61CC-4603-A589-7422A47A8E4A}"/>
     </a:ext>
   </a:extLst>
 </a:theme>
@@ -18320,7 +17550,7 @@
   <a:extraClrSchemeLst/>
   <a:extLst>
     <a:ext uri="{05A4C25C-085E-4340-85A3-A5531E510DB2}">
-      <thm15:themeFamily xmlns:thm15="http://schemas.microsoft.com/office/thememl/2012/main" xmlns="" name="Office Theme" id="{62F939B6-93AF-4DB8-9C6B-D6C7DFDC589F}" vid="{4A3C46E8-61CC-4603-A589-7422A47A8E4A}"/>
+      <thm15:themeFamily xmlns:thm15="http://schemas.microsoft.com/office/thememl/2012/main" name="Office Theme" id="{62F939B6-93AF-4DB8-9C6B-D6C7DFDC589F}" vid="{4A3C46E8-61CC-4603-A589-7422A47A8E4A}"/>
     </a:ext>
   </a:extLst>
 </a:theme>

--- a/materials/slides/ch02-React基础语法.pptx
+++ b/materials/slides/ch02-React基础语法.pptx
@@ -7963,7 +7963,7 @@
           <a:p>
             <a:pPr marL="593090" lvl="2"/>
             <a:r>
-              <a:rPr lang="zh-CN" altLang="en-US"/>
+              <a:rPr lang="zh-CN" altLang="en-US" dirty="0"/>
               <a:t> 初始化</a:t>
             </a:r>
             <a:r>
@@ -8115,7 +8115,7 @@
                                         <p:tgtEl>
                                           <p:spTgt spid="30722">
                                             <p:txEl>
-                                              <p:pRg st="4" end="4"/>
+                                              <p:pRg st="3" end="3"/>
                                             </p:txEl>
                                           </p:spTgt>
                                         </p:tgtEl>
@@ -8133,6 +8133,121 @@
                                         <p:tgtEl>
                                           <p:spTgt spid="30722">
                                             <p:txEl>
+                                              <p:pRg st="3" end="3"/>
+                                            </p:txEl>
+                                          </p:spTgt>
+                                        </p:tgtEl>
+                                      </p:cBhvr>
+                                    </p:animEffect>
+                                    <p:anim calcmode="lin" valueType="num">
+                                      <p:cBhvr>
+                                        <p:cTn id="8" dur="1000" fill="hold"/>
+                                        <p:tgtEl>
+                                          <p:spTgt spid="30722">
+                                            <p:txEl>
+                                              <p:pRg st="3" end="3"/>
+                                            </p:txEl>
+                                          </p:spTgt>
+                                        </p:tgtEl>
+                                        <p:attrNameLst>
+                                          <p:attrName>ppt_x</p:attrName>
+                                        </p:attrNameLst>
+                                      </p:cBhvr>
+                                      <p:tavLst>
+                                        <p:tav tm="0">
+                                          <p:val>
+                                            <p:strVal val="#ppt_x"/>
+                                          </p:val>
+                                        </p:tav>
+                                        <p:tav tm="100000">
+                                          <p:val>
+                                            <p:strVal val="#ppt_x"/>
+                                          </p:val>
+                                        </p:tav>
+                                      </p:tavLst>
+                                    </p:anim>
+                                    <p:anim calcmode="lin" valueType="num">
+                                      <p:cBhvr>
+                                        <p:cTn id="9" dur="1000" fill="hold"/>
+                                        <p:tgtEl>
+                                          <p:spTgt spid="30722">
+                                            <p:txEl>
+                                              <p:pRg st="3" end="3"/>
+                                            </p:txEl>
+                                          </p:spTgt>
+                                        </p:tgtEl>
+                                        <p:attrNameLst>
+                                          <p:attrName>ppt_y</p:attrName>
+                                        </p:attrNameLst>
+                                      </p:cBhvr>
+                                      <p:tavLst>
+                                        <p:tav tm="0">
+                                          <p:val>
+                                            <p:strVal val="#ppt_y+.1"/>
+                                          </p:val>
+                                        </p:tav>
+                                        <p:tav tm="100000">
+                                          <p:val>
+                                            <p:strVal val="#ppt_y"/>
+                                          </p:val>
+                                        </p:tav>
+                                      </p:tavLst>
+                                    </p:anim>
+                                  </p:childTnLst>
+                                </p:cTn>
+                              </p:par>
+                            </p:childTnLst>
+                          </p:cTn>
+                        </p:par>
+                      </p:childTnLst>
+                    </p:cTn>
+                  </p:par>
+                  <p:par>
+                    <p:cTn id="10" fill="hold">
+                      <p:stCondLst>
+                        <p:cond delay="indefinite"/>
+                      </p:stCondLst>
+                      <p:childTnLst>
+                        <p:par>
+                          <p:cTn id="11" fill="hold">
+                            <p:stCondLst>
+                              <p:cond delay="0"/>
+                            </p:stCondLst>
+                            <p:childTnLst>
+                              <p:par>
+                                <p:cTn id="12" presetID="42" presetClass="entr" presetSubtype="0" fill="hold" nodeType="clickEffect">
+                                  <p:stCondLst>
+                                    <p:cond delay="0"/>
+                                  </p:stCondLst>
+                                  <p:childTnLst>
+                                    <p:set>
+                                      <p:cBhvr>
+                                        <p:cTn id="13" dur="1" fill="hold">
+                                          <p:stCondLst>
+                                            <p:cond delay="0"/>
+                                          </p:stCondLst>
+                                        </p:cTn>
+                                        <p:tgtEl>
+                                          <p:spTgt spid="30722">
+                                            <p:txEl>
+                                              <p:pRg st="4" end="4"/>
+                                            </p:txEl>
+                                          </p:spTgt>
+                                        </p:tgtEl>
+                                        <p:attrNameLst>
+                                          <p:attrName>style.visibility</p:attrName>
+                                        </p:attrNameLst>
+                                      </p:cBhvr>
+                                      <p:to>
+                                        <p:strVal val="visible"/>
+                                      </p:to>
+                                    </p:set>
+                                    <p:animEffect transition="in" filter="fade">
+                                      <p:cBhvr>
+                                        <p:cTn id="14" dur="1000"/>
+                                        <p:tgtEl>
+                                          <p:spTgt spid="30722">
+                                            <p:txEl>
                                               <p:pRg st="4" end="4"/>
                                             </p:txEl>
                                           </p:spTgt>
@@ -8141,7 +8256,7 @@
                                     </p:animEffect>
                                     <p:anim calcmode="lin" valueType="num">
                                       <p:cBhvr>
-                                        <p:cTn id="8" dur="1000" fill="hold"/>
+                                        <p:cTn id="15" dur="1000" fill="hold"/>
                                         <p:tgtEl>
                                           <p:spTgt spid="30722">
                                             <p:txEl>
@@ -8168,7 +8283,7 @@
                                     </p:anim>
                                     <p:anim calcmode="lin" valueType="num">
                                       <p:cBhvr>
-                                        <p:cTn id="9" dur="1000" fill="hold"/>
+                                        <p:cTn id="16" dur="1000" fill="hold"/>
                                         <p:tgtEl>
                                           <p:spTgt spid="30722">
                                             <p:txEl>
@@ -8197,14 +8312,14 @@
                                 </p:cTn>
                               </p:par>
                               <p:par>
-                                <p:cTn id="10" presetID="42" presetClass="entr" presetSubtype="0" fill="hold" nodeType="withEffect">
+                                <p:cTn id="17" presetID="42" presetClass="entr" presetSubtype="0" fill="hold" nodeType="withEffect">
                                   <p:stCondLst>
                                     <p:cond delay="0"/>
                                   </p:stCondLst>
                                   <p:childTnLst>
                                     <p:set>
                                       <p:cBhvr>
-                                        <p:cTn id="11" dur="1" fill="hold">
+                                        <p:cTn id="18" dur="1" fill="hold">
                                           <p:stCondLst>
                                             <p:cond delay="0"/>
                                           </p:stCondLst>
@@ -8226,7 +8341,7 @@
                                     </p:set>
                                     <p:animEffect transition="in" filter="fade">
                                       <p:cBhvr>
-                                        <p:cTn id="12" dur="1000"/>
+                                        <p:cTn id="19" dur="1000"/>
                                         <p:tgtEl>
                                           <p:spTgt spid="30722">
                                             <p:txEl>
@@ -8238,7 +8353,7 @@
                                     </p:animEffect>
                                     <p:anim calcmode="lin" valueType="num">
                                       <p:cBhvr>
-                                        <p:cTn id="13" dur="1000" fill="hold"/>
+                                        <p:cTn id="20" dur="1000" fill="hold"/>
                                         <p:tgtEl>
                                           <p:spTgt spid="30722">
                                             <p:txEl>
@@ -8265,7 +8380,7 @@
                                     </p:anim>
                                     <p:anim calcmode="lin" valueType="num">
                                       <p:cBhvr>
-                                        <p:cTn id="14" dur="1000" fill="hold"/>
+                                        <p:cTn id="21" dur="1000" fill="hold"/>
                                         <p:tgtEl>
                                           <p:spTgt spid="30722">
                                             <p:txEl>
@@ -8294,14 +8409,14 @@
                                 </p:cTn>
                               </p:par>
                               <p:par>
-                                <p:cTn id="15" presetID="42" presetClass="entr" presetSubtype="0" fill="hold" nodeType="withEffect">
+                                <p:cTn id="22" presetID="42" presetClass="entr" presetSubtype="0" fill="hold" nodeType="withEffect">
                                   <p:stCondLst>
                                     <p:cond delay="0"/>
                                   </p:stCondLst>
                                   <p:childTnLst>
                                     <p:set>
                                       <p:cBhvr>
-                                        <p:cTn id="16" dur="1" fill="hold">
+                                        <p:cTn id="23" dur="1" fill="hold">
                                           <p:stCondLst>
                                             <p:cond delay="0"/>
                                           </p:stCondLst>
@@ -8323,7 +8438,7 @@
                                     </p:set>
                                     <p:animEffect transition="in" filter="fade">
                                       <p:cBhvr>
-                                        <p:cTn id="17" dur="1000"/>
+                                        <p:cTn id="24" dur="1000"/>
                                         <p:tgtEl>
                                           <p:spTgt spid="30722">
                                             <p:txEl>
@@ -8335,7 +8450,7 @@
                                     </p:animEffect>
                                     <p:anim calcmode="lin" valueType="num">
                                       <p:cBhvr>
-                                        <p:cTn id="18" dur="1000" fill="hold"/>
+                                        <p:cTn id="25" dur="1000" fill="hold"/>
                                         <p:tgtEl>
                                           <p:spTgt spid="30722">
                                             <p:txEl>
@@ -8362,7 +8477,7 @@
                                     </p:anim>
                                     <p:anim calcmode="lin" valueType="num">
                                       <p:cBhvr>
-                                        <p:cTn id="19" dur="1000" fill="hold"/>
+                                        <p:cTn id="26" dur="1000" fill="hold"/>
                                         <p:tgtEl>
                                           <p:spTgt spid="30722">
                                             <p:txEl>
@@ -8391,14 +8506,14 @@
                                 </p:cTn>
                               </p:par>
                               <p:par>
-                                <p:cTn id="20" presetID="42" presetClass="entr" presetSubtype="0" fill="hold" nodeType="withEffect">
+                                <p:cTn id="27" presetID="42" presetClass="entr" presetSubtype="0" fill="hold" nodeType="withEffect">
                                   <p:stCondLst>
                                     <p:cond delay="0"/>
                                   </p:stCondLst>
                                   <p:childTnLst>
                                     <p:set>
                                       <p:cBhvr>
-                                        <p:cTn id="21" dur="1" fill="hold">
+                                        <p:cTn id="28" dur="1" fill="hold">
                                           <p:stCondLst>
                                             <p:cond delay="0"/>
                                           </p:stCondLst>
@@ -8420,7 +8535,7 @@
                                     </p:set>
                                     <p:animEffect transition="in" filter="fade">
                                       <p:cBhvr>
-                                        <p:cTn id="22" dur="1000"/>
+                                        <p:cTn id="29" dur="1000"/>
                                         <p:tgtEl>
                                           <p:spTgt spid="30722">
                                             <p:txEl>
@@ -8432,7 +8547,7 @@
                                     </p:animEffect>
                                     <p:anim calcmode="lin" valueType="num">
                                       <p:cBhvr>
-                                        <p:cTn id="23" dur="1000" fill="hold"/>
+                                        <p:cTn id="30" dur="1000" fill="hold"/>
                                         <p:tgtEl>
                                           <p:spTgt spid="30722">
                                             <p:txEl>
@@ -8459,7 +8574,7 @@
                                     </p:anim>
                                     <p:anim calcmode="lin" valueType="num">
                                       <p:cBhvr>
-                                        <p:cTn id="24" dur="1000" fill="hold"/>
+                                        <p:cTn id="31" dur="1000" fill="hold"/>
                                         <p:tgtEl>
                                           <p:spTgt spid="30722">
                                             <p:txEl>
@@ -8488,14 +8603,14 @@
                                 </p:cTn>
                               </p:par>
                               <p:par>
-                                <p:cTn id="25" presetID="42" presetClass="entr" presetSubtype="0" fill="hold" nodeType="withEffect">
+                                <p:cTn id="32" presetID="42" presetClass="entr" presetSubtype="0" fill="hold" nodeType="withEffect">
                                   <p:stCondLst>
                                     <p:cond delay="0"/>
                                   </p:stCondLst>
                                   <p:childTnLst>
                                     <p:set>
                                       <p:cBhvr>
-                                        <p:cTn id="26" dur="1" fill="hold">
+                                        <p:cTn id="33" dur="1" fill="hold">
                                           <p:stCondLst>
                                             <p:cond delay="0"/>
                                           </p:stCondLst>
@@ -8517,7 +8632,7 @@
                                     </p:set>
                                     <p:animEffect transition="in" filter="fade">
                                       <p:cBhvr>
-                                        <p:cTn id="27" dur="1000"/>
+                                        <p:cTn id="34" dur="1000"/>
                                         <p:tgtEl>
                                           <p:spTgt spid="30722">
                                             <p:txEl>
@@ -8529,7 +8644,7 @@
                                     </p:animEffect>
                                     <p:anim calcmode="lin" valueType="num">
                                       <p:cBhvr>
-                                        <p:cTn id="28" dur="1000" fill="hold"/>
+                                        <p:cTn id="35" dur="1000" fill="hold"/>
                                         <p:tgtEl>
                                           <p:spTgt spid="30722">
                                             <p:txEl>
@@ -8556,7 +8671,7 @@
                                     </p:anim>
                                     <p:anim calcmode="lin" valueType="num">
                                       <p:cBhvr>
-                                        <p:cTn id="29" dur="1000" fill="hold"/>
+                                        <p:cTn id="36" dur="1000" fill="hold"/>
                                         <p:tgtEl>
                                           <p:spTgt spid="30722">
                                             <p:txEl>
@@ -14928,18 +15043,9 @@
               <a:t>React.createElement</a:t>
             </a:r>
             <a:r>
-              <a:rPr lang="en-US" altLang="zh-CN"/>
-              <a:t>(  type</a:t>
-            </a:r>
-            <a:r>
               <a:rPr lang="en-US" altLang="zh-CN" dirty="0"/>
-              <a:t>, props, ...</a:t>
-            </a:r>
-            <a:r>
-              <a:rPr lang="en-US" altLang="zh-CN"/>
-              <a:t>children  )</a:t>
-            </a:r>
-            <a:endParaRPr lang="en-US" altLang="zh-CN" dirty="0"/>
+              <a:t>(  type, props, ...children  )</a:t>
+            </a:r>
           </a:p>
           <a:p>
             <a:pPr marL="593090" lvl="2"/>
@@ -15082,6 +15188,442 @@
   <p:clrMapOvr>
     <a:masterClrMapping/>
   </p:clrMapOvr>
+  <p:timing>
+    <p:tnLst>
+      <p:par>
+        <p:cTn id="1" dur="indefinite" restart="never" nodeType="tmRoot">
+          <p:childTnLst>
+            <p:seq concurrent="1" nextAc="seek">
+              <p:cTn id="2" dur="indefinite" nodeType="mainSeq">
+                <p:childTnLst>
+                  <p:par>
+                    <p:cTn id="3" fill="hold">
+                      <p:stCondLst>
+                        <p:cond delay="indefinite"/>
+                      </p:stCondLst>
+                      <p:childTnLst>
+                        <p:par>
+                          <p:cTn id="4" fill="hold">
+                            <p:stCondLst>
+                              <p:cond delay="0"/>
+                            </p:stCondLst>
+                            <p:childTnLst>
+                              <p:par>
+                                <p:cTn id="5" presetID="42" presetClass="entr" presetSubtype="0" fill="hold" nodeType="clickEffect">
+                                  <p:stCondLst>
+                                    <p:cond delay="0"/>
+                                  </p:stCondLst>
+                                  <p:childTnLst>
+                                    <p:set>
+                                      <p:cBhvr>
+                                        <p:cTn id="6" dur="1" fill="hold">
+                                          <p:stCondLst>
+                                            <p:cond delay="0"/>
+                                          </p:stCondLst>
+                                        </p:cTn>
+                                        <p:tgtEl>
+                                          <p:spTgt spid="30722">
+                                            <p:txEl>
+                                              <p:pRg st="2" end="2"/>
+                                            </p:txEl>
+                                          </p:spTgt>
+                                        </p:tgtEl>
+                                        <p:attrNameLst>
+                                          <p:attrName>style.visibility</p:attrName>
+                                        </p:attrNameLst>
+                                      </p:cBhvr>
+                                      <p:to>
+                                        <p:strVal val="visible"/>
+                                      </p:to>
+                                    </p:set>
+                                    <p:animEffect transition="in" filter="fade">
+                                      <p:cBhvr>
+                                        <p:cTn id="7" dur="1000"/>
+                                        <p:tgtEl>
+                                          <p:spTgt spid="30722">
+                                            <p:txEl>
+                                              <p:pRg st="2" end="2"/>
+                                            </p:txEl>
+                                          </p:spTgt>
+                                        </p:tgtEl>
+                                      </p:cBhvr>
+                                    </p:animEffect>
+                                    <p:anim calcmode="lin" valueType="num">
+                                      <p:cBhvr>
+                                        <p:cTn id="8" dur="1000" fill="hold"/>
+                                        <p:tgtEl>
+                                          <p:spTgt spid="30722">
+                                            <p:txEl>
+                                              <p:pRg st="2" end="2"/>
+                                            </p:txEl>
+                                          </p:spTgt>
+                                        </p:tgtEl>
+                                        <p:attrNameLst>
+                                          <p:attrName>ppt_x</p:attrName>
+                                        </p:attrNameLst>
+                                      </p:cBhvr>
+                                      <p:tavLst>
+                                        <p:tav tm="0">
+                                          <p:val>
+                                            <p:strVal val="#ppt_x"/>
+                                          </p:val>
+                                        </p:tav>
+                                        <p:tav tm="100000">
+                                          <p:val>
+                                            <p:strVal val="#ppt_x"/>
+                                          </p:val>
+                                        </p:tav>
+                                      </p:tavLst>
+                                    </p:anim>
+                                    <p:anim calcmode="lin" valueType="num">
+                                      <p:cBhvr>
+                                        <p:cTn id="9" dur="1000" fill="hold"/>
+                                        <p:tgtEl>
+                                          <p:spTgt spid="30722">
+                                            <p:txEl>
+                                              <p:pRg st="2" end="2"/>
+                                            </p:txEl>
+                                          </p:spTgt>
+                                        </p:tgtEl>
+                                        <p:attrNameLst>
+                                          <p:attrName>ppt_y</p:attrName>
+                                        </p:attrNameLst>
+                                      </p:cBhvr>
+                                      <p:tavLst>
+                                        <p:tav tm="0">
+                                          <p:val>
+                                            <p:strVal val="#ppt_y+.1"/>
+                                          </p:val>
+                                        </p:tav>
+                                        <p:tav tm="100000">
+                                          <p:val>
+                                            <p:strVal val="#ppt_y"/>
+                                          </p:val>
+                                        </p:tav>
+                                      </p:tavLst>
+                                    </p:anim>
+                                  </p:childTnLst>
+                                </p:cTn>
+                              </p:par>
+                              <p:par>
+                                <p:cTn id="10" presetID="42" presetClass="entr" presetSubtype="0" fill="hold" nodeType="withEffect">
+                                  <p:stCondLst>
+                                    <p:cond delay="0"/>
+                                  </p:stCondLst>
+                                  <p:childTnLst>
+                                    <p:set>
+                                      <p:cBhvr>
+                                        <p:cTn id="11" dur="1" fill="hold">
+                                          <p:stCondLst>
+                                            <p:cond delay="0"/>
+                                          </p:stCondLst>
+                                        </p:cTn>
+                                        <p:tgtEl>
+                                          <p:spTgt spid="30722">
+                                            <p:txEl>
+                                              <p:pRg st="3" end="3"/>
+                                            </p:txEl>
+                                          </p:spTgt>
+                                        </p:tgtEl>
+                                        <p:attrNameLst>
+                                          <p:attrName>style.visibility</p:attrName>
+                                        </p:attrNameLst>
+                                      </p:cBhvr>
+                                      <p:to>
+                                        <p:strVal val="visible"/>
+                                      </p:to>
+                                    </p:set>
+                                    <p:animEffect transition="in" filter="fade">
+                                      <p:cBhvr>
+                                        <p:cTn id="12" dur="1000"/>
+                                        <p:tgtEl>
+                                          <p:spTgt spid="30722">
+                                            <p:txEl>
+                                              <p:pRg st="3" end="3"/>
+                                            </p:txEl>
+                                          </p:spTgt>
+                                        </p:tgtEl>
+                                      </p:cBhvr>
+                                    </p:animEffect>
+                                    <p:anim calcmode="lin" valueType="num">
+                                      <p:cBhvr>
+                                        <p:cTn id="13" dur="1000" fill="hold"/>
+                                        <p:tgtEl>
+                                          <p:spTgt spid="30722">
+                                            <p:txEl>
+                                              <p:pRg st="3" end="3"/>
+                                            </p:txEl>
+                                          </p:spTgt>
+                                        </p:tgtEl>
+                                        <p:attrNameLst>
+                                          <p:attrName>ppt_x</p:attrName>
+                                        </p:attrNameLst>
+                                      </p:cBhvr>
+                                      <p:tavLst>
+                                        <p:tav tm="0">
+                                          <p:val>
+                                            <p:strVal val="#ppt_x"/>
+                                          </p:val>
+                                        </p:tav>
+                                        <p:tav tm="100000">
+                                          <p:val>
+                                            <p:strVal val="#ppt_x"/>
+                                          </p:val>
+                                        </p:tav>
+                                      </p:tavLst>
+                                    </p:anim>
+                                    <p:anim calcmode="lin" valueType="num">
+                                      <p:cBhvr>
+                                        <p:cTn id="14" dur="1000" fill="hold"/>
+                                        <p:tgtEl>
+                                          <p:spTgt spid="30722">
+                                            <p:txEl>
+                                              <p:pRg st="3" end="3"/>
+                                            </p:txEl>
+                                          </p:spTgt>
+                                        </p:tgtEl>
+                                        <p:attrNameLst>
+                                          <p:attrName>ppt_y</p:attrName>
+                                        </p:attrNameLst>
+                                      </p:cBhvr>
+                                      <p:tavLst>
+                                        <p:tav tm="0">
+                                          <p:val>
+                                            <p:strVal val="#ppt_y+.1"/>
+                                          </p:val>
+                                        </p:tav>
+                                        <p:tav tm="100000">
+                                          <p:val>
+                                            <p:strVal val="#ppt_y"/>
+                                          </p:val>
+                                        </p:tav>
+                                      </p:tavLst>
+                                    </p:anim>
+                                  </p:childTnLst>
+                                </p:cTn>
+                              </p:par>
+                              <p:par>
+                                <p:cTn id="15" presetID="42" presetClass="entr" presetSubtype="0" fill="hold" nodeType="withEffect">
+                                  <p:stCondLst>
+                                    <p:cond delay="0"/>
+                                  </p:stCondLst>
+                                  <p:childTnLst>
+                                    <p:set>
+                                      <p:cBhvr>
+                                        <p:cTn id="16" dur="1" fill="hold">
+                                          <p:stCondLst>
+                                            <p:cond delay="0"/>
+                                          </p:stCondLst>
+                                        </p:cTn>
+                                        <p:tgtEl>
+                                          <p:spTgt spid="30722">
+                                            <p:txEl>
+                                              <p:pRg st="4" end="4"/>
+                                            </p:txEl>
+                                          </p:spTgt>
+                                        </p:tgtEl>
+                                        <p:attrNameLst>
+                                          <p:attrName>style.visibility</p:attrName>
+                                        </p:attrNameLst>
+                                      </p:cBhvr>
+                                      <p:to>
+                                        <p:strVal val="visible"/>
+                                      </p:to>
+                                    </p:set>
+                                    <p:animEffect transition="in" filter="fade">
+                                      <p:cBhvr>
+                                        <p:cTn id="17" dur="1000"/>
+                                        <p:tgtEl>
+                                          <p:spTgt spid="30722">
+                                            <p:txEl>
+                                              <p:pRg st="4" end="4"/>
+                                            </p:txEl>
+                                          </p:spTgt>
+                                        </p:tgtEl>
+                                      </p:cBhvr>
+                                    </p:animEffect>
+                                    <p:anim calcmode="lin" valueType="num">
+                                      <p:cBhvr>
+                                        <p:cTn id="18" dur="1000" fill="hold"/>
+                                        <p:tgtEl>
+                                          <p:spTgt spid="30722">
+                                            <p:txEl>
+                                              <p:pRg st="4" end="4"/>
+                                            </p:txEl>
+                                          </p:spTgt>
+                                        </p:tgtEl>
+                                        <p:attrNameLst>
+                                          <p:attrName>ppt_x</p:attrName>
+                                        </p:attrNameLst>
+                                      </p:cBhvr>
+                                      <p:tavLst>
+                                        <p:tav tm="0">
+                                          <p:val>
+                                            <p:strVal val="#ppt_x"/>
+                                          </p:val>
+                                        </p:tav>
+                                        <p:tav tm="100000">
+                                          <p:val>
+                                            <p:strVal val="#ppt_x"/>
+                                          </p:val>
+                                        </p:tav>
+                                      </p:tavLst>
+                                    </p:anim>
+                                    <p:anim calcmode="lin" valueType="num">
+                                      <p:cBhvr>
+                                        <p:cTn id="19" dur="1000" fill="hold"/>
+                                        <p:tgtEl>
+                                          <p:spTgt spid="30722">
+                                            <p:txEl>
+                                              <p:pRg st="4" end="4"/>
+                                            </p:txEl>
+                                          </p:spTgt>
+                                        </p:tgtEl>
+                                        <p:attrNameLst>
+                                          <p:attrName>ppt_y</p:attrName>
+                                        </p:attrNameLst>
+                                      </p:cBhvr>
+                                      <p:tavLst>
+                                        <p:tav tm="0">
+                                          <p:val>
+                                            <p:strVal val="#ppt_y+.1"/>
+                                          </p:val>
+                                        </p:tav>
+                                        <p:tav tm="100000">
+                                          <p:val>
+                                            <p:strVal val="#ppt_y"/>
+                                          </p:val>
+                                        </p:tav>
+                                      </p:tavLst>
+                                    </p:anim>
+                                  </p:childTnLst>
+                                </p:cTn>
+                              </p:par>
+                              <p:par>
+                                <p:cTn id="20" presetID="42" presetClass="entr" presetSubtype="0" fill="hold" nodeType="withEffect">
+                                  <p:stCondLst>
+                                    <p:cond delay="0"/>
+                                  </p:stCondLst>
+                                  <p:childTnLst>
+                                    <p:set>
+                                      <p:cBhvr>
+                                        <p:cTn id="21" dur="1" fill="hold">
+                                          <p:stCondLst>
+                                            <p:cond delay="0"/>
+                                          </p:stCondLst>
+                                        </p:cTn>
+                                        <p:tgtEl>
+                                          <p:spTgt spid="30722">
+                                            <p:txEl>
+                                              <p:pRg st="5" end="5"/>
+                                            </p:txEl>
+                                          </p:spTgt>
+                                        </p:tgtEl>
+                                        <p:attrNameLst>
+                                          <p:attrName>style.visibility</p:attrName>
+                                        </p:attrNameLst>
+                                      </p:cBhvr>
+                                      <p:to>
+                                        <p:strVal val="visible"/>
+                                      </p:to>
+                                    </p:set>
+                                    <p:animEffect transition="in" filter="fade">
+                                      <p:cBhvr>
+                                        <p:cTn id="22" dur="1000"/>
+                                        <p:tgtEl>
+                                          <p:spTgt spid="30722">
+                                            <p:txEl>
+                                              <p:pRg st="5" end="5"/>
+                                            </p:txEl>
+                                          </p:spTgt>
+                                        </p:tgtEl>
+                                      </p:cBhvr>
+                                    </p:animEffect>
+                                    <p:anim calcmode="lin" valueType="num">
+                                      <p:cBhvr>
+                                        <p:cTn id="23" dur="1000" fill="hold"/>
+                                        <p:tgtEl>
+                                          <p:spTgt spid="30722">
+                                            <p:txEl>
+                                              <p:pRg st="5" end="5"/>
+                                            </p:txEl>
+                                          </p:spTgt>
+                                        </p:tgtEl>
+                                        <p:attrNameLst>
+                                          <p:attrName>ppt_x</p:attrName>
+                                        </p:attrNameLst>
+                                      </p:cBhvr>
+                                      <p:tavLst>
+                                        <p:tav tm="0">
+                                          <p:val>
+                                            <p:strVal val="#ppt_x"/>
+                                          </p:val>
+                                        </p:tav>
+                                        <p:tav tm="100000">
+                                          <p:val>
+                                            <p:strVal val="#ppt_x"/>
+                                          </p:val>
+                                        </p:tav>
+                                      </p:tavLst>
+                                    </p:anim>
+                                    <p:anim calcmode="lin" valueType="num">
+                                      <p:cBhvr>
+                                        <p:cTn id="24" dur="1000" fill="hold"/>
+                                        <p:tgtEl>
+                                          <p:spTgt spid="30722">
+                                            <p:txEl>
+                                              <p:pRg st="5" end="5"/>
+                                            </p:txEl>
+                                          </p:spTgt>
+                                        </p:tgtEl>
+                                        <p:attrNameLst>
+                                          <p:attrName>ppt_y</p:attrName>
+                                        </p:attrNameLst>
+                                      </p:cBhvr>
+                                      <p:tavLst>
+                                        <p:tav tm="0">
+                                          <p:val>
+                                            <p:strVal val="#ppt_y+.1"/>
+                                          </p:val>
+                                        </p:tav>
+                                        <p:tav tm="100000">
+                                          <p:val>
+                                            <p:strVal val="#ppt_y"/>
+                                          </p:val>
+                                        </p:tav>
+                                      </p:tavLst>
+                                    </p:anim>
+                                  </p:childTnLst>
+                                </p:cTn>
+                              </p:par>
+                            </p:childTnLst>
+                          </p:cTn>
+                        </p:par>
+                      </p:childTnLst>
+                    </p:cTn>
+                  </p:par>
+                </p:childTnLst>
+              </p:cTn>
+              <p:prevCondLst>
+                <p:cond evt="onPrev" delay="0">
+                  <p:tgtEl>
+                    <p:sldTgt/>
+                  </p:tgtEl>
+                </p:cond>
+              </p:prevCondLst>
+              <p:nextCondLst>
+                <p:cond evt="onNext" delay="0">
+                  <p:tgtEl>
+                    <p:sldTgt/>
+                  </p:tgtEl>
+                </p:cond>
+              </p:nextCondLst>
+            </p:seq>
+          </p:childTnLst>
+        </p:cTn>
+      </p:par>
+    </p:tnLst>
+  </p:timing>
 </p:sld>
 </file>
 
